--- a/TMForumVancouver2017Hack/documentation/VancouverAirwatchTMForumHackScenario;119-6-2017draft.pptx
+++ b/TMForumVancouver2017Hack/documentation/VancouverAirwatchTMForumHackScenario;119-6-2017draft.pptx
@@ -5,7 +5,7 @@
     <p:sldMasterId id="2147483660" r:id="rId1"/>
   </p:sldMasterIdLst>
   <p:notesMasterIdLst>
-    <p:notesMasterId r:id="rId26"/>
+    <p:notesMasterId r:id="rId18"/>
   </p:notesMasterIdLst>
   <p:sldIdLst>
     <p:sldId id="375" r:id="rId2"/>
@@ -15,23 +15,15 @@
     <p:sldId id="392" r:id="rId6"/>
     <p:sldId id="395" r:id="rId7"/>
     <p:sldId id="396" r:id="rId8"/>
-    <p:sldId id="400" r:id="rId9"/>
-    <p:sldId id="397" r:id="rId10"/>
+    <p:sldId id="397" r:id="rId9"/>
+    <p:sldId id="400" r:id="rId10"/>
     <p:sldId id="402" r:id="rId11"/>
-    <p:sldId id="403" r:id="rId12"/>
+    <p:sldId id="406" r:id="rId12"/>
     <p:sldId id="376" r:id="rId13"/>
     <p:sldId id="378" r:id="rId14"/>
     <p:sldId id="373" r:id="rId15"/>
     <p:sldId id="374" r:id="rId16"/>
     <p:sldId id="359" r:id="rId17"/>
-    <p:sldId id="401" r:id="rId18"/>
-    <p:sldId id="394" r:id="rId19"/>
-    <p:sldId id="386" r:id="rId20"/>
-    <p:sldId id="385" r:id="rId21"/>
-    <p:sldId id="388" r:id="rId22"/>
-    <p:sldId id="384" r:id="rId23"/>
-    <p:sldId id="390" r:id="rId24"/>
-    <p:sldId id="404" r:id="rId25"/>
   </p:sldIdLst>
   <p:sldSz cx="9144000" cy="5143500" type="screen16x9"/>
   <p:notesSz cx="6858000" cy="9144000"/>
@@ -132,7 +124,7 @@
   </p:defaultTextStyle>
   <p:extLst>
     <p:ext uri="{EFAFB233-063F-42B5-8137-9DF3F51BA10A}">
-      <p15:sldGuideLst xmlns:p15="http://schemas.microsoft.com/office/powerpoint/2012/main" xmlns="">
+      <p15:sldGuideLst xmlns="" xmlns:p15="http://schemas.microsoft.com/office/powerpoint/2012/main">
         <p15:guide id="1" orient="horz" pos="1620">
           <p15:clr>
             <a:srgbClr val="A4A3A4"/>
@@ -231,7 +223,7 @@
           <a:p>
             <a:fld id="{5D8FF35E-3EFA-4733-8AFD-11251B334CD4}" type="datetimeFigureOut">
               <a:rPr lang="en-US" smtClean="0"/>
-              <a:t>25-09-17</a:t>
+              <a:t>26-09-17</a:t>
             </a:fld>
             <a:endParaRPr lang="en-US"/>
           </a:p>
@@ -1743,15 +1735,7 @@
             </a:r>
             <a:r>
               <a:rPr lang="en-GB" dirty="0" smtClean="0"/>
-              <a:t> air quality measurements for smart ports </a:t>
-            </a:r>
-            <a:r>
-              <a:rPr lang="en-GB" dirty="0" smtClean="0"/>
-              <a:t>and cities using </a:t>
-            </a:r>
-            <a:r>
-              <a:rPr lang="en-GB" dirty="0" smtClean="0"/>
-              <a:t>low cost </a:t>
+              <a:t> air quality measurements for smart ports and cities using low cost </a:t>
             </a:r>
             <a:r>
               <a:rPr lang="en-GB" dirty="0" err="1" smtClean="0"/>
@@ -2017,7 +2001,7 @@
           <a:p>
             <a:r>
               <a:rPr lang="en-GB" dirty="0" smtClean="0"/>
-              <a:t>Licence Manager / App Store</a:t>
+              <a:t>Plugin Authentication / Product Catalogue / Inventory</a:t>
             </a:r>
             <a:endParaRPr lang="en-GB" dirty="0"/>
           </a:p>
@@ -2407,7 +2391,7 @@
         </p:nvGrpSpPr>
         <p:grpSpPr>
           <a:xfrm>
-            <a:off x="4464963" y="3101009"/>
+            <a:off x="4475334" y="2932698"/>
             <a:ext cx="2373159" cy="1480930"/>
             <a:chOff x="3803374" y="3723861"/>
             <a:chExt cx="2570922" cy="1895061"/>
@@ -2454,7 +2438,7 @@
                 </a:xfrm>
                 <a:prstGeom prst="corner">
                   <a:avLst>
-                    <a:gd name="adj1" fmla="val 13924"/>
+                    <a:gd name="adj1" fmla="val 17388"/>
                     <a:gd name="adj2" fmla="val 15190"/>
                   </a:avLst>
                 </a:prstGeom>
@@ -2501,14 +2485,40 @@
                       <a:spcPct val="0"/>
                     </a:spcAft>
                   </a:pPr>
+                  <a:endParaRPr lang="en-GB" sz="900" dirty="0" smtClean="0">
+                    <a:latin typeface="Arial" charset="0"/>
+                  </a:endParaRPr>
+                </a:p>
+                <a:p>
+                  <a:pPr algn="just" defTabSz="779252" eaLnBrk="0" fontAlgn="base" hangingPunct="0">
+                    <a:spcBef>
+                      <a:spcPct val="0"/>
+                    </a:spcBef>
+                    <a:spcAft>
+                      <a:spcPct val="0"/>
+                    </a:spcAft>
+                  </a:pPr>
+                  <a:endParaRPr lang="en-GB" sz="900" dirty="0">
+                    <a:latin typeface="Arial" charset="0"/>
+                  </a:endParaRPr>
+                </a:p>
+                <a:p>
+                  <a:pPr algn="just" defTabSz="779252" eaLnBrk="0" fontAlgn="base" hangingPunct="0">
+                    <a:spcBef>
+                      <a:spcPct val="0"/>
+                    </a:spcBef>
+                    <a:spcAft>
+                      <a:spcPct val="0"/>
+                    </a:spcAft>
+                  </a:pPr>
                   <a:r>
-                    <a:rPr lang="en-GB" sz="900" dirty="0" err="1">
+                    <a:rPr lang="en-GB" sz="900" dirty="0" err="1" smtClean="0">
                       <a:latin typeface="Arial" charset="0"/>
                     </a:rPr>
                     <a:t>OpenNMS</a:t>
                   </a:r>
                   <a:r>
-                    <a:rPr lang="en-GB" sz="900" dirty="0">
+                    <a:rPr lang="en-GB" sz="900" dirty="0" smtClean="0">
                       <a:latin typeface="Arial" charset="0"/>
                     </a:rPr>
                     <a:t> </a:t>
@@ -2962,7 +2972,7 @@
         <p:spPr bwMode="auto">
           <a:xfrm>
             <a:off x="2997030" y="3389243"/>
-            <a:ext cx="892992" cy="864705"/>
+            <a:ext cx="1003470" cy="864705"/>
           </a:xfrm>
           <a:prstGeom prst="triangle">
             <a:avLst/>
@@ -3007,21 +3017,24 @@
           </a:p>
           <a:p>
             <a:r>
-              <a:rPr lang="en-GB" sz="900" dirty="0"/>
+              <a:rPr lang="en-GB" sz="900" dirty="0" smtClean="0"/>
               <a:t>Maven</a:t>
             </a:r>
           </a:p>
           <a:p>
             <a:r>
-              <a:rPr lang="en-GB" sz="900" dirty="0"/>
-              <a:t>Plugin</a:t>
-            </a:r>
-          </a:p>
-          <a:p>
-            <a:r>
-              <a:rPr lang="en-GB" sz="900" dirty="0"/>
+              <a:rPr lang="en-GB" sz="900" dirty="0" smtClean="0"/>
+              <a:t>Plugin </a:t>
+            </a:r>
+          </a:p>
+          <a:p>
+            <a:r>
+              <a:rPr lang="en-GB" sz="900" dirty="0" smtClean="0"/>
               <a:t>Repo</a:t>
             </a:r>
+          </a:p>
+          <a:p>
+            <a:endParaRPr lang="en-GB" sz="900" dirty="0"/>
           </a:p>
         </p:txBody>
       </p:sp>
@@ -3139,120 +3152,30 @@
         </p:nvSpPr>
         <p:spPr bwMode="auto">
           <a:xfrm>
-            <a:off x="6617932" y="775253"/>
-            <a:ext cx="1761520" cy="1172817"/>
+            <a:off x="8325975" y="535229"/>
+            <a:ext cx="818025" cy="1155905"/>
           </a:xfrm>
           <a:prstGeom prst="rect">
             <a:avLst/>
           </a:prstGeom>
-          <a:solidFill>
-            <a:schemeClr val="bg1"/>
-          </a:solidFill>
-          <a:ln w="9525" cap="flat" cmpd="sng" algn="ctr">
-            <a:solidFill>
-              <a:schemeClr val="tx1"/>
-            </a:solidFill>
-            <a:prstDash val="solid"/>
-            <a:round/>
-            <a:headEnd type="none" w="sm" len="sm"/>
-            <a:tailEnd type="triangle" w="sm" len="sm"/>
-          </a:ln>
-          <a:effectLst/>
-          <a:extLst>
-            <a:ext uri="{AF507438-7753-43E0-B8FC-AC1667EBCBE1}">
-              <a14:hiddenEffects xmlns:a14="http://schemas.microsoft.com/office/drawing/2010/main">
-                <a:effectLst>
-                  <a:outerShdw dist="35921" dir="2700000" algn="ctr" rotWithShape="0">
-                    <a:schemeClr val="bg2"/>
-                  </a:outerShdw>
-                </a:effectLst>
-              </a14:hiddenEffects>
-            </a:ext>
-          </a:extLst>
+          <a:noFill/>
+          <a:extLst/>
         </p:spPr>
         <p:txBody>
-          <a:bodyPr vert="horz" wrap="none" lIns="70562" tIns="39883" rIns="70562" bIns="39883" numCol="1" rtlCol="0" anchor="ctr" anchorCtr="0" compatLnSpc="1">
-            <a:prstTxWarp prst="textNoShape">
-              <a:avLst/>
-            </a:prstTxWarp>
+          <a:bodyPr wrap="square" lIns="77925" tIns="38963" rIns="77925" bIns="38963" rtlCol="0">
+            <a:spAutoFit/>
           </a:bodyPr>
           <a:lstStyle/>
           <a:p>
-            <a:pPr algn="ctr" defTabSz="779252" eaLnBrk="0" fontAlgn="base" hangingPunct="0">
-              <a:spcBef>
-                <a:spcPct val="0"/>
-              </a:spcBef>
-              <a:spcAft>
-                <a:spcPct val="0"/>
-              </a:spcAft>
-            </a:pPr>
-            <a:r>
-              <a:rPr lang="en-GB" sz="1400" dirty="0"/>
-              <a:t>Shopping</a:t>
-            </a:r>
-          </a:p>
-          <a:p>
-            <a:pPr algn="ctr" defTabSz="779252" eaLnBrk="0" fontAlgn="base" hangingPunct="0">
-              <a:spcBef>
-                <a:spcPct val="0"/>
-              </a:spcBef>
-              <a:spcAft>
-                <a:spcPct val="0"/>
-              </a:spcAft>
-            </a:pPr>
-            <a:r>
-              <a:rPr lang="en-GB" sz="1400" dirty="0"/>
-              <a:t>Cart / </a:t>
-            </a:r>
-          </a:p>
-          <a:p>
-            <a:pPr algn="ctr" defTabSz="779252" eaLnBrk="0" fontAlgn="base" hangingPunct="0">
-              <a:spcBef>
-                <a:spcPct val="0"/>
-              </a:spcBef>
-              <a:spcAft>
-                <a:spcPct val="0"/>
-              </a:spcAft>
-            </a:pPr>
-            <a:r>
-              <a:rPr lang="en-GB" sz="1400" dirty="0"/>
-              <a:t>Payment</a:t>
-            </a:r>
-          </a:p>
-          <a:p>
-            <a:pPr algn="ctr" defTabSz="779252" eaLnBrk="0" fontAlgn="base" hangingPunct="0">
-              <a:spcBef>
-                <a:spcPct val="0"/>
-              </a:spcBef>
-              <a:spcAft>
-                <a:spcPct val="0"/>
-              </a:spcAft>
-            </a:pPr>
-            <a:r>
-              <a:rPr lang="en-GB" sz="1400" dirty="0"/>
-              <a:t>Gateway</a:t>
-            </a:r>
-          </a:p>
-          <a:p>
-            <a:pPr algn="ctr" defTabSz="779252" eaLnBrk="0" fontAlgn="base" hangingPunct="0">
-              <a:spcBef>
-                <a:spcPct val="0"/>
-              </a:spcBef>
-              <a:spcAft>
-                <a:spcPct val="0"/>
-              </a:spcAft>
-            </a:pPr>
-            <a:r>
-              <a:rPr lang="en-GB" sz="1400" dirty="0"/>
-              <a:t>(</a:t>
-            </a:r>
-            <a:r>
-              <a:rPr lang="en-GB" sz="1400" dirty="0" err="1"/>
-              <a:t>Wordpress</a:t>
-            </a:r>
-            <a:r>
-              <a:rPr lang="en-GB" sz="1400" dirty="0"/>
-              <a:t> EDD)</a:t>
+            <a:r>
+              <a:rPr lang="en-GB" sz="1000" dirty="0"/>
+              <a:t>Business Process</a:t>
+            </a:r>
+          </a:p>
+          <a:p>
+            <a:r>
+              <a:rPr lang="en-GB" sz="1000" dirty="0"/>
+              <a:t>Linking Inventory catalogue and licences</a:t>
             </a:r>
           </a:p>
         </p:txBody>
@@ -3262,19 +3185,19 @@
           <p:cNvPr id="31" name="Elbow Connector 30"/>
           <p:cNvCxnSpPr>
             <a:stCxn id="10" idx="0"/>
-            <a:endCxn id="29" idx="1"/>
+            <a:endCxn id="49" idx="1"/>
           </p:cNvCxnSpPr>
           <p:nvPr/>
         </p:nvCxnSpPr>
         <p:spPr bwMode="auto">
           <a:xfrm rot="16200000" flipH="1">
-            <a:off x="6013834" y="757566"/>
-            <a:ext cx="390596" cy="817598"/>
+            <a:off x="6218359" y="553041"/>
+            <a:ext cx="140572" cy="976623"/>
           </a:xfrm>
           <a:prstGeom prst="bentConnector4">
             <a:avLst>
-              <a:gd name="adj1" fmla="val -43895"/>
-              <a:gd name="adj2" fmla="val 55910"/>
+              <a:gd name="adj1" fmla="val -162621"/>
+              <a:gd name="adj2" fmla="val 54947"/>
             </a:avLst>
           </a:prstGeom>
           <a:solidFill>
@@ -3307,19 +3230,19 @@
         <p:nvCxnSpPr>
           <p:cNvPr id="34" name="Elbow Connector 33"/>
           <p:cNvCxnSpPr>
-            <a:stCxn id="29" idx="2"/>
+            <a:stCxn id="49" idx="2"/>
             <a:endCxn id="21" idx="0"/>
           </p:cNvCxnSpPr>
           <p:nvPr/>
         </p:nvCxnSpPr>
         <p:spPr bwMode="auto">
           <a:xfrm rot="5400000">
-            <a:off x="5833025" y="1510910"/>
-            <a:ext cx="1228506" cy="2102829"/>
+            <a:off x="5613183" y="1222190"/>
+            <a:ext cx="1579127" cy="1993023"/>
           </a:xfrm>
           <a:prstGeom prst="bentConnector3">
             <a:avLst>
-              <a:gd name="adj1" fmla="val 50000"/>
+              <a:gd name="adj1" fmla="val 66889"/>
             </a:avLst>
           </a:prstGeom>
           <a:solidFill>
@@ -3356,8 +3279,8 @@
         </p:nvSpPr>
         <p:spPr>
           <a:xfrm>
-            <a:off x="5383092" y="318053"/>
-            <a:ext cx="1430565" cy="540352"/>
+            <a:off x="4924335" y="448075"/>
+            <a:ext cx="1598620" cy="386464"/>
           </a:xfrm>
           <a:prstGeom prst="rect">
             <a:avLst/>
@@ -3372,14 +3295,13 @@
           <a:p>
             <a:r>
               <a:rPr lang="en-GB" sz="1000" dirty="0"/>
-              <a:t>API for creating Public Key</a:t>
-            </a:r>
-          </a:p>
-          <a:p>
-            <a:r>
-              <a:rPr lang="en-GB" sz="1000" dirty="0"/>
-              <a:t>licences</a:t>
-            </a:r>
+              <a:t>API for creating Public </a:t>
+            </a:r>
+            <a:r>
+              <a:rPr lang="en-GB" sz="1000" dirty="0" smtClean="0"/>
+              <a:t>Key licences</a:t>
+            </a:r>
+            <a:endParaRPr lang="en-GB" sz="1000" dirty="0"/>
           </a:p>
         </p:txBody>
       </p:sp>
@@ -3391,8 +3313,8 @@
         </p:nvSpPr>
         <p:spPr>
           <a:xfrm>
-            <a:off x="5594563" y="2380422"/>
-            <a:ext cx="1659386" cy="694240"/>
+            <a:off x="5610504" y="2635905"/>
+            <a:ext cx="2106624" cy="232575"/>
           </a:xfrm>
           <a:prstGeom prst="rect">
             <a:avLst/>
@@ -3407,26 +3329,13 @@
           <a:p>
             <a:r>
               <a:rPr lang="en-GB" sz="1000" dirty="0"/>
-              <a:t>Licences distributed using </a:t>
-            </a:r>
-          </a:p>
-          <a:p>
-            <a:r>
-              <a:rPr lang="en-GB" sz="1000" dirty="0"/>
-              <a:t>Cut/Paste</a:t>
-            </a:r>
-          </a:p>
-          <a:p>
-            <a:r>
-              <a:rPr lang="en-GB" sz="1000" dirty="0"/>
-              <a:t> from User Account in</a:t>
-            </a:r>
-          </a:p>
-          <a:p>
-            <a:r>
-              <a:rPr lang="en-GB" sz="1000" dirty="0"/>
-              <a:t>Payment Gateway</a:t>
-            </a:r>
+              <a:t>Licences </a:t>
+            </a:r>
+            <a:r>
+              <a:rPr lang="en-GB" sz="1000" dirty="0" smtClean="0"/>
+              <a:t>requested from inventory</a:t>
+            </a:r>
+            <a:endParaRPr lang="en-GB" sz="1000" dirty="0"/>
           </a:p>
         </p:txBody>
       </p:sp>
@@ -3484,8 +3393,8 @@
         </p:nvSpPr>
         <p:spPr>
           <a:xfrm>
-            <a:off x="2474380" y="506897"/>
-            <a:ext cx="2504358" cy="540352"/>
+            <a:off x="2191347" y="572830"/>
+            <a:ext cx="1916109" cy="540352"/>
           </a:xfrm>
           <a:prstGeom prst="rect">
             <a:avLst/>
@@ -3516,13 +3425,13 @@
         </p:nvCxnSpPr>
         <p:spPr bwMode="auto">
           <a:xfrm rot="5400000" flipH="1" flipV="1">
-            <a:off x="4693046" y="2387151"/>
-            <a:ext cx="617277" cy="3116317"/>
+            <a:off x="4641696" y="2325429"/>
+            <a:ext cx="785588" cy="3071450"/>
           </a:xfrm>
           <a:prstGeom prst="bentConnector4">
             <a:avLst>
-              <a:gd name="adj1" fmla="val -66419"/>
-              <a:gd name="adj2" fmla="val 117370"/>
+              <a:gd name="adj1" fmla="val -29099"/>
+              <a:gd name="adj2" fmla="val 107443"/>
             </a:avLst>
           </a:prstGeom>
           <a:solidFill>
@@ -3559,8 +3468,8 @@
         </p:nvSpPr>
         <p:spPr>
           <a:xfrm>
-            <a:off x="4107456" y="4670823"/>
-            <a:ext cx="2247472" cy="386464"/>
+            <a:off x="3442621" y="4484782"/>
+            <a:ext cx="4159733" cy="232575"/>
           </a:xfrm>
           <a:prstGeom prst="rect">
             <a:avLst/>
@@ -3588,7 +3497,7 @@
         </p:nvSpPr>
         <p:spPr>
           <a:xfrm>
-            <a:off x="7192873" y="3423462"/>
+            <a:off x="7246213" y="3112280"/>
             <a:ext cx="1620843" cy="540352"/>
           </a:xfrm>
           <a:prstGeom prst="rect">
@@ -3904,8 +3813,8 @@
         </p:nvCxnSpPr>
         <p:spPr bwMode="auto">
           <a:xfrm>
-            <a:off x="1761521" y="3652632"/>
-            <a:ext cx="1458758" cy="168964"/>
+            <a:off x="1761521" y="3652633"/>
+            <a:ext cx="1486377" cy="168963"/>
           </a:xfrm>
           <a:prstGeom prst="bentConnector3">
             <a:avLst>
@@ -4096,7 +4005,7 @@
         </p:nvSpPr>
         <p:spPr>
           <a:xfrm>
-            <a:off x="241898" y="631135"/>
+            <a:off x="241898" y="581665"/>
             <a:ext cx="1868256" cy="632685"/>
           </a:xfrm>
           <a:prstGeom prst="rect">
@@ -4154,8 +4063,8 @@
         </p:nvSpPr>
         <p:spPr>
           <a:xfrm>
-            <a:off x="7183556" y="3999555"/>
-            <a:ext cx="1192912" cy="386464"/>
+            <a:off x="7193927" y="3831244"/>
+            <a:ext cx="1600075" cy="386464"/>
           </a:xfrm>
           <a:prstGeom prst="rect">
             <a:avLst/>
@@ -4179,13 +4088,247 @@
           </a:p>
           <a:p>
             <a:r>
-              <a:rPr lang="en-GB" sz="1000" b="1" dirty="0" err="1"/>
+              <a:rPr lang="en-GB" sz="1000" b="1" dirty="0" err="1" smtClean="0"/>
+              <a:t>Karaf</a:t>
+            </a:r>
+            <a:r>
+              <a:rPr lang="en-GB" sz="1000" b="1" dirty="0" smtClean="0"/>
+              <a:t> / Kura / </a:t>
+            </a:r>
+            <a:r>
+              <a:rPr lang="en-GB" sz="1000" b="1" dirty="0" err="1" smtClean="0"/>
               <a:t>OpenNMS</a:t>
             </a:r>
             <a:endParaRPr lang="en-GB" sz="1000" b="1" dirty="0"/>
           </a:p>
         </p:txBody>
       </p:sp>
+      <p:sp>
+        <p:nvSpPr>
+          <p:cNvPr id="48" name="Isosceles Triangle 47"/>
+          <p:cNvSpPr/>
+          <p:nvPr/>
+        </p:nvSpPr>
+        <p:spPr>
+          <a:xfrm>
+            <a:off x="7736801" y="1679005"/>
+            <a:ext cx="1279334" cy="1054965"/>
+          </a:xfrm>
+          <a:prstGeom prst="triangle">
+            <a:avLst/>
+          </a:prstGeom>
+          <a:solidFill>
+            <a:srgbClr val="FFFF00"/>
+          </a:solidFill>
+          <a:ln>
+            <a:solidFill>
+              <a:schemeClr val="tx1"/>
+            </a:solidFill>
+          </a:ln>
+          <a:effectLst/>
+        </p:spPr>
+        <p:style>
+          <a:lnRef idx="1">
+            <a:schemeClr val="accent1"/>
+          </a:lnRef>
+          <a:fillRef idx="3">
+            <a:schemeClr val="accent1"/>
+          </a:fillRef>
+          <a:effectRef idx="2">
+            <a:schemeClr val="accent1"/>
+          </a:effectRef>
+          <a:fontRef idx="minor">
+            <a:schemeClr val="lt1"/>
+          </a:fontRef>
+        </p:style>
+        <p:txBody>
+          <a:bodyPr rot="0" spcFirstLastPara="0" vertOverflow="overflow" horzOverflow="overflow" vert="horz" wrap="none" lIns="45720" tIns="45720" rIns="45720" bIns="45720" numCol="1" spcCol="0" rtlCol="0" fromWordArt="0" anchor="b" anchorCtr="0" forceAA="0" compatLnSpc="1">
+            <a:prstTxWarp prst="textNoShape">
+              <a:avLst/>
+            </a:prstTxWarp>
+            <a:noAutofit/>
+          </a:bodyPr>
+          <a:lstStyle/>
+          <a:p>
+            <a:pPr algn="ctr"/>
+            <a:r>
+              <a:rPr lang="en-GB" sz="1200" dirty="0" err="1" smtClean="0">
+                <a:solidFill>
+                  <a:schemeClr val="tx1"/>
+                </a:solidFill>
+              </a:rPr>
+              <a:t>TMForum</a:t>
+            </a:r>
+            <a:endParaRPr lang="en-GB" sz="1200" dirty="0" smtClean="0">
+              <a:solidFill>
+                <a:schemeClr val="tx1"/>
+              </a:solidFill>
+            </a:endParaRPr>
+          </a:p>
+          <a:p>
+            <a:pPr algn="ctr"/>
+            <a:r>
+              <a:rPr lang="en-GB" sz="1200" dirty="0" smtClean="0">
+                <a:solidFill>
+                  <a:schemeClr val="tx1"/>
+                </a:solidFill>
+              </a:rPr>
+              <a:t>Catalogue+</a:t>
+            </a:r>
+          </a:p>
+          <a:p>
+            <a:pPr algn="ctr"/>
+            <a:r>
+              <a:rPr lang="en-GB" sz="1200" dirty="0" smtClean="0">
+                <a:solidFill>
+                  <a:schemeClr val="tx1"/>
+                </a:solidFill>
+              </a:rPr>
+              <a:t>inventory</a:t>
+            </a:r>
+            <a:endParaRPr lang="en-GB" sz="1200" dirty="0">
+              <a:solidFill>
+                <a:schemeClr val="tx1"/>
+              </a:solidFill>
+            </a:endParaRPr>
+          </a:p>
+        </p:txBody>
+      </p:sp>
+      <p:sp>
+        <p:nvSpPr>
+          <p:cNvPr id="49" name="Rectangle 48"/>
+          <p:cNvSpPr/>
+          <p:nvPr/>
+        </p:nvSpPr>
+        <p:spPr>
+          <a:xfrm>
+            <a:off x="6776957" y="794138"/>
+            <a:ext cx="1244600" cy="635000"/>
+          </a:xfrm>
+          <a:prstGeom prst="rect">
+            <a:avLst/>
+          </a:prstGeom>
+          <a:solidFill>
+            <a:srgbClr val="FFFF00"/>
+          </a:solidFill>
+          <a:ln>
+            <a:solidFill>
+              <a:schemeClr val="tx1"/>
+            </a:solidFill>
+          </a:ln>
+          <a:effectLst/>
+        </p:spPr>
+        <p:style>
+          <a:lnRef idx="1">
+            <a:schemeClr val="accent1"/>
+          </a:lnRef>
+          <a:fillRef idx="3">
+            <a:schemeClr val="accent1"/>
+          </a:fillRef>
+          <a:effectRef idx="2">
+            <a:schemeClr val="accent1"/>
+          </a:effectRef>
+          <a:fontRef idx="minor">
+            <a:schemeClr val="lt1"/>
+          </a:fontRef>
+        </p:style>
+        <p:txBody>
+          <a:bodyPr rot="0" spcFirstLastPara="0" vertOverflow="overflow" horzOverflow="overflow" vert="horz" wrap="none" lIns="45720" tIns="45720" rIns="45720" bIns="45720" numCol="1" spcCol="0" rtlCol="0" fromWordArt="0" anchor="b" anchorCtr="0" forceAA="0" compatLnSpc="1">
+            <a:prstTxWarp prst="textNoShape">
+              <a:avLst/>
+            </a:prstTxWarp>
+            <a:noAutofit/>
+          </a:bodyPr>
+          <a:lstStyle/>
+          <a:p>
+            <a:pPr algn="ctr"/>
+            <a:r>
+              <a:rPr lang="en-GB" sz="1200" dirty="0" err="1">
+                <a:solidFill>
+                  <a:schemeClr val="tx1"/>
+                </a:solidFill>
+              </a:rPr>
+              <a:t>IoT</a:t>
+            </a:r>
+            <a:r>
+              <a:rPr lang="en-GB" sz="1200" dirty="0">
+                <a:solidFill>
+                  <a:schemeClr val="tx1"/>
+                </a:solidFill>
+              </a:rPr>
+              <a:t> Sensor </a:t>
+            </a:r>
+            <a:endParaRPr lang="en-GB" sz="1200" dirty="0" smtClean="0">
+              <a:solidFill>
+                <a:schemeClr val="tx1"/>
+              </a:solidFill>
+            </a:endParaRPr>
+          </a:p>
+          <a:p>
+            <a:pPr algn="ctr"/>
+            <a:r>
+              <a:rPr lang="en-GB" sz="1200" dirty="0" smtClean="0">
+                <a:solidFill>
+                  <a:schemeClr val="tx1"/>
+                </a:solidFill>
+              </a:rPr>
+              <a:t>Authentication</a:t>
+            </a:r>
+            <a:endParaRPr lang="en-GB" sz="1200" dirty="0">
+              <a:solidFill>
+                <a:schemeClr val="tx1"/>
+              </a:solidFill>
+            </a:endParaRPr>
+          </a:p>
+        </p:txBody>
+      </p:sp>
+      <p:cxnSp>
+        <p:nvCxnSpPr>
+          <p:cNvPr id="62" name="Elbow Connector 61"/>
+          <p:cNvCxnSpPr>
+            <a:stCxn id="48" idx="1"/>
+            <a:endCxn id="49" idx="3"/>
+          </p:cNvCxnSpPr>
+          <p:nvPr/>
+        </p:nvCxnSpPr>
+        <p:spPr bwMode="auto">
+          <a:xfrm rot="10800000">
+            <a:off x="8021557" y="1111638"/>
+            <a:ext cx="35078" cy="1094850"/>
+          </a:xfrm>
+          <a:prstGeom prst="bentConnector5">
+            <a:avLst>
+              <a:gd name="adj1" fmla="val 651691"/>
+              <a:gd name="adj2" fmla="val 59590"/>
+              <a:gd name="adj3" fmla="val -551691"/>
+            </a:avLst>
+          </a:prstGeom>
+          <a:solidFill>
+            <a:schemeClr val="bg1"/>
+          </a:solidFill>
+          <a:ln w="9525" cap="flat" cmpd="sng" algn="ctr">
+            <a:solidFill>
+              <a:schemeClr val="tx1"/>
+            </a:solidFill>
+            <a:prstDash val="solid"/>
+            <a:round/>
+            <a:headEnd type="none" w="sm" len="sm"/>
+            <a:tailEnd type="arrow"/>
+          </a:ln>
+          <a:effectLst/>
+          <a:extLst>
+            <a:ext uri="{AF507438-7753-43E0-B8FC-AC1667EBCBE1}">
+              <a14:hiddenEffects xmlns:a14="http://schemas.microsoft.com/office/drawing/2010/main">
+                <a:effectLst>
+                  <a:outerShdw dist="35921" dir="2700000" algn="ctr" rotWithShape="0">
+                    <a:schemeClr val="bg2"/>
+                  </a:outerShdw>
+                </a:effectLst>
+              </a14:hiddenEffects>
+            </a:ext>
+          </a:extLst>
+        </p:spPr>
+      </p:cxnSp>
     </p:spTree>
     <p:extLst>
       <p:ext uri="{BB962C8B-B14F-4D97-AF65-F5344CB8AC3E}">
@@ -4506,7 +4649,7 @@
         <p:spPr>
           <a:xfrm>
             <a:off x="4556964" y="565960"/>
-            <a:ext cx="1082346" cy="462170"/>
+            <a:ext cx="1241952" cy="462170"/>
           </a:xfrm>
           <a:prstGeom prst="rect">
             <a:avLst/>
@@ -4520,15 +4663,16 @@
           <a:lstStyle/>
           <a:p>
             <a:r>
-              <a:rPr lang="en-GB" sz="900" dirty="0"/>
+              <a:rPr lang="en-GB" sz="900" dirty="0" smtClean="0"/>
+              <a:t>Product Catalogue</a:t>
+            </a:r>
+          </a:p>
+          <a:p>
+            <a:r>
+              <a:rPr lang="en-GB" sz="900" dirty="0" smtClean="0"/>
               <a:t>Shopping Cart</a:t>
             </a:r>
-          </a:p>
-          <a:p>
-            <a:r>
-              <a:rPr lang="en-GB" sz="900" dirty="0"/>
-              <a:t>Payment Gateway</a:t>
-            </a:r>
+            <a:endParaRPr lang="en-GB" sz="900" dirty="0"/>
           </a:p>
         </p:txBody>
       </p:sp>
@@ -5513,7 +5657,7 @@
     </p:spTree>
     <p:extLst>
       <p:ext uri="{BB962C8B-B14F-4D97-AF65-F5344CB8AC3E}">
-        <p14:creationId xmlns:p14="http://schemas.microsoft.com/office/powerpoint/2010/main" val="3494409273"/>
+        <p14:creationId xmlns:p14="http://schemas.microsoft.com/office/powerpoint/2010/main" val="819225667"/>
       </p:ext>
     </p:extLst>
   </p:cSld>
@@ -8111,1566 +8255,6 @@
 </p:sld>
 </file>
 
-<file path=ppt/slides/slide17.xml><?xml version="1.0" encoding="utf-8"?>
-<p:sld xmlns:a="http://schemas.openxmlformats.org/drawingml/2006/main" xmlns:r="http://schemas.openxmlformats.org/officeDocument/2006/relationships" xmlns:p="http://schemas.openxmlformats.org/presentationml/2006/main">
-  <p:cSld>
-    <p:spTree>
-      <p:nvGrpSpPr>
-        <p:cNvPr id="1" name=""/>
-        <p:cNvGrpSpPr/>
-        <p:nvPr/>
-      </p:nvGrpSpPr>
-      <p:grpSpPr>
-        <a:xfrm>
-          <a:off x="0" y="0"/>
-          <a:ext cx="0" cy="0"/>
-          <a:chOff x="0" y="0"/>
-          <a:chExt cx="0" cy="0"/>
-        </a:xfrm>
-      </p:grpSpPr>
-      <p:sp>
-        <p:nvSpPr>
-          <p:cNvPr id="2" name="Text Placeholder 1"/>
-          <p:cNvSpPr>
-            <a:spLocks noGrp="1"/>
-          </p:cNvSpPr>
-          <p:nvPr>
-            <p:ph type="body" sz="quarter" idx="10"/>
-          </p:nvPr>
-        </p:nvSpPr>
-        <p:spPr/>
-        <p:txBody>
-          <a:bodyPr/>
-          <a:lstStyle/>
-          <a:p>
-            <a:endParaRPr lang="en-GB"/>
-          </a:p>
-        </p:txBody>
-      </p:sp>
-      <p:sp>
-        <p:nvSpPr>
-          <p:cNvPr id="3" name="Title 2"/>
-          <p:cNvSpPr>
-            <a:spLocks noGrp="1"/>
-          </p:cNvSpPr>
-          <p:nvPr>
-            <p:ph type="title"/>
-          </p:nvPr>
-        </p:nvSpPr>
-        <p:spPr/>
-        <p:txBody>
-          <a:bodyPr/>
-          <a:lstStyle/>
-          <a:p>
-            <a:endParaRPr lang="en-GB"/>
-          </a:p>
-        </p:txBody>
-      </p:sp>
-      <p:sp>
-        <p:nvSpPr>
-          <p:cNvPr id="4" name="Content Placeholder 3"/>
-          <p:cNvSpPr>
-            <a:spLocks noGrp="1"/>
-          </p:cNvSpPr>
-          <p:nvPr>
-            <p:ph idx="1"/>
-          </p:nvPr>
-        </p:nvSpPr>
-        <p:spPr/>
-        <p:txBody>
-          <a:bodyPr/>
-          <a:lstStyle/>
-          <a:p>
-            <a:r>
-              <a:rPr lang="en-GB" dirty="0" smtClean="0"/>
-              <a:t>DRAFT</a:t>
-            </a:r>
-            <a:endParaRPr lang="en-GB" dirty="0"/>
-          </a:p>
-        </p:txBody>
-      </p:sp>
-    </p:spTree>
-    <p:extLst>
-      <p:ext uri="{BB962C8B-B14F-4D97-AF65-F5344CB8AC3E}">
-        <p14:creationId xmlns:p14="http://schemas.microsoft.com/office/powerpoint/2010/main" val="4267494759"/>
-      </p:ext>
-    </p:extLst>
-  </p:cSld>
-  <p:clrMapOvr>
-    <a:masterClrMapping/>
-  </p:clrMapOvr>
-  <mc:AlternateContent xmlns:mc="http://schemas.openxmlformats.org/markup-compatibility/2006" xmlns:p14="http://schemas.microsoft.com/office/powerpoint/2010/main">
-    <mc:Choice Requires="p14">
-      <p:transition p14:dur="10"/>
-    </mc:Choice>
-    <mc:Fallback xmlns="">
-      <p:transition/>
-    </mc:Fallback>
-  </mc:AlternateContent>
-</p:sld>
-</file>
-
-<file path=ppt/slides/slide18.xml><?xml version="1.0" encoding="utf-8"?>
-<p:sld xmlns:a="http://schemas.openxmlformats.org/drawingml/2006/main" xmlns:r="http://schemas.openxmlformats.org/officeDocument/2006/relationships" xmlns:p="http://schemas.openxmlformats.org/presentationml/2006/main">
-  <p:cSld>
-    <p:spTree>
-      <p:nvGrpSpPr>
-        <p:cNvPr id="1" name=""/>
-        <p:cNvGrpSpPr/>
-        <p:nvPr/>
-      </p:nvGrpSpPr>
-      <p:grpSpPr>
-        <a:xfrm>
-          <a:off x="0" y="0"/>
-          <a:ext cx="0" cy="0"/>
-          <a:chOff x="0" y="0"/>
-          <a:chExt cx="0" cy="0"/>
-        </a:xfrm>
-      </p:grpSpPr>
-      <p:sp>
-        <p:nvSpPr>
-          <p:cNvPr id="2" name="Text Placeholder 1"/>
-          <p:cNvSpPr>
-            <a:spLocks noGrp="1"/>
-          </p:cNvSpPr>
-          <p:nvPr>
-            <p:ph type="body" sz="quarter" idx="10"/>
-          </p:nvPr>
-        </p:nvSpPr>
-        <p:spPr/>
-        <p:txBody>
-          <a:bodyPr/>
-          <a:lstStyle/>
-          <a:p>
-            <a:endParaRPr lang="en-GB"/>
-          </a:p>
-        </p:txBody>
-      </p:sp>
-      <p:sp>
-        <p:nvSpPr>
-          <p:cNvPr id="3" name="Title 2"/>
-          <p:cNvSpPr>
-            <a:spLocks noGrp="1"/>
-          </p:cNvSpPr>
-          <p:nvPr>
-            <p:ph type="title"/>
-          </p:nvPr>
-        </p:nvSpPr>
-        <p:spPr/>
-        <p:txBody>
-          <a:bodyPr/>
-          <a:lstStyle/>
-          <a:p>
-            <a:endParaRPr lang="en-GB"/>
-          </a:p>
-        </p:txBody>
-      </p:sp>
-      <p:sp>
-        <p:nvSpPr>
-          <p:cNvPr id="4" name="Content Placeholder 3"/>
-          <p:cNvSpPr>
-            <a:spLocks noGrp="1"/>
-          </p:cNvSpPr>
-          <p:nvPr>
-            <p:ph idx="1"/>
-          </p:nvPr>
-        </p:nvSpPr>
-        <p:spPr/>
-        <p:txBody>
-          <a:bodyPr vert="horz" lIns="91440" tIns="45720" rIns="91440" bIns="45720" rtlCol="0">
-            <a:normAutofit fontScale="70000" lnSpcReduction="20000"/>
-          </a:bodyPr>
-          <a:lstStyle/>
-          <a:p>
-            <a:pPr>
-              <a:spcBef>
-                <a:spcPts val="600"/>
-              </a:spcBef>
-            </a:pPr>
-            <a:r>
-              <a:rPr lang="en-GB" sz="1600" dirty="0" smtClean="0"/>
-              <a:t>Requirements</a:t>
-            </a:r>
-          </a:p>
-          <a:p>
-            <a:pPr lvl="1">
-              <a:spcBef>
-                <a:spcPts val="600"/>
-              </a:spcBef>
-            </a:pPr>
-            <a:r>
-              <a:rPr lang="en-GB" sz="1200" dirty="0" smtClean="0"/>
-              <a:t>Common </a:t>
-            </a:r>
-            <a:r>
-              <a:rPr lang="en-GB" sz="1200" dirty="0" err="1" smtClean="0"/>
-              <a:t>IoT</a:t>
-            </a:r>
-            <a:r>
-              <a:rPr lang="en-GB" sz="1200" dirty="0" smtClean="0"/>
-              <a:t> platform used across applications</a:t>
-            </a:r>
-          </a:p>
-          <a:p>
-            <a:pPr lvl="1">
-              <a:spcBef>
-                <a:spcPts val="600"/>
-              </a:spcBef>
-            </a:pPr>
-            <a:r>
-              <a:rPr lang="en-GB" sz="1200" dirty="0" smtClean="0"/>
-              <a:t>Multiple independent applications/services  possible on platform</a:t>
-            </a:r>
-          </a:p>
-          <a:p>
-            <a:pPr lvl="1">
-              <a:spcBef>
-                <a:spcPts val="600"/>
-              </a:spcBef>
-            </a:pPr>
-            <a:r>
-              <a:rPr lang="en-GB" sz="1200" dirty="0" smtClean="0"/>
-              <a:t>Independent developers can write and test applications</a:t>
-            </a:r>
-          </a:p>
-          <a:p>
-            <a:pPr lvl="1">
-              <a:spcBef>
-                <a:spcPts val="600"/>
-              </a:spcBef>
-            </a:pPr>
-            <a:r>
-              <a:rPr lang="en-GB" sz="1200" dirty="0" smtClean="0"/>
-              <a:t>Applications authenticated to run on specific </a:t>
-            </a:r>
-            <a:r>
-              <a:rPr lang="en-GB" sz="1200" dirty="0" err="1" smtClean="0"/>
-              <a:t>IoT</a:t>
-            </a:r>
-            <a:r>
-              <a:rPr lang="en-GB" sz="1200" dirty="0" smtClean="0"/>
-              <a:t> devices using certificates/licences</a:t>
-            </a:r>
-          </a:p>
-          <a:p>
-            <a:pPr lvl="1">
-              <a:spcBef>
-                <a:spcPts val="600"/>
-              </a:spcBef>
-            </a:pPr>
-            <a:r>
-              <a:rPr lang="en-GB" sz="1200" dirty="0" smtClean="0"/>
-              <a:t>Common Management platform controls community of ‘known’ </a:t>
-            </a:r>
-            <a:r>
-              <a:rPr lang="en-GB" sz="1200" dirty="0" err="1" smtClean="0"/>
-              <a:t>IoT</a:t>
-            </a:r>
-            <a:r>
-              <a:rPr lang="en-GB" sz="1200" dirty="0" smtClean="0"/>
-              <a:t> devices</a:t>
-            </a:r>
-          </a:p>
-          <a:p>
-            <a:pPr lvl="2">
-              <a:spcBef>
-                <a:spcPts val="600"/>
-              </a:spcBef>
-            </a:pPr>
-            <a:r>
-              <a:rPr lang="en-GB" sz="1000" dirty="0" smtClean="0"/>
-              <a:t>Control software delivery and upgrade</a:t>
-            </a:r>
-          </a:p>
-          <a:p>
-            <a:pPr lvl="2">
-              <a:spcBef>
-                <a:spcPts val="600"/>
-              </a:spcBef>
-            </a:pPr>
-            <a:r>
-              <a:rPr lang="en-GB" sz="1000" dirty="0" smtClean="0"/>
-              <a:t>Monitor applications and remote devices</a:t>
-            </a:r>
-          </a:p>
-          <a:p>
-            <a:pPr lvl="2">
-              <a:spcBef>
-                <a:spcPts val="600"/>
-              </a:spcBef>
-            </a:pPr>
-            <a:r>
-              <a:rPr lang="en-GB" sz="1000" dirty="0" smtClean="0"/>
-              <a:t>Manage authentication of devices</a:t>
-            </a:r>
-          </a:p>
-          <a:p>
-            <a:pPr>
-              <a:spcBef>
-                <a:spcPts val="600"/>
-              </a:spcBef>
-            </a:pPr>
-            <a:r>
-              <a:rPr lang="en-GB" sz="1600" dirty="0" smtClean="0"/>
-              <a:t>Technology platform</a:t>
-            </a:r>
-          </a:p>
-          <a:p>
-            <a:pPr lvl="1">
-              <a:spcBef>
-                <a:spcPts val="600"/>
-              </a:spcBef>
-            </a:pPr>
-            <a:r>
-              <a:rPr lang="en-GB" sz="1200" dirty="0" smtClean="0"/>
-              <a:t>Java / </a:t>
-            </a:r>
-            <a:r>
-              <a:rPr lang="en-GB" sz="1200" dirty="0" err="1" smtClean="0"/>
-              <a:t>OSGi</a:t>
-            </a:r>
-            <a:endParaRPr lang="en-GB" sz="1200" dirty="0" smtClean="0"/>
-          </a:p>
-          <a:p>
-            <a:pPr lvl="1">
-              <a:spcBef>
-                <a:spcPts val="600"/>
-              </a:spcBef>
-            </a:pPr>
-            <a:r>
-              <a:rPr lang="en-GB" sz="1200" dirty="0"/>
-              <a:t>All code Open Source</a:t>
-            </a:r>
-          </a:p>
-          <a:p>
-            <a:pPr lvl="1">
-              <a:spcBef>
-                <a:spcPts val="600"/>
-              </a:spcBef>
-            </a:pPr>
-            <a:r>
-              <a:rPr lang="en-GB" sz="1200" dirty="0"/>
-              <a:t>See: https://github.com/gallenc/tmforumhack2017/tree/master/TMForumNice2017Hack</a:t>
-            </a:r>
-          </a:p>
-          <a:p>
-            <a:pPr lvl="1">
-              <a:spcBef>
-                <a:spcPts val="600"/>
-              </a:spcBef>
-            </a:pPr>
-            <a:endParaRPr lang="en-GB" sz="1200" dirty="0" smtClean="0"/>
-          </a:p>
-          <a:p>
-            <a:pPr lvl="2">
-              <a:spcBef>
-                <a:spcPts val="600"/>
-              </a:spcBef>
-            </a:pPr>
-            <a:endParaRPr lang="en-GB" sz="1000" dirty="0" smtClean="0"/>
-          </a:p>
-          <a:p>
-            <a:pPr>
-              <a:spcBef>
-                <a:spcPts val="600"/>
-              </a:spcBef>
-            </a:pPr>
-            <a:endParaRPr lang="en-GB" sz="1200" dirty="0" smtClean="0"/>
-          </a:p>
-          <a:p>
-            <a:pPr>
-              <a:spcBef>
-                <a:spcPts val="600"/>
-              </a:spcBef>
-            </a:pPr>
-            <a:r>
-              <a:rPr lang="en-GB" sz="1200" dirty="0" smtClean="0"/>
-              <a:t>Configuration</a:t>
-            </a:r>
-          </a:p>
-          <a:p>
-            <a:pPr lvl="2">
-              <a:spcBef>
-                <a:spcPts val="600"/>
-              </a:spcBef>
-            </a:pPr>
-            <a:endParaRPr lang="en-GB" sz="600" dirty="0" smtClean="0"/>
-          </a:p>
-          <a:p>
-            <a:pPr lvl="1">
-              <a:spcBef>
-                <a:spcPts val="600"/>
-              </a:spcBef>
-            </a:pPr>
-            <a:r>
-              <a:rPr lang="en-GB" sz="1200" dirty="0" smtClean="0"/>
-              <a:t>Security</a:t>
-            </a:r>
-          </a:p>
-          <a:p>
-            <a:pPr lvl="2">
-              <a:spcBef>
-                <a:spcPts val="600"/>
-              </a:spcBef>
-            </a:pPr>
-            <a:r>
-              <a:rPr lang="en-GB" sz="1000" dirty="0" smtClean="0"/>
-              <a:t>Each Pi can run  </a:t>
-            </a:r>
-            <a:r>
-              <a:rPr lang="en-GB" sz="1000" dirty="0" err="1" smtClean="0"/>
-              <a:t>multipe</a:t>
-            </a:r>
-            <a:r>
-              <a:rPr lang="en-GB" sz="1000" dirty="0" smtClean="0"/>
-              <a:t> services</a:t>
-            </a:r>
-          </a:p>
-          <a:p>
-            <a:pPr lvl="2">
-              <a:spcBef>
-                <a:spcPts val="600"/>
-              </a:spcBef>
-            </a:pPr>
-            <a:r>
-              <a:rPr lang="en-GB" sz="1000" dirty="0" smtClean="0"/>
-              <a:t>Each service needs </a:t>
-            </a:r>
-            <a:r>
-              <a:rPr lang="en-GB" sz="1000" dirty="0" err="1" smtClean="0"/>
-              <a:t>autehnticated</a:t>
-            </a:r>
-            <a:r>
-              <a:rPr lang="en-GB" sz="1000" dirty="0" smtClean="0"/>
-              <a:t> to run on Pi</a:t>
-            </a:r>
-          </a:p>
-          <a:p>
-            <a:pPr lvl="2">
-              <a:spcBef>
-                <a:spcPts val="600"/>
-              </a:spcBef>
-            </a:pPr>
-            <a:r>
-              <a:rPr lang="en-GB" sz="1000" dirty="0" smtClean="0"/>
-              <a:t>Remote </a:t>
-            </a:r>
-            <a:r>
-              <a:rPr lang="en-GB" sz="1000" dirty="0" err="1" smtClean="0"/>
-              <a:t>managemetn</a:t>
-            </a:r>
-            <a:r>
-              <a:rPr lang="en-GB" sz="1000" dirty="0" smtClean="0"/>
-              <a:t> of service</a:t>
-            </a:r>
-            <a:endParaRPr lang="en-GB" sz="1000" dirty="0"/>
-          </a:p>
-          <a:p>
-            <a:pPr lvl="1">
-              <a:spcBef>
-                <a:spcPts val="600"/>
-              </a:spcBef>
-            </a:pPr>
-            <a:endParaRPr lang="en-GB" sz="1200" dirty="0"/>
-          </a:p>
-          <a:p>
-            <a:pPr lvl="1">
-              <a:spcBef>
-                <a:spcPts val="600"/>
-              </a:spcBef>
-            </a:pPr>
-            <a:endParaRPr lang="en-GB" sz="1200" dirty="0"/>
-          </a:p>
-        </p:txBody>
-      </p:sp>
-    </p:spTree>
-    <p:extLst>
-      <p:ext uri="{BB962C8B-B14F-4D97-AF65-F5344CB8AC3E}">
-        <p14:creationId xmlns:p14="http://schemas.microsoft.com/office/powerpoint/2010/main" val="2586647600"/>
-      </p:ext>
-    </p:extLst>
-  </p:cSld>
-  <p:clrMapOvr>
-    <a:masterClrMapping/>
-  </p:clrMapOvr>
-  <mc:AlternateContent xmlns:mc="http://schemas.openxmlformats.org/markup-compatibility/2006" xmlns:p14="http://schemas.microsoft.com/office/powerpoint/2010/main">
-    <mc:Choice Requires="p14">
-      <p:transition p14:dur="10"/>
-    </mc:Choice>
-    <mc:Fallback xmlns="">
-      <p:transition/>
-    </mc:Fallback>
-  </mc:AlternateContent>
-</p:sld>
-</file>
-
-<file path=ppt/slides/slide19.xml><?xml version="1.0" encoding="utf-8"?>
-<p:sld xmlns:a="http://schemas.openxmlformats.org/drawingml/2006/main" xmlns:r="http://schemas.openxmlformats.org/officeDocument/2006/relationships" xmlns:p="http://schemas.openxmlformats.org/presentationml/2006/main">
-  <p:cSld>
-    <p:spTree>
-      <p:nvGrpSpPr>
-        <p:cNvPr id="1" name=""/>
-        <p:cNvGrpSpPr/>
-        <p:nvPr/>
-      </p:nvGrpSpPr>
-      <p:grpSpPr>
-        <a:xfrm>
-          <a:off x="0" y="0"/>
-          <a:ext cx="0" cy="0"/>
-          <a:chOff x="0" y="0"/>
-          <a:chExt cx="0" cy="0"/>
-        </a:xfrm>
-      </p:grpSpPr>
-      <p:sp>
-        <p:nvSpPr>
-          <p:cNvPr id="22" name="Title 21"/>
-          <p:cNvSpPr>
-            <a:spLocks noGrp="1"/>
-          </p:cNvSpPr>
-          <p:nvPr>
-            <p:ph type="title"/>
-          </p:nvPr>
-        </p:nvSpPr>
-        <p:spPr/>
-        <p:txBody>
-          <a:bodyPr/>
-          <a:lstStyle/>
-          <a:p>
-            <a:r>
-              <a:rPr lang="en-GB" dirty="0" smtClean="0"/>
-              <a:t>Smart Port API Scenario - utilities</a:t>
-            </a:r>
-            <a:endParaRPr lang="en-GB" dirty="0"/>
-          </a:p>
-        </p:txBody>
-      </p:sp>
-      <p:sp>
-        <p:nvSpPr>
-          <p:cNvPr id="5" name="Rectangle 4"/>
-          <p:cNvSpPr/>
-          <p:nvPr/>
-        </p:nvSpPr>
-        <p:spPr>
-          <a:xfrm>
-            <a:off x="2214196" y="2411433"/>
-            <a:ext cx="1034257" cy="320634"/>
-          </a:xfrm>
-          <a:prstGeom prst="rect">
-            <a:avLst/>
-          </a:prstGeom>
-          <a:noFill/>
-          <a:ln>
-            <a:solidFill>
-              <a:schemeClr val="tx1"/>
-            </a:solidFill>
-          </a:ln>
-          <a:effectLst/>
-        </p:spPr>
-        <p:style>
-          <a:lnRef idx="1">
-            <a:schemeClr val="accent1"/>
-          </a:lnRef>
-          <a:fillRef idx="3">
-            <a:schemeClr val="accent1"/>
-          </a:fillRef>
-          <a:effectRef idx="2">
-            <a:schemeClr val="accent1"/>
-          </a:effectRef>
-          <a:fontRef idx="minor">
-            <a:schemeClr val="lt1"/>
-          </a:fontRef>
-        </p:style>
-        <p:txBody>
-          <a:bodyPr rot="0" spcFirstLastPara="0" vertOverflow="overflow" horzOverflow="overflow" vert="horz" wrap="square" lIns="91440" tIns="45720" rIns="91440" bIns="45720" numCol="1" spcCol="0" rtlCol="0" fromWordArt="0" anchor="ctr" anchorCtr="0" forceAA="0" compatLnSpc="1">
-            <a:prstTxWarp prst="textNoShape">
-              <a:avLst/>
-            </a:prstTxWarp>
-            <a:noAutofit/>
-          </a:bodyPr>
-          <a:lstStyle/>
-          <a:p>
-            <a:pPr algn="ctr"/>
-            <a:r>
-              <a:rPr lang="en-GB" sz="800" dirty="0" smtClean="0">
-                <a:solidFill>
-                  <a:schemeClr val="tx1"/>
-                </a:solidFill>
-                <a:effectLst>
-                  <a:outerShdw blurRad="38100" dist="38100" dir="2700000" algn="tl">
-                    <a:srgbClr val="000000">
-                      <a:alpha val="43137"/>
-                    </a:srgbClr>
-                  </a:outerShdw>
-                </a:effectLst>
-              </a:rPr>
-              <a:t>Power usage</a:t>
-            </a:r>
-          </a:p>
-        </p:txBody>
-      </p:sp>
-      <p:sp>
-        <p:nvSpPr>
-          <p:cNvPr id="6" name="Rectangle 5"/>
-          <p:cNvSpPr/>
-          <p:nvPr/>
-        </p:nvSpPr>
-        <p:spPr>
-          <a:xfrm>
-            <a:off x="2214196" y="1455462"/>
-            <a:ext cx="1034257" cy="320634"/>
-          </a:xfrm>
-          <a:prstGeom prst="rect">
-            <a:avLst/>
-          </a:prstGeom>
-          <a:noFill/>
-          <a:ln>
-            <a:solidFill>
-              <a:schemeClr val="tx1"/>
-            </a:solidFill>
-          </a:ln>
-          <a:effectLst/>
-        </p:spPr>
-        <p:style>
-          <a:lnRef idx="1">
-            <a:schemeClr val="accent1"/>
-          </a:lnRef>
-          <a:fillRef idx="3">
-            <a:schemeClr val="accent1"/>
-          </a:fillRef>
-          <a:effectRef idx="2">
-            <a:schemeClr val="accent1"/>
-          </a:effectRef>
-          <a:fontRef idx="minor">
-            <a:schemeClr val="lt1"/>
-          </a:fontRef>
-        </p:style>
-        <p:txBody>
-          <a:bodyPr rot="0" spcFirstLastPara="0" vertOverflow="overflow" horzOverflow="overflow" vert="horz" wrap="square" lIns="91440" tIns="45720" rIns="91440" bIns="45720" numCol="1" spcCol="0" rtlCol="0" fromWordArt="0" anchor="ctr" anchorCtr="0" forceAA="0" compatLnSpc="1">
-            <a:prstTxWarp prst="textNoShape">
-              <a:avLst/>
-            </a:prstTxWarp>
-            <a:noAutofit/>
-          </a:bodyPr>
-          <a:lstStyle/>
-          <a:p>
-            <a:pPr algn="ctr"/>
-            <a:r>
-              <a:rPr lang="en-GB" sz="800" dirty="0" smtClean="0">
-                <a:solidFill>
-                  <a:schemeClr val="tx1"/>
-                </a:solidFill>
-                <a:effectLst>
-                  <a:outerShdw blurRad="38100" dist="38100" dir="2700000" algn="tl">
-                    <a:srgbClr val="000000">
-                      <a:alpha val="43137"/>
-                    </a:srgbClr>
-                  </a:outerShdw>
-                </a:effectLst>
-              </a:rPr>
-              <a:t>Water Usage</a:t>
-            </a:r>
-          </a:p>
-        </p:txBody>
-      </p:sp>
-      <p:sp>
-        <p:nvSpPr>
-          <p:cNvPr id="7" name="Rectangle 6"/>
-          <p:cNvSpPr/>
-          <p:nvPr/>
-        </p:nvSpPr>
-        <p:spPr>
-          <a:xfrm>
-            <a:off x="2214196" y="1936415"/>
-            <a:ext cx="1034257" cy="320634"/>
-          </a:xfrm>
-          <a:prstGeom prst="rect">
-            <a:avLst/>
-          </a:prstGeom>
-          <a:noFill/>
-          <a:ln>
-            <a:solidFill>
-              <a:schemeClr val="tx1"/>
-            </a:solidFill>
-          </a:ln>
-          <a:effectLst/>
-        </p:spPr>
-        <p:style>
-          <a:lnRef idx="1">
-            <a:schemeClr val="accent1"/>
-          </a:lnRef>
-          <a:fillRef idx="3">
-            <a:schemeClr val="accent1"/>
-          </a:fillRef>
-          <a:effectRef idx="2">
-            <a:schemeClr val="accent1"/>
-          </a:effectRef>
-          <a:fontRef idx="minor">
-            <a:schemeClr val="lt1"/>
-          </a:fontRef>
-        </p:style>
-        <p:txBody>
-          <a:bodyPr rot="0" spcFirstLastPara="0" vertOverflow="overflow" horzOverflow="overflow" vert="horz" wrap="square" lIns="91440" tIns="45720" rIns="91440" bIns="45720" numCol="1" spcCol="0" rtlCol="0" fromWordArt="0" anchor="ctr" anchorCtr="0" forceAA="0" compatLnSpc="1">
-            <a:prstTxWarp prst="textNoShape">
-              <a:avLst/>
-            </a:prstTxWarp>
-            <a:noAutofit/>
-          </a:bodyPr>
-          <a:lstStyle/>
-          <a:p>
-            <a:pPr algn="ctr"/>
-            <a:r>
-              <a:rPr lang="en-GB" sz="800" dirty="0" smtClean="0">
-                <a:solidFill>
-                  <a:schemeClr val="tx1"/>
-                </a:solidFill>
-                <a:effectLst>
-                  <a:outerShdw blurRad="38100" dist="38100" dir="2700000" algn="tl">
-                    <a:srgbClr val="000000">
-                      <a:alpha val="43137"/>
-                    </a:srgbClr>
-                  </a:outerShdw>
-                </a:effectLst>
-              </a:rPr>
-              <a:t>Waste usage</a:t>
-            </a:r>
-          </a:p>
-        </p:txBody>
-      </p:sp>
-      <p:sp>
-        <p:nvSpPr>
-          <p:cNvPr id="9" name="Rectangle 8"/>
-          <p:cNvSpPr/>
-          <p:nvPr/>
-        </p:nvSpPr>
-        <p:spPr>
-          <a:xfrm>
-            <a:off x="2214196" y="827632"/>
-            <a:ext cx="1034257" cy="320634"/>
-          </a:xfrm>
-          <a:prstGeom prst="rect">
-            <a:avLst/>
-          </a:prstGeom>
-          <a:noFill/>
-          <a:ln>
-            <a:solidFill>
-              <a:schemeClr val="tx1"/>
-            </a:solidFill>
-          </a:ln>
-          <a:effectLst/>
-        </p:spPr>
-        <p:style>
-          <a:lnRef idx="1">
-            <a:schemeClr val="accent1"/>
-          </a:lnRef>
-          <a:fillRef idx="3">
-            <a:schemeClr val="accent1"/>
-          </a:fillRef>
-          <a:effectRef idx="2">
-            <a:schemeClr val="accent1"/>
-          </a:effectRef>
-          <a:fontRef idx="minor">
-            <a:schemeClr val="lt1"/>
-          </a:fontRef>
-        </p:style>
-        <p:txBody>
-          <a:bodyPr rot="0" spcFirstLastPara="0" vertOverflow="overflow" horzOverflow="overflow" vert="horz" wrap="square" lIns="91440" tIns="45720" rIns="91440" bIns="45720" numCol="1" spcCol="0" rtlCol="0" fromWordArt="0" anchor="ctr" anchorCtr="0" forceAA="0" compatLnSpc="1">
-            <a:prstTxWarp prst="textNoShape">
-              <a:avLst/>
-            </a:prstTxWarp>
-            <a:noAutofit/>
-          </a:bodyPr>
-          <a:lstStyle/>
-          <a:p>
-            <a:pPr algn="ctr"/>
-            <a:r>
-              <a:rPr lang="en-GB" sz="800" dirty="0" smtClean="0">
-                <a:solidFill>
-                  <a:schemeClr val="tx1"/>
-                </a:solidFill>
-                <a:effectLst>
-                  <a:outerShdw blurRad="38100" dist="38100" dir="2700000" algn="tl">
-                    <a:srgbClr val="000000">
-                      <a:alpha val="43137"/>
-                    </a:srgbClr>
-                  </a:outerShdw>
-                </a:effectLst>
-              </a:rPr>
-              <a:t>Air </a:t>
-            </a:r>
-            <a:r>
-              <a:rPr lang="en-GB" sz="800" dirty="0" err="1" smtClean="0">
-                <a:solidFill>
-                  <a:schemeClr val="tx1"/>
-                </a:solidFill>
-                <a:effectLst>
-                  <a:outerShdw blurRad="38100" dist="38100" dir="2700000" algn="tl">
-                    <a:srgbClr val="000000">
-                      <a:alpha val="43137"/>
-                    </a:srgbClr>
-                  </a:outerShdw>
-                </a:effectLst>
-              </a:rPr>
-              <a:t>Polution</a:t>
-            </a:r>
-            <a:r>
-              <a:rPr lang="en-GB" sz="800" dirty="0" smtClean="0">
-                <a:solidFill>
-                  <a:schemeClr val="tx1"/>
-                </a:solidFill>
-                <a:effectLst>
-                  <a:outerShdw blurRad="38100" dist="38100" dir="2700000" algn="tl">
-                    <a:srgbClr val="000000">
-                      <a:alpha val="43137"/>
-                    </a:srgbClr>
-                  </a:outerShdw>
-                </a:effectLst>
-              </a:rPr>
-              <a:t> Sensor (drone)</a:t>
-            </a:r>
-          </a:p>
-        </p:txBody>
-      </p:sp>
-      <p:pic>
-        <p:nvPicPr>
-          <p:cNvPr id="1028" name="Picture 4" descr="C:\aaaGitRepos\tmforumgithub\Cunard-Southampton.jpg"/>
-          <p:cNvPicPr>
-            <a:picLocks noChangeAspect="1" noChangeArrowheads="1"/>
-          </p:cNvPicPr>
-          <p:nvPr/>
-        </p:nvPicPr>
-        <p:blipFill>
-          <a:blip r:embed="rId2">
-            <a:extLst>
-              <a:ext uri="{28A0092B-C50C-407E-A947-70E740481C1C}">
-                <a14:useLocalDpi xmlns:a14="http://schemas.microsoft.com/office/drawing/2010/main" val="0"/>
-              </a:ext>
-            </a:extLst>
-          </a:blip>
-          <a:srcRect/>
-          <a:stretch>
-            <a:fillRect/>
-          </a:stretch>
-        </p:blipFill>
-        <p:spPr bwMode="auto">
-          <a:xfrm>
-            <a:off x="390783" y="1731052"/>
-            <a:ext cx="1522820" cy="840698"/>
-          </a:xfrm>
-          <a:prstGeom prst="rect">
-            <a:avLst/>
-          </a:prstGeom>
-          <a:noFill/>
-          <a:extLst>
-            <a:ext uri="{909E8E84-426E-40DD-AFC4-6F175D3DCCD1}">
-              <a14:hiddenFill xmlns:a14="http://schemas.microsoft.com/office/drawing/2010/main">
-                <a:solidFill>
-                  <a:srgbClr val="FFFFFF"/>
-                </a:solidFill>
-              </a14:hiddenFill>
-            </a:ext>
-          </a:extLst>
-        </p:spPr>
-      </p:pic>
-      <p:pic>
-        <p:nvPicPr>
-          <p:cNvPr id="1029" name="Picture 5" descr="C:\aaaGitRepos\tmforumgithub\drone.jpg"/>
-          <p:cNvPicPr>
-            <a:picLocks noChangeAspect="1" noChangeArrowheads="1"/>
-          </p:cNvPicPr>
-          <p:nvPr/>
-        </p:nvPicPr>
-        <p:blipFill>
-          <a:blip r:embed="rId3">
-            <a:extLst>
-              <a:ext uri="{28A0092B-C50C-407E-A947-70E740481C1C}">
-                <a14:useLocalDpi xmlns:a14="http://schemas.microsoft.com/office/drawing/2010/main" val="0"/>
-              </a:ext>
-            </a:extLst>
-          </a:blip>
-          <a:srcRect/>
-          <a:stretch>
-            <a:fillRect/>
-          </a:stretch>
-        </p:blipFill>
-        <p:spPr bwMode="auto">
-          <a:xfrm>
-            <a:off x="617518" y="997874"/>
-            <a:ext cx="1034947" cy="457588"/>
-          </a:xfrm>
-          <a:prstGeom prst="rect">
-            <a:avLst/>
-          </a:prstGeom>
-          <a:noFill/>
-          <a:extLst>
-            <a:ext uri="{909E8E84-426E-40DD-AFC4-6F175D3DCCD1}">
-              <a14:hiddenFill xmlns:a14="http://schemas.microsoft.com/office/drawing/2010/main">
-                <a:solidFill>
-                  <a:srgbClr val="FFFFFF"/>
-                </a:solidFill>
-              </a14:hiddenFill>
-            </a:ext>
-          </a:extLst>
-        </p:spPr>
-      </p:pic>
-      <p:cxnSp>
-        <p:nvCxnSpPr>
-          <p:cNvPr id="12" name="Elbow Connector 11"/>
-          <p:cNvCxnSpPr>
-            <a:stCxn id="1029" idx="3"/>
-            <a:endCxn id="9" idx="1"/>
-          </p:cNvCxnSpPr>
-          <p:nvPr/>
-        </p:nvCxnSpPr>
-        <p:spPr>
-          <a:xfrm flipV="1">
-            <a:off x="1652465" y="987949"/>
-            <a:ext cx="561731" cy="238719"/>
-          </a:xfrm>
-          <a:prstGeom prst="bentConnector3">
-            <a:avLst/>
-          </a:prstGeom>
-          <a:ln>
-            <a:solidFill>
-              <a:schemeClr val="tx1"/>
-            </a:solidFill>
-          </a:ln>
-          <a:effectLst/>
-        </p:spPr>
-        <p:style>
-          <a:lnRef idx="2">
-            <a:schemeClr val="accent1"/>
-          </a:lnRef>
-          <a:fillRef idx="0">
-            <a:schemeClr val="accent1"/>
-          </a:fillRef>
-          <a:effectRef idx="1">
-            <a:schemeClr val="accent1"/>
-          </a:effectRef>
-          <a:fontRef idx="minor">
-            <a:schemeClr val="tx1"/>
-          </a:fontRef>
-        </p:style>
-      </p:cxnSp>
-      <p:sp>
-        <p:nvSpPr>
-          <p:cNvPr id="18" name="TextBox 17"/>
-          <p:cNvSpPr txBox="1"/>
-          <p:nvPr/>
-        </p:nvSpPr>
-        <p:spPr>
-          <a:xfrm>
-            <a:off x="1016948" y="577776"/>
-            <a:ext cx="1229311" cy="338554"/>
-          </a:xfrm>
-          <a:prstGeom prst="rect">
-            <a:avLst/>
-          </a:prstGeom>
-          <a:noFill/>
-        </p:spPr>
-        <p:txBody>
-          <a:bodyPr wrap="none" rtlCol="0">
-            <a:spAutoFit/>
-          </a:bodyPr>
-          <a:lstStyle/>
-          <a:p>
-            <a:pPr marL="0" indent="0">
-              <a:buClr>
-                <a:schemeClr val="accent2"/>
-              </a:buClr>
-              <a:buSzPct val="125000"/>
-              <a:buFont typeface="Wingdings" pitchFamily="2" charset="2"/>
-              <a:buNone/>
-            </a:pPr>
-            <a:r>
-              <a:rPr lang="en-GB" sz="1600" dirty="0" err="1" smtClean="0">
-                <a:solidFill>
-                  <a:schemeClr val="tx2"/>
-                </a:solidFill>
-              </a:rPr>
-              <a:t>IoT</a:t>
-            </a:r>
-            <a:r>
-              <a:rPr lang="en-GB" sz="1600" dirty="0" smtClean="0">
-                <a:solidFill>
-                  <a:schemeClr val="tx2"/>
-                </a:solidFill>
-              </a:rPr>
-              <a:t> devices</a:t>
-            </a:r>
-          </a:p>
-        </p:txBody>
-      </p:sp>
-      <p:sp>
-        <p:nvSpPr>
-          <p:cNvPr id="2" name="Rectangle 1"/>
-          <p:cNvSpPr/>
-          <p:nvPr/>
-        </p:nvSpPr>
-        <p:spPr>
-          <a:xfrm>
-            <a:off x="2214196" y="1390115"/>
-            <a:ext cx="2642812" cy="1507463"/>
-          </a:xfrm>
-          <a:prstGeom prst="rect">
-            <a:avLst/>
-          </a:prstGeom>
-          <a:noFill/>
-          <a:ln>
-            <a:solidFill>
-              <a:schemeClr val="tx1"/>
-            </a:solidFill>
-          </a:ln>
-          <a:effectLst/>
-        </p:spPr>
-        <p:style>
-          <a:lnRef idx="1">
-            <a:schemeClr val="accent1"/>
-          </a:lnRef>
-          <a:fillRef idx="3">
-            <a:schemeClr val="accent1"/>
-          </a:fillRef>
-          <a:effectRef idx="2">
-            <a:schemeClr val="accent1"/>
-          </a:effectRef>
-          <a:fontRef idx="minor">
-            <a:schemeClr val="lt1"/>
-          </a:fontRef>
-        </p:style>
-        <p:txBody>
-          <a:bodyPr rot="0" spcFirstLastPara="0" vertOverflow="overflow" horzOverflow="overflow" vert="horz" wrap="square" lIns="91440" tIns="45720" rIns="91440" bIns="45720" numCol="1" spcCol="0" rtlCol="0" fromWordArt="0" anchor="ctr" anchorCtr="0" forceAA="0" compatLnSpc="1">
-            <a:prstTxWarp prst="textNoShape">
-              <a:avLst/>
-            </a:prstTxWarp>
-            <a:noAutofit/>
-          </a:bodyPr>
-          <a:lstStyle/>
-          <a:p>
-            <a:pPr algn="r"/>
-            <a:r>
-              <a:rPr lang="en-GB" sz="1100" dirty="0">
-                <a:solidFill>
-                  <a:schemeClr val="tx1"/>
-                </a:solidFill>
-                <a:effectLst>
-                  <a:outerShdw blurRad="38100" dist="38100" dir="2700000" algn="tl">
-                    <a:srgbClr val="000000">
-                      <a:alpha val="43137"/>
-                    </a:srgbClr>
-                  </a:outerShdw>
-                </a:effectLst>
-              </a:rPr>
-              <a:t>Raspberry PI</a:t>
-            </a:r>
-          </a:p>
-        </p:txBody>
-      </p:sp>
-      <p:sp>
-        <p:nvSpPr>
-          <p:cNvPr id="24" name="Rectangle 23"/>
-          <p:cNvSpPr/>
-          <p:nvPr/>
-        </p:nvSpPr>
-        <p:spPr>
-          <a:xfrm>
-            <a:off x="5413167" y="1303169"/>
-            <a:ext cx="1462645" cy="855765"/>
-          </a:xfrm>
-          <a:prstGeom prst="rect">
-            <a:avLst/>
-          </a:prstGeom>
-          <a:noFill/>
-          <a:ln>
-            <a:solidFill>
-              <a:schemeClr val="tx1"/>
-            </a:solidFill>
-          </a:ln>
-          <a:effectLst/>
-        </p:spPr>
-        <p:style>
-          <a:lnRef idx="1">
-            <a:schemeClr val="accent1"/>
-          </a:lnRef>
-          <a:fillRef idx="3">
-            <a:schemeClr val="accent1"/>
-          </a:fillRef>
-          <a:effectRef idx="2">
-            <a:schemeClr val="accent1"/>
-          </a:effectRef>
-          <a:fontRef idx="minor">
-            <a:schemeClr val="lt1"/>
-          </a:fontRef>
-        </p:style>
-        <p:txBody>
-          <a:bodyPr rot="0" spcFirstLastPara="0" vertOverflow="overflow" horzOverflow="overflow" vert="horz" wrap="square" lIns="91440" tIns="45720" rIns="91440" bIns="45720" numCol="1" spcCol="0" rtlCol="0" fromWordArt="0" anchor="ctr" anchorCtr="0" forceAA="0" compatLnSpc="1">
-            <a:prstTxWarp prst="textNoShape">
-              <a:avLst/>
-            </a:prstTxWarp>
-            <a:noAutofit/>
-          </a:bodyPr>
-          <a:lstStyle/>
-          <a:p>
-            <a:pPr algn="ctr"/>
-            <a:r>
-              <a:rPr lang="en-GB" sz="1100" dirty="0" err="1" smtClean="0">
-                <a:solidFill>
-                  <a:schemeClr val="tx1"/>
-                </a:solidFill>
-                <a:effectLst>
-                  <a:outerShdw blurRad="38100" dist="38100" dir="2700000" algn="tl">
-                    <a:srgbClr val="000000">
-                      <a:alpha val="43137"/>
-                    </a:srgbClr>
-                  </a:outerShdw>
-                </a:effectLst>
-              </a:rPr>
-              <a:t>OpenNMS</a:t>
-            </a:r>
-            <a:endParaRPr lang="en-GB" sz="1100" dirty="0">
-              <a:solidFill>
-                <a:schemeClr val="tx1"/>
-              </a:solidFill>
-              <a:effectLst>
-                <a:outerShdw blurRad="38100" dist="38100" dir="2700000" algn="tl">
-                  <a:srgbClr val="000000">
-                    <a:alpha val="43137"/>
-                  </a:srgbClr>
-                </a:outerShdw>
-              </a:effectLst>
-            </a:endParaRPr>
-          </a:p>
-        </p:txBody>
-      </p:sp>
-      <p:sp>
-        <p:nvSpPr>
-          <p:cNvPr id="28" name="Rectangle 27"/>
-          <p:cNvSpPr/>
-          <p:nvPr/>
-        </p:nvSpPr>
-        <p:spPr>
-          <a:xfrm>
-            <a:off x="2214196" y="752883"/>
-            <a:ext cx="2642812" cy="473785"/>
-          </a:xfrm>
-          <a:prstGeom prst="rect">
-            <a:avLst/>
-          </a:prstGeom>
-          <a:noFill/>
-          <a:ln>
-            <a:solidFill>
-              <a:schemeClr val="tx1"/>
-            </a:solidFill>
-          </a:ln>
-          <a:effectLst/>
-        </p:spPr>
-        <p:style>
-          <a:lnRef idx="1">
-            <a:schemeClr val="accent1"/>
-          </a:lnRef>
-          <a:fillRef idx="3">
-            <a:schemeClr val="accent1"/>
-          </a:fillRef>
-          <a:effectRef idx="2">
-            <a:schemeClr val="accent1"/>
-          </a:effectRef>
-          <a:fontRef idx="minor">
-            <a:schemeClr val="lt1"/>
-          </a:fontRef>
-        </p:style>
-        <p:txBody>
-          <a:bodyPr rot="0" spcFirstLastPara="0" vertOverflow="overflow" horzOverflow="overflow" vert="horz" wrap="square" lIns="91440" tIns="45720" rIns="91440" bIns="45720" numCol="1" spcCol="0" rtlCol="0" fromWordArt="0" anchor="ctr" anchorCtr="0" forceAA="0" compatLnSpc="1">
-            <a:prstTxWarp prst="textNoShape">
-              <a:avLst/>
-            </a:prstTxWarp>
-            <a:noAutofit/>
-          </a:bodyPr>
-          <a:lstStyle/>
-          <a:p>
-            <a:pPr algn="r"/>
-            <a:r>
-              <a:rPr lang="en-GB" sz="1100" dirty="0">
-                <a:solidFill>
-                  <a:schemeClr val="tx1"/>
-                </a:solidFill>
-                <a:effectLst>
-                  <a:outerShdw blurRad="38100" dist="38100" dir="2700000" algn="tl">
-                    <a:srgbClr val="000000">
-                      <a:alpha val="43137"/>
-                    </a:srgbClr>
-                  </a:outerShdw>
-                </a:effectLst>
-              </a:rPr>
-              <a:t>Raspberry PI</a:t>
-            </a:r>
-          </a:p>
-        </p:txBody>
-      </p:sp>
-      <p:cxnSp>
-        <p:nvCxnSpPr>
-          <p:cNvPr id="11" name="Elbow Connector 10"/>
-          <p:cNvCxnSpPr>
-            <a:stCxn id="28" idx="3"/>
-            <a:endCxn id="24" idx="0"/>
-          </p:cNvCxnSpPr>
-          <p:nvPr/>
-        </p:nvCxnSpPr>
-        <p:spPr>
-          <a:xfrm>
-            <a:off x="4857008" y="989776"/>
-            <a:ext cx="1287482" cy="313393"/>
-          </a:xfrm>
-          <a:prstGeom prst="bentConnector2">
-            <a:avLst/>
-          </a:prstGeom>
-          <a:ln>
-            <a:solidFill>
-              <a:schemeClr val="tx1"/>
-            </a:solidFill>
-          </a:ln>
-          <a:effectLst/>
-        </p:spPr>
-        <p:style>
-          <a:lnRef idx="2">
-            <a:schemeClr val="accent1"/>
-          </a:lnRef>
-          <a:fillRef idx="0">
-            <a:schemeClr val="accent1"/>
-          </a:fillRef>
-          <a:effectRef idx="1">
-            <a:schemeClr val="accent1"/>
-          </a:effectRef>
-          <a:fontRef idx="minor">
-            <a:schemeClr val="tx1"/>
-          </a:fontRef>
-        </p:style>
-      </p:cxnSp>
-      <p:cxnSp>
-        <p:nvCxnSpPr>
-          <p:cNvPr id="14" name="Elbow Connector 13"/>
-          <p:cNvCxnSpPr>
-            <a:stCxn id="2" idx="3"/>
-            <a:endCxn id="24" idx="1"/>
-          </p:cNvCxnSpPr>
-          <p:nvPr/>
-        </p:nvCxnSpPr>
-        <p:spPr>
-          <a:xfrm flipV="1">
-            <a:off x="4857008" y="1731052"/>
-            <a:ext cx="556159" cy="412795"/>
-          </a:xfrm>
-          <a:prstGeom prst="bentConnector3">
-            <a:avLst>
-              <a:gd name="adj1" fmla="val 50000"/>
-            </a:avLst>
-          </a:prstGeom>
-          <a:ln>
-            <a:solidFill>
-              <a:schemeClr val="tx1"/>
-            </a:solidFill>
-          </a:ln>
-          <a:effectLst/>
-        </p:spPr>
-        <p:style>
-          <a:lnRef idx="2">
-            <a:schemeClr val="accent1"/>
-          </a:lnRef>
-          <a:fillRef idx="0">
-            <a:schemeClr val="accent1"/>
-          </a:fillRef>
-          <a:effectRef idx="1">
-            <a:schemeClr val="accent1"/>
-          </a:effectRef>
-          <a:fontRef idx="minor">
-            <a:schemeClr val="tx1"/>
-          </a:fontRef>
-        </p:style>
-      </p:cxnSp>
-      <p:sp>
-        <p:nvSpPr>
-          <p:cNvPr id="15" name="TextBox 14"/>
-          <p:cNvSpPr txBox="1"/>
-          <p:nvPr/>
-        </p:nvSpPr>
-        <p:spPr>
-          <a:xfrm>
-            <a:off x="5308270" y="585172"/>
-            <a:ext cx="3170712" cy="430887"/>
-          </a:xfrm>
-          <a:prstGeom prst="rect">
-            <a:avLst/>
-          </a:prstGeom>
-          <a:noFill/>
-        </p:spPr>
-        <p:txBody>
-          <a:bodyPr wrap="square" rtlCol="0">
-            <a:spAutoFit/>
-          </a:bodyPr>
-          <a:lstStyle/>
-          <a:p>
-            <a:pPr marL="0" indent="0">
-              <a:buClr>
-                <a:schemeClr val="accent2"/>
-              </a:buClr>
-              <a:buSzPct val="125000"/>
-              <a:buFont typeface="Wingdings" pitchFamily="2" charset="2"/>
-              <a:buNone/>
-            </a:pPr>
-            <a:r>
-              <a:rPr lang="en-GB" sz="1100" dirty="0" smtClean="0">
-                <a:solidFill>
-                  <a:schemeClr val="tx2"/>
-                </a:solidFill>
-              </a:rPr>
-              <a:t>Smoke level violation events and location events</a:t>
-            </a:r>
-          </a:p>
-        </p:txBody>
-      </p:sp>
-      <p:sp>
-        <p:nvSpPr>
-          <p:cNvPr id="30" name="TextBox 29"/>
-          <p:cNvSpPr txBox="1"/>
-          <p:nvPr/>
-        </p:nvSpPr>
-        <p:spPr>
-          <a:xfrm>
-            <a:off x="4857008" y="2226512"/>
-            <a:ext cx="1116280" cy="430887"/>
-          </a:xfrm>
-          <a:prstGeom prst="rect">
-            <a:avLst/>
-          </a:prstGeom>
-          <a:noFill/>
-        </p:spPr>
-        <p:txBody>
-          <a:bodyPr wrap="square" rtlCol="0">
-            <a:spAutoFit/>
-          </a:bodyPr>
-          <a:lstStyle/>
-          <a:p>
-            <a:pPr marL="0" indent="0">
-              <a:buClr>
-                <a:schemeClr val="accent2"/>
-              </a:buClr>
-              <a:buSzPct val="125000"/>
-              <a:buFont typeface="Wingdings" pitchFamily="2" charset="2"/>
-              <a:buNone/>
-            </a:pPr>
-            <a:r>
-              <a:rPr lang="en-GB" sz="1100" dirty="0" smtClean="0">
-                <a:solidFill>
-                  <a:schemeClr val="tx2"/>
-                </a:solidFill>
-              </a:rPr>
-              <a:t>Usage Statistics</a:t>
-            </a:r>
-          </a:p>
-        </p:txBody>
-      </p:sp>
-      <p:cxnSp>
-        <p:nvCxnSpPr>
-          <p:cNvPr id="31" name="Elbow Connector 30"/>
-          <p:cNvCxnSpPr>
-            <a:stCxn id="24" idx="3"/>
-          </p:cNvCxnSpPr>
-          <p:nvPr/>
-        </p:nvCxnSpPr>
-        <p:spPr>
-          <a:xfrm>
-            <a:off x="6875812" y="1731052"/>
-            <a:ext cx="961902" cy="712890"/>
-          </a:xfrm>
-          <a:prstGeom prst="bentConnector3">
-            <a:avLst>
-              <a:gd name="adj1" fmla="val 50000"/>
-            </a:avLst>
-          </a:prstGeom>
-          <a:ln>
-            <a:solidFill>
-              <a:schemeClr val="tx1"/>
-            </a:solidFill>
-          </a:ln>
-          <a:effectLst/>
-        </p:spPr>
-        <p:style>
-          <a:lnRef idx="2">
-            <a:schemeClr val="accent1"/>
-          </a:lnRef>
-          <a:fillRef idx="0">
-            <a:schemeClr val="accent1"/>
-          </a:fillRef>
-          <a:effectRef idx="1">
-            <a:schemeClr val="accent1"/>
-          </a:effectRef>
-          <a:fontRef idx="minor">
-            <a:schemeClr val="tx1"/>
-          </a:fontRef>
-        </p:style>
-      </p:cxnSp>
-      <p:sp>
-        <p:nvSpPr>
-          <p:cNvPr id="34" name="TextBox 33"/>
-          <p:cNvSpPr txBox="1"/>
-          <p:nvPr/>
-        </p:nvSpPr>
-        <p:spPr>
-          <a:xfrm>
-            <a:off x="7225049" y="2509718"/>
-            <a:ext cx="1567542" cy="600164"/>
-          </a:xfrm>
-          <a:prstGeom prst="rect">
-            <a:avLst/>
-          </a:prstGeom>
-          <a:noFill/>
-        </p:spPr>
-        <p:txBody>
-          <a:bodyPr wrap="square" rtlCol="0">
-            <a:spAutoFit/>
-          </a:bodyPr>
-          <a:lstStyle/>
-          <a:p>
-            <a:pPr>
-              <a:buClr>
-                <a:schemeClr val="accent2"/>
-              </a:buClr>
-              <a:buSzPct val="125000"/>
-            </a:pPr>
-            <a:r>
-              <a:rPr lang="en-GB" sz="1100" dirty="0">
-                <a:solidFill>
-                  <a:schemeClr val="tx2"/>
-                </a:solidFill>
-              </a:rPr>
-              <a:t>Charging  </a:t>
-            </a:r>
-            <a:r>
-              <a:rPr lang="en-GB" sz="1100" dirty="0" smtClean="0">
-                <a:solidFill>
-                  <a:schemeClr val="tx2"/>
-                </a:solidFill>
-              </a:rPr>
-              <a:t>events and usage stats  to</a:t>
-            </a:r>
-          </a:p>
-          <a:p>
-            <a:pPr marL="0" indent="0">
-              <a:buClr>
-                <a:schemeClr val="accent2"/>
-              </a:buClr>
-              <a:buSzPct val="125000"/>
-              <a:buFont typeface="Wingdings" pitchFamily="2" charset="2"/>
-              <a:buNone/>
-            </a:pPr>
-            <a:r>
-              <a:rPr lang="en-GB" sz="1100" dirty="0" smtClean="0">
-                <a:solidFill>
-                  <a:schemeClr val="tx2"/>
-                </a:solidFill>
-              </a:rPr>
-              <a:t>Update Billing API</a:t>
-            </a:r>
-          </a:p>
-        </p:txBody>
-      </p:sp>
-      <p:cxnSp>
-        <p:nvCxnSpPr>
-          <p:cNvPr id="36" name="Elbow Connector 35"/>
-          <p:cNvCxnSpPr>
-            <a:endCxn id="24" idx="2"/>
-          </p:cNvCxnSpPr>
-          <p:nvPr/>
-        </p:nvCxnSpPr>
-        <p:spPr>
-          <a:xfrm flipV="1">
-            <a:off x="3693229" y="2158934"/>
-            <a:ext cx="2451261" cy="1474915"/>
-          </a:xfrm>
-          <a:prstGeom prst="bentConnector2">
-            <a:avLst/>
-          </a:prstGeom>
-          <a:ln>
-            <a:solidFill>
-              <a:schemeClr val="tx1"/>
-            </a:solidFill>
-          </a:ln>
-          <a:effectLst/>
-        </p:spPr>
-        <p:style>
-          <a:lnRef idx="2">
-            <a:schemeClr val="accent1"/>
-          </a:lnRef>
-          <a:fillRef idx="0">
-            <a:schemeClr val="accent1"/>
-          </a:fillRef>
-          <a:effectRef idx="1">
-            <a:schemeClr val="accent1"/>
-          </a:effectRef>
-          <a:fontRef idx="minor">
-            <a:schemeClr val="tx1"/>
-          </a:fontRef>
-        </p:style>
-      </p:cxnSp>
-      <p:sp>
-        <p:nvSpPr>
-          <p:cNvPr id="44" name="TextBox 43"/>
-          <p:cNvSpPr txBox="1"/>
-          <p:nvPr/>
-        </p:nvSpPr>
-        <p:spPr>
-          <a:xfrm>
-            <a:off x="3693229" y="3768325"/>
-            <a:ext cx="1116280" cy="600164"/>
-          </a:xfrm>
-          <a:prstGeom prst="rect">
-            <a:avLst/>
-          </a:prstGeom>
-          <a:noFill/>
-        </p:spPr>
-        <p:txBody>
-          <a:bodyPr wrap="square" rtlCol="0">
-            <a:spAutoFit/>
-          </a:bodyPr>
-          <a:lstStyle/>
-          <a:p>
-            <a:pPr marL="0" indent="0">
-              <a:buClr>
-                <a:schemeClr val="accent2"/>
-              </a:buClr>
-              <a:buSzPct val="125000"/>
-              <a:buFont typeface="Wingdings" pitchFamily="2" charset="2"/>
-              <a:buNone/>
-            </a:pPr>
-            <a:r>
-              <a:rPr lang="en-GB" sz="1100" dirty="0" smtClean="0">
-                <a:solidFill>
-                  <a:schemeClr val="tx2"/>
-                </a:solidFill>
-              </a:rPr>
-              <a:t>Ship Service inventory events</a:t>
-            </a:r>
-          </a:p>
-        </p:txBody>
-      </p:sp>
-    </p:spTree>
-    <p:extLst>
-      <p:ext uri="{BB962C8B-B14F-4D97-AF65-F5344CB8AC3E}">
-        <p14:creationId xmlns:p14="http://schemas.microsoft.com/office/powerpoint/2010/main" val="2988089231"/>
-      </p:ext>
-    </p:extLst>
-  </p:cSld>
-  <p:clrMapOvr>
-    <a:masterClrMapping/>
-  </p:clrMapOvr>
-  <mc:AlternateContent xmlns:mc="http://schemas.openxmlformats.org/markup-compatibility/2006" xmlns:p14="http://schemas.microsoft.com/office/powerpoint/2010/main">
-    <mc:Choice Requires="p14">
-      <p:transition p14:dur="10"/>
-    </mc:Choice>
-    <mc:Fallback xmlns="">
-      <p:transition/>
-    </mc:Fallback>
-  </mc:AlternateContent>
-</p:sld>
-</file>
-
 <file path=ppt/slides/slide2.xml><?xml version="1.0" encoding="utf-8"?>
 <p:sld xmlns:a="http://schemas.openxmlformats.org/drawingml/2006/main" xmlns:r="http://schemas.openxmlformats.org/officeDocument/2006/relationships" xmlns:p="http://schemas.openxmlformats.org/presentationml/2006/main">
   <p:cSld>
@@ -9997,1994 +8581,6 @@
     <p:extLst>
       <p:ext uri="{BB962C8B-B14F-4D97-AF65-F5344CB8AC3E}">
         <p14:creationId xmlns:p14="http://schemas.microsoft.com/office/powerpoint/2010/main" val="2271344949"/>
-      </p:ext>
-    </p:extLst>
-  </p:cSld>
-  <p:clrMapOvr>
-    <a:masterClrMapping/>
-  </p:clrMapOvr>
-  <mc:AlternateContent xmlns:mc="http://schemas.openxmlformats.org/markup-compatibility/2006" xmlns:p14="http://schemas.microsoft.com/office/powerpoint/2010/main">
-    <mc:Choice Requires="p14">
-      <p:transition p14:dur="10"/>
-    </mc:Choice>
-    <mc:Fallback xmlns="">
-      <p:transition/>
-    </mc:Fallback>
-  </mc:AlternateContent>
-</p:sld>
-</file>
-
-<file path=ppt/slides/slide20.xml><?xml version="1.0" encoding="utf-8"?>
-<p:sld xmlns:a="http://schemas.openxmlformats.org/drawingml/2006/main" xmlns:r="http://schemas.openxmlformats.org/officeDocument/2006/relationships" xmlns:p="http://schemas.openxmlformats.org/presentationml/2006/main">
-  <p:cSld>
-    <p:spTree>
-      <p:nvGrpSpPr>
-        <p:cNvPr id="1" name=""/>
-        <p:cNvGrpSpPr/>
-        <p:nvPr/>
-      </p:nvGrpSpPr>
-      <p:grpSpPr>
-        <a:xfrm>
-          <a:off x="0" y="0"/>
-          <a:ext cx="0" cy="0"/>
-          <a:chOff x="0" y="0"/>
-          <a:chExt cx="0" cy="0"/>
-        </a:xfrm>
-      </p:grpSpPr>
-      <p:sp>
-        <p:nvSpPr>
-          <p:cNvPr id="2" name="Text Placeholder 1"/>
-          <p:cNvSpPr>
-            <a:spLocks noGrp="1"/>
-          </p:cNvSpPr>
-          <p:nvPr>
-            <p:ph type="body" sz="quarter" idx="10"/>
-          </p:nvPr>
-        </p:nvSpPr>
-        <p:spPr/>
-        <p:txBody>
-          <a:bodyPr/>
-          <a:lstStyle/>
-          <a:p>
-            <a:r>
-              <a:rPr lang="en-GB" dirty="0" smtClean="0"/>
-              <a:t>Use of  API’s</a:t>
-            </a:r>
-            <a:endParaRPr lang="en-GB" dirty="0"/>
-          </a:p>
-        </p:txBody>
-      </p:sp>
-      <p:sp>
-        <p:nvSpPr>
-          <p:cNvPr id="3" name="Title 2"/>
-          <p:cNvSpPr>
-            <a:spLocks noGrp="1"/>
-          </p:cNvSpPr>
-          <p:nvPr>
-            <p:ph type="title"/>
-          </p:nvPr>
-        </p:nvSpPr>
-        <p:spPr/>
-        <p:txBody>
-          <a:bodyPr/>
-          <a:lstStyle/>
-          <a:p>
-            <a:r>
-              <a:rPr lang="en-GB" dirty="0" smtClean="0"/>
-              <a:t>API’s to order service</a:t>
-            </a:r>
-            <a:endParaRPr lang="en-GB" dirty="0"/>
-          </a:p>
-        </p:txBody>
-      </p:sp>
-      <p:sp>
-        <p:nvSpPr>
-          <p:cNvPr id="4" name="Content Placeholder 3"/>
-          <p:cNvSpPr>
-            <a:spLocks noGrp="1"/>
-          </p:cNvSpPr>
-          <p:nvPr>
-            <p:ph idx="1"/>
-          </p:nvPr>
-        </p:nvSpPr>
-        <p:spPr/>
-        <p:txBody>
-          <a:bodyPr>
-            <a:normAutofit fontScale="92500" lnSpcReduction="10000"/>
-          </a:bodyPr>
-          <a:lstStyle/>
-          <a:p>
-            <a:pPr lvl="0"/>
-            <a:r>
-              <a:rPr lang="en-GB" sz="1800" dirty="0" err="1"/>
-              <a:t>Catalog</a:t>
-            </a:r>
-            <a:r>
-              <a:rPr lang="en-GB" sz="1800" dirty="0"/>
-              <a:t> API</a:t>
-            </a:r>
-          </a:p>
-          <a:p>
-            <a:pPr lvl="1"/>
-            <a:r>
-              <a:rPr lang="en-GB" sz="1600" dirty="0"/>
-              <a:t>List of products available from which we can choose </a:t>
-            </a:r>
-          </a:p>
-          <a:p>
-            <a:r>
-              <a:rPr lang="en-GB" sz="1800" dirty="0" smtClean="0"/>
-              <a:t>Service Qualification API</a:t>
-            </a:r>
-            <a:endParaRPr lang="en-GB" sz="1800" dirty="0"/>
-          </a:p>
-          <a:p>
-            <a:pPr lvl="1"/>
-            <a:r>
-              <a:rPr lang="en-GB" sz="1600" dirty="0"/>
-              <a:t>Service Qualification API goal is to </a:t>
-            </a:r>
-            <a:r>
-              <a:rPr lang="en-GB" sz="1600" dirty="0" smtClean="0"/>
-              <a:t>show </a:t>
-            </a:r>
-            <a:r>
-              <a:rPr lang="en-GB" sz="1600" dirty="0"/>
-              <a:t>service availability at Customer location</a:t>
-            </a:r>
-            <a:r>
-              <a:rPr lang="en-GB" sz="1600" dirty="0" smtClean="0"/>
-              <a:t>. We will use this to see if the desired services are  available at a given birth</a:t>
-            </a:r>
-            <a:endParaRPr lang="en-GB" sz="1600" dirty="0"/>
-          </a:p>
-          <a:p>
-            <a:r>
-              <a:rPr lang="en-GB" sz="1800" dirty="0" smtClean="0"/>
-              <a:t>Appointment API</a:t>
-            </a:r>
-          </a:p>
-          <a:p>
-            <a:pPr lvl="1"/>
-            <a:r>
-              <a:rPr lang="en-GB" sz="1400" dirty="0" smtClean="0"/>
-              <a:t>Booking a time slot in the birth for a given service</a:t>
-            </a:r>
-          </a:p>
-          <a:p>
-            <a:r>
-              <a:rPr lang="en-GB" sz="1800" dirty="0" smtClean="0"/>
-              <a:t>Address API </a:t>
-            </a:r>
-          </a:p>
-          <a:p>
-            <a:pPr lvl="1"/>
-            <a:r>
-              <a:rPr lang="en-GB" sz="1600" dirty="0" smtClean="0"/>
-              <a:t>Location of birth</a:t>
-            </a:r>
-          </a:p>
-          <a:p>
-            <a:r>
-              <a:rPr lang="en-GB" sz="1800" dirty="0"/>
-              <a:t>Order API </a:t>
-            </a:r>
-            <a:r>
-              <a:rPr lang="en-GB" sz="1800" dirty="0" smtClean="0"/>
-              <a:t> - not clear if Quote API or other </a:t>
-            </a:r>
-          </a:p>
-          <a:p>
-            <a:pPr lvl="1"/>
-            <a:r>
-              <a:rPr lang="en-GB" sz="1400" dirty="0" smtClean="0"/>
-              <a:t>- We </a:t>
-            </a:r>
-            <a:r>
-              <a:rPr lang="en-GB" sz="1400" dirty="0"/>
-              <a:t>will need one other </a:t>
-            </a:r>
-            <a:r>
-              <a:rPr lang="en-GB" sz="1400" dirty="0" err="1"/>
-              <a:t>api</a:t>
-            </a:r>
-            <a:r>
-              <a:rPr lang="en-GB" sz="1400" dirty="0"/>
-              <a:t> to place an order </a:t>
-            </a:r>
-          </a:p>
-          <a:p>
-            <a:endParaRPr lang="en-GB" sz="1800" dirty="0"/>
-          </a:p>
-        </p:txBody>
-      </p:sp>
-    </p:spTree>
-    <p:extLst>
-      <p:ext uri="{BB962C8B-B14F-4D97-AF65-F5344CB8AC3E}">
-        <p14:creationId xmlns:p14="http://schemas.microsoft.com/office/powerpoint/2010/main" val="1436832528"/>
-      </p:ext>
-    </p:extLst>
-  </p:cSld>
-  <p:clrMapOvr>
-    <a:masterClrMapping/>
-  </p:clrMapOvr>
-  <mc:AlternateContent xmlns:mc="http://schemas.openxmlformats.org/markup-compatibility/2006" xmlns:p14="http://schemas.microsoft.com/office/powerpoint/2010/main">
-    <mc:Choice Requires="p14">
-      <p:transition p14:dur="10"/>
-    </mc:Choice>
-    <mc:Fallback xmlns="">
-      <p:transition/>
-    </mc:Fallback>
-  </mc:AlternateContent>
-</p:sld>
-</file>
-
-<file path=ppt/slides/slide21.xml><?xml version="1.0" encoding="utf-8"?>
-<p:sld xmlns:a="http://schemas.openxmlformats.org/drawingml/2006/main" xmlns:r="http://schemas.openxmlformats.org/officeDocument/2006/relationships" xmlns:p="http://schemas.openxmlformats.org/presentationml/2006/main">
-  <p:cSld>
-    <p:spTree>
-      <p:nvGrpSpPr>
-        <p:cNvPr id="1" name=""/>
-        <p:cNvGrpSpPr/>
-        <p:nvPr/>
-      </p:nvGrpSpPr>
-      <p:grpSpPr>
-        <a:xfrm>
-          <a:off x="0" y="0"/>
-          <a:ext cx="0" cy="0"/>
-          <a:chOff x="0" y="0"/>
-          <a:chExt cx="0" cy="0"/>
-        </a:xfrm>
-      </p:grpSpPr>
-      <p:sp>
-        <p:nvSpPr>
-          <p:cNvPr id="2" name="Text Placeholder 1"/>
-          <p:cNvSpPr>
-            <a:spLocks noGrp="1"/>
-          </p:cNvSpPr>
-          <p:nvPr>
-            <p:ph type="body" sz="quarter" idx="10"/>
-          </p:nvPr>
-        </p:nvSpPr>
-        <p:spPr/>
-        <p:txBody>
-          <a:bodyPr/>
-          <a:lstStyle/>
-          <a:p>
-            <a:r>
-              <a:rPr lang="en-GB" dirty="0" smtClean="0"/>
-              <a:t>Use of  API’s</a:t>
-            </a:r>
-            <a:endParaRPr lang="en-GB" dirty="0"/>
-          </a:p>
-        </p:txBody>
-      </p:sp>
-      <p:sp>
-        <p:nvSpPr>
-          <p:cNvPr id="3" name="Title 2"/>
-          <p:cNvSpPr>
-            <a:spLocks noGrp="1"/>
-          </p:cNvSpPr>
-          <p:nvPr>
-            <p:ph type="title"/>
-          </p:nvPr>
-        </p:nvSpPr>
-        <p:spPr/>
-        <p:txBody>
-          <a:bodyPr/>
-          <a:lstStyle/>
-          <a:p>
-            <a:r>
-              <a:rPr lang="en-GB" dirty="0" smtClean="0"/>
-              <a:t>API’s to bill or report problems</a:t>
-            </a:r>
-            <a:endParaRPr lang="en-GB" dirty="0"/>
-          </a:p>
-        </p:txBody>
-      </p:sp>
-      <p:sp>
-        <p:nvSpPr>
-          <p:cNvPr id="4" name="Content Placeholder 3"/>
-          <p:cNvSpPr>
-            <a:spLocks noGrp="1"/>
-          </p:cNvSpPr>
-          <p:nvPr>
-            <p:ph idx="1"/>
-          </p:nvPr>
-        </p:nvSpPr>
-        <p:spPr/>
-        <p:txBody>
-          <a:bodyPr>
-            <a:normAutofit/>
-          </a:bodyPr>
-          <a:lstStyle/>
-          <a:p>
-            <a:r>
-              <a:rPr lang="en-GB" sz="1800" dirty="0" smtClean="0"/>
-              <a:t>Service Problem Management API / TT </a:t>
-            </a:r>
-            <a:r>
-              <a:rPr lang="en-GB" sz="1800" dirty="0" err="1" smtClean="0"/>
-              <a:t>api</a:t>
-            </a:r>
-            <a:endParaRPr lang="en-GB" sz="1800" dirty="0"/>
-          </a:p>
-          <a:p>
-            <a:pPr lvl="1"/>
-            <a:r>
-              <a:rPr lang="en-GB" sz="1600" dirty="0" smtClean="0"/>
-              <a:t>Show when drone detects excessive smoke from ship</a:t>
-            </a:r>
-            <a:endParaRPr lang="en-GB" sz="1600" dirty="0"/>
-          </a:p>
-          <a:p>
-            <a:pPr lvl="0"/>
-            <a:r>
-              <a:rPr lang="en-GB" sz="1800" dirty="0" smtClean="0"/>
-              <a:t>Billing API</a:t>
-            </a:r>
-          </a:p>
-          <a:p>
-            <a:pPr lvl="1"/>
-            <a:r>
-              <a:rPr lang="en-GB" sz="1600" dirty="0" smtClean="0"/>
-              <a:t>Produce bill based upon usage at end of term in birth </a:t>
-            </a:r>
-          </a:p>
-          <a:p>
-            <a:endParaRPr lang="en-GB" sz="1800" dirty="0"/>
-          </a:p>
-        </p:txBody>
-      </p:sp>
-    </p:spTree>
-    <p:extLst>
-      <p:ext uri="{BB962C8B-B14F-4D97-AF65-F5344CB8AC3E}">
-        <p14:creationId xmlns:p14="http://schemas.microsoft.com/office/powerpoint/2010/main" val="1392022061"/>
-      </p:ext>
-    </p:extLst>
-  </p:cSld>
-  <p:clrMapOvr>
-    <a:masterClrMapping/>
-  </p:clrMapOvr>
-  <mc:AlternateContent xmlns:mc="http://schemas.openxmlformats.org/markup-compatibility/2006" xmlns:p14="http://schemas.microsoft.com/office/powerpoint/2010/main">
-    <mc:Choice Requires="p14">
-      <p:transition p14:dur="10"/>
-    </mc:Choice>
-    <mc:Fallback xmlns="">
-      <p:transition/>
-    </mc:Fallback>
-  </mc:AlternateContent>
-</p:sld>
-</file>
-
-<file path=ppt/slides/slide22.xml><?xml version="1.0" encoding="utf-8"?>
-<p:sld xmlns:a="http://schemas.openxmlformats.org/drawingml/2006/main" xmlns:r="http://schemas.openxmlformats.org/officeDocument/2006/relationships" xmlns:p="http://schemas.openxmlformats.org/presentationml/2006/main">
-  <p:cSld>
-    <p:spTree>
-      <p:nvGrpSpPr>
-        <p:cNvPr id="1" name=""/>
-        <p:cNvGrpSpPr/>
-        <p:nvPr/>
-      </p:nvGrpSpPr>
-      <p:grpSpPr>
-        <a:xfrm>
-          <a:off x="0" y="0"/>
-          <a:ext cx="0" cy="0"/>
-          <a:chOff x="0" y="0"/>
-          <a:chExt cx="0" cy="0"/>
-        </a:xfrm>
-      </p:grpSpPr>
-      <p:sp>
-        <p:nvSpPr>
-          <p:cNvPr id="2" name="Text Placeholder 1"/>
-          <p:cNvSpPr>
-            <a:spLocks noGrp="1"/>
-          </p:cNvSpPr>
-          <p:nvPr>
-            <p:ph type="body" sz="quarter" idx="10"/>
-          </p:nvPr>
-        </p:nvSpPr>
-        <p:spPr/>
-        <p:txBody>
-          <a:bodyPr/>
-          <a:lstStyle/>
-          <a:p>
-            <a:r>
-              <a:rPr lang="en-GB" dirty="0" smtClean="0"/>
-              <a:t>TMF Resources</a:t>
-            </a:r>
-            <a:endParaRPr lang="en-GB" dirty="0"/>
-          </a:p>
-        </p:txBody>
-      </p:sp>
-      <p:sp>
-        <p:nvSpPr>
-          <p:cNvPr id="3" name="Title 2"/>
-          <p:cNvSpPr>
-            <a:spLocks noGrp="1"/>
-          </p:cNvSpPr>
-          <p:nvPr>
-            <p:ph type="title"/>
-          </p:nvPr>
-        </p:nvSpPr>
-        <p:spPr/>
-        <p:txBody>
-          <a:bodyPr/>
-          <a:lstStyle/>
-          <a:p>
-            <a:endParaRPr lang="en-GB" dirty="0"/>
-          </a:p>
-        </p:txBody>
-      </p:sp>
-      <p:sp>
-        <p:nvSpPr>
-          <p:cNvPr id="4" name="Content Placeholder 3"/>
-          <p:cNvSpPr>
-            <a:spLocks noGrp="1"/>
-          </p:cNvSpPr>
-          <p:nvPr>
-            <p:ph idx="1"/>
-          </p:nvPr>
-        </p:nvSpPr>
-        <p:spPr/>
-        <p:txBody>
-          <a:bodyPr vert="horz" lIns="91440" tIns="45720" rIns="91440" bIns="45720" rtlCol="0">
-            <a:noAutofit/>
-          </a:bodyPr>
-          <a:lstStyle/>
-          <a:p>
-            <a:pPr>
-              <a:spcBef>
-                <a:spcPts val="600"/>
-              </a:spcBef>
-            </a:pPr>
-            <a:r>
-              <a:rPr lang="en-GB" sz="1400" b="1" dirty="0" smtClean="0"/>
-              <a:t>Resources</a:t>
-            </a:r>
-          </a:p>
-          <a:p>
-            <a:pPr lvl="1">
-              <a:spcBef>
-                <a:spcPts val="600"/>
-              </a:spcBef>
-            </a:pPr>
-            <a:r>
-              <a:rPr lang="en-GB" sz="1000" b="1" dirty="0"/>
-              <a:t>https://github.com/tmforum</a:t>
-            </a:r>
-            <a:r>
-              <a:rPr lang="en-GB" sz="1000" b="1" dirty="0" smtClean="0"/>
-              <a:t>/   Has both example code, RI’s Example apps and specification documents</a:t>
-            </a:r>
-          </a:p>
-          <a:p>
-            <a:pPr lvl="1">
-              <a:spcBef>
-                <a:spcPts val="600"/>
-              </a:spcBef>
-            </a:pPr>
-            <a:r>
-              <a:rPr lang="en-GB" sz="1000" b="1" dirty="0" smtClean="0"/>
-              <a:t>Specs: https</a:t>
-            </a:r>
-            <a:r>
-              <a:rPr lang="en-GB" sz="1000" b="1" dirty="0"/>
-              <a:t>://</a:t>
-            </a:r>
-            <a:r>
-              <a:rPr lang="en-GB" sz="1000" b="1" dirty="0" smtClean="0"/>
-              <a:t>projects.tmforum.org/wiki/display/API/Open+API+Table</a:t>
-            </a:r>
-            <a:endParaRPr lang="en-GB" sz="1400" b="1" dirty="0" smtClean="0"/>
-          </a:p>
-          <a:p>
-            <a:pPr>
-              <a:spcBef>
-                <a:spcPts val="600"/>
-              </a:spcBef>
-            </a:pPr>
-            <a:r>
-              <a:rPr lang="en-GB" sz="1400" b="1" dirty="0" smtClean="0"/>
-              <a:t>Reference implementations</a:t>
-            </a:r>
-          </a:p>
-          <a:p>
-            <a:pPr lvl="1">
-              <a:spcBef>
-                <a:spcPts val="600"/>
-              </a:spcBef>
-            </a:pPr>
-            <a:r>
-              <a:rPr lang="en-GB" sz="1000" b="1" dirty="0" smtClean="0"/>
-              <a:t>Product catalogue </a:t>
-            </a:r>
-            <a:r>
-              <a:rPr lang="en-GB" sz="1000" b="1" dirty="0" err="1" smtClean="0"/>
-              <a:t>api</a:t>
-            </a:r>
-            <a:r>
-              <a:rPr lang="en-GB" sz="1000" b="1" dirty="0" smtClean="0"/>
-              <a:t> RI</a:t>
-            </a:r>
-          </a:p>
-          <a:p>
-            <a:pPr lvl="2">
-              <a:spcBef>
-                <a:spcPts val="600"/>
-              </a:spcBef>
-            </a:pPr>
-            <a:r>
-              <a:rPr lang="en-GB" sz="800" b="1" dirty="0"/>
-              <a:t>https://github.com/tmforum/DSPRODUCTCATALOG2</a:t>
-            </a:r>
-            <a:endParaRPr lang="en-GB" sz="800" b="1" dirty="0" smtClean="0"/>
-          </a:p>
-          <a:p>
-            <a:pPr lvl="1">
-              <a:spcBef>
-                <a:spcPts val="600"/>
-              </a:spcBef>
-            </a:pPr>
-            <a:r>
-              <a:rPr lang="en-GB" sz="1000" b="1" dirty="0" smtClean="0"/>
-              <a:t>Product catalogue app – in JavaScript</a:t>
-            </a:r>
-          </a:p>
-          <a:p>
-            <a:pPr lvl="2">
-              <a:spcBef>
-                <a:spcPts val="600"/>
-              </a:spcBef>
-            </a:pPr>
-            <a:r>
-              <a:rPr lang="en-GB" sz="800" b="1" dirty="0" smtClean="0"/>
-              <a:t>https</a:t>
-            </a:r>
-            <a:r>
-              <a:rPr lang="en-GB" sz="800" b="1" dirty="0"/>
-              <a:t>://</a:t>
-            </a:r>
-            <a:r>
-              <a:rPr lang="en-GB" sz="800" b="1" dirty="0" smtClean="0"/>
-              <a:t>github.com/tmforum/DSM-Product-Catalog-API-App</a:t>
-            </a:r>
-          </a:p>
-          <a:p>
-            <a:pPr lvl="2">
-              <a:spcBef>
-                <a:spcPts val="600"/>
-              </a:spcBef>
-            </a:pPr>
-            <a:r>
-              <a:rPr lang="en-GB" sz="800" b="1" dirty="0" smtClean="0"/>
-              <a:t>This runs against an RI instance at </a:t>
-            </a:r>
-            <a:r>
-              <a:rPr lang="en-GB" sz="800" dirty="0"/>
-              <a:t>http://tmforum-test.apigee.net/v1/tm-forum-product-category-api</a:t>
-            </a:r>
-            <a:r>
-              <a:rPr lang="en-GB" sz="800" dirty="0" smtClean="0"/>
-              <a:t>/</a:t>
-            </a:r>
-          </a:p>
-          <a:p>
-            <a:pPr>
-              <a:spcBef>
-                <a:spcPts val="600"/>
-              </a:spcBef>
-            </a:pPr>
-            <a:r>
-              <a:rPr lang="en-GB" sz="1400" b="1" dirty="0"/>
-              <a:t>Product Order API ( note this is ant build and requires </a:t>
-            </a:r>
-            <a:r>
-              <a:rPr lang="en-GB" sz="1400" b="1" dirty="0" err="1" smtClean="0"/>
-              <a:t>netbeans</a:t>
-            </a:r>
-            <a:r>
-              <a:rPr lang="en-GB" sz="1400" b="1" dirty="0" smtClean="0"/>
-              <a:t> – </a:t>
-            </a:r>
-            <a:r>
-              <a:rPr lang="en-GB" sz="1400" b="1" dirty="0" err="1" smtClean="0"/>
-              <a:t>haveny</a:t>
-            </a:r>
-            <a:r>
-              <a:rPr lang="en-GB" sz="1400" b="1" dirty="0" smtClean="0"/>
-              <a:t> yet been able to build)</a:t>
-            </a:r>
-            <a:endParaRPr lang="en-GB" sz="1400" b="1" dirty="0"/>
-          </a:p>
-          <a:p>
-            <a:pPr lvl="1">
-              <a:spcBef>
-                <a:spcPts val="600"/>
-              </a:spcBef>
-            </a:pPr>
-            <a:r>
-              <a:rPr lang="en-GB" sz="1000" dirty="0" smtClean="0"/>
-              <a:t>Product order RI</a:t>
-            </a:r>
-          </a:p>
-          <a:p>
-            <a:pPr lvl="2">
-              <a:spcBef>
-                <a:spcPts val="600"/>
-              </a:spcBef>
-            </a:pPr>
-            <a:r>
-              <a:rPr lang="en-GB" sz="800" dirty="0"/>
-              <a:t>https://github.com/tmforum/DSPRODUCTORDERING</a:t>
-            </a:r>
-          </a:p>
-          <a:p>
-            <a:pPr lvl="1">
-              <a:spcBef>
-                <a:spcPts val="600"/>
-              </a:spcBef>
-            </a:pPr>
-            <a:r>
-              <a:rPr lang="en-GB" sz="1000" dirty="0" smtClean="0"/>
-              <a:t>Product order app – in </a:t>
-            </a:r>
-            <a:r>
-              <a:rPr lang="en-GB" sz="1000" dirty="0" err="1" smtClean="0"/>
-              <a:t>javascript</a:t>
-            </a:r>
-            <a:endParaRPr lang="en-GB" sz="1000" dirty="0" smtClean="0"/>
-          </a:p>
-          <a:p>
-            <a:pPr lvl="2">
-              <a:spcBef>
-                <a:spcPts val="600"/>
-              </a:spcBef>
-            </a:pPr>
-            <a:r>
-              <a:rPr lang="en-GB" sz="800" dirty="0"/>
-              <a:t>https://</a:t>
-            </a:r>
-            <a:r>
-              <a:rPr lang="en-GB" sz="800" dirty="0" smtClean="0"/>
-              <a:t>github.com/tmforum/DSM-Product-Ordering-API-App</a:t>
-            </a:r>
-          </a:p>
-          <a:p>
-            <a:pPr lvl="2">
-              <a:spcBef>
-                <a:spcPts val="600"/>
-              </a:spcBef>
-            </a:pPr>
-            <a:r>
-              <a:rPr lang="en-GB" sz="800" dirty="0" smtClean="0"/>
-              <a:t>Runs against </a:t>
-            </a:r>
-            <a:r>
-              <a:rPr lang="en-GB" sz="800" dirty="0"/>
-              <a:t>RI instance at  http://tmforum-test.apigee.net/v1/tm-forum-product-order-api</a:t>
-            </a:r>
-            <a:endParaRPr lang="en-GB" sz="800" dirty="0" smtClean="0"/>
-          </a:p>
-          <a:p>
-            <a:pPr lvl="2">
-              <a:spcBef>
-                <a:spcPts val="600"/>
-              </a:spcBef>
-            </a:pPr>
-            <a:endParaRPr lang="en-GB" sz="800" b="1" dirty="0"/>
-          </a:p>
-          <a:p>
-            <a:pPr>
-              <a:spcBef>
-                <a:spcPts val="600"/>
-              </a:spcBef>
-            </a:pPr>
-            <a:endParaRPr lang="en-GB" sz="1400" b="1" dirty="0"/>
-          </a:p>
-        </p:txBody>
-      </p:sp>
-    </p:spTree>
-    <p:extLst>
-      <p:ext uri="{BB962C8B-B14F-4D97-AF65-F5344CB8AC3E}">
-        <p14:creationId xmlns:p14="http://schemas.microsoft.com/office/powerpoint/2010/main" val="1444363282"/>
-      </p:ext>
-    </p:extLst>
-  </p:cSld>
-  <p:clrMapOvr>
-    <a:masterClrMapping/>
-  </p:clrMapOvr>
-  <mc:AlternateContent xmlns:mc="http://schemas.openxmlformats.org/markup-compatibility/2006" xmlns:p14="http://schemas.microsoft.com/office/powerpoint/2010/main">
-    <mc:Choice Requires="p14">
-      <p:transition p14:dur="10"/>
-    </mc:Choice>
-    <mc:Fallback xmlns="">
-      <p:transition/>
-    </mc:Fallback>
-  </mc:AlternateContent>
-</p:sld>
-</file>
-
-<file path=ppt/slides/slide23.xml><?xml version="1.0" encoding="utf-8"?>
-<p:sld xmlns:a="http://schemas.openxmlformats.org/drawingml/2006/main" xmlns:r="http://schemas.openxmlformats.org/officeDocument/2006/relationships" xmlns:p="http://schemas.openxmlformats.org/presentationml/2006/main">
-  <p:cSld>
-    <p:spTree>
-      <p:nvGrpSpPr>
-        <p:cNvPr id="1" name=""/>
-        <p:cNvGrpSpPr/>
-        <p:nvPr/>
-      </p:nvGrpSpPr>
-      <p:grpSpPr>
-        <a:xfrm>
-          <a:off x="0" y="0"/>
-          <a:ext cx="0" cy="0"/>
-          <a:chOff x="0" y="0"/>
-          <a:chExt cx="0" cy="0"/>
-        </a:xfrm>
-      </p:grpSpPr>
-      <p:sp>
-        <p:nvSpPr>
-          <p:cNvPr id="22" name="Title 21"/>
-          <p:cNvSpPr>
-            <a:spLocks noGrp="1"/>
-          </p:cNvSpPr>
-          <p:nvPr>
-            <p:ph type="title"/>
-          </p:nvPr>
-        </p:nvSpPr>
-        <p:spPr/>
-        <p:txBody>
-          <a:bodyPr/>
-          <a:lstStyle/>
-          <a:p>
-            <a:r>
-              <a:rPr lang="en-GB" dirty="0" smtClean="0"/>
-              <a:t>Architecture</a:t>
-            </a:r>
-            <a:endParaRPr lang="en-GB" dirty="0"/>
-          </a:p>
-        </p:txBody>
-      </p:sp>
-      <p:sp>
-        <p:nvSpPr>
-          <p:cNvPr id="8" name="Rectangle 7"/>
-          <p:cNvSpPr/>
-          <p:nvPr/>
-        </p:nvSpPr>
-        <p:spPr>
-          <a:xfrm>
-            <a:off x="4129483" y="1039539"/>
-            <a:ext cx="1034257" cy="320634"/>
-          </a:xfrm>
-          <a:prstGeom prst="rect">
-            <a:avLst/>
-          </a:prstGeom>
-          <a:noFill/>
-          <a:ln>
-            <a:solidFill>
-              <a:schemeClr val="tx1"/>
-            </a:solidFill>
-          </a:ln>
-          <a:effectLst/>
-        </p:spPr>
-        <p:style>
-          <a:lnRef idx="1">
-            <a:schemeClr val="accent1"/>
-          </a:lnRef>
-          <a:fillRef idx="3">
-            <a:schemeClr val="accent1"/>
-          </a:fillRef>
-          <a:effectRef idx="2">
-            <a:schemeClr val="accent1"/>
-          </a:effectRef>
-          <a:fontRef idx="minor">
-            <a:schemeClr val="lt1"/>
-          </a:fontRef>
-        </p:style>
-        <p:txBody>
-          <a:bodyPr rot="0" spcFirstLastPara="0" vertOverflow="overflow" horzOverflow="overflow" vert="horz" wrap="square" lIns="91440" tIns="45720" rIns="91440" bIns="45720" numCol="1" spcCol="0" rtlCol="0" fromWordArt="0" anchor="ctr" anchorCtr="0" forceAA="0" compatLnSpc="1">
-            <a:prstTxWarp prst="textNoShape">
-              <a:avLst/>
-            </a:prstTxWarp>
-            <a:noAutofit/>
-          </a:bodyPr>
-          <a:lstStyle/>
-          <a:p>
-            <a:pPr algn="ctr"/>
-            <a:r>
-              <a:rPr lang="en-GB" sz="800" dirty="0" smtClean="0">
-                <a:solidFill>
-                  <a:schemeClr val="tx1"/>
-                </a:solidFill>
-                <a:effectLst>
-                  <a:outerShdw blurRad="38100" dist="38100" dir="2700000" algn="tl">
-                    <a:srgbClr val="000000">
-                      <a:alpha val="43137"/>
-                    </a:srgbClr>
-                  </a:outerShdw>
-                </a:effectLst>
-              </a:rPr>
-              <a:t>Java Script Apps </a:t>
-            </a:r>
-          </a:p>
-        </p:txBody>
-      </p:sp>
-      <p:sp>
-        <p:nvSpPr>
-          <p:cNvPr id="12" name="Rectangle 11"/>
-          <p:cNvSpPr/>
-          <p:nvPr/>
-        </p:nvSpPr>
-        <p:spPr>
-          <a:xfrm>
-            <a:off x="3936394" y="2543275"/>
-            <a:ext cx="3892805" cy="1976027"/>
-          </a:xfrm>
-          <a:prstGeom prst="rect">
-            <a:avLst/>
-          </a:prstGeom>
-          <a:noFill/>
-          <a:ln>
-            <a:solidFill>
-              <a:schemeClr val="tx1"/>
-            </a:solidFill>
-          </a:ln>
-          <a:effectLst/>
-        </p:spPr>
-        <p:style>
-          <a:lnRef idx="1">
-            <a:schemeClr val="accent1"/>
-          </a:lnRef>
-          <a:fillRef idx="3">
-            <a:schemeClr val="accent1"/>
-          </a:fillRef>
-          <a:effectRef idx="2">
-            <a:schemeClr val="accent1"/>
-          </a:effectRef>
-          <a:fontRef idx="minor">
-            <a:schemeClr val="lt1"/>
-          </a:fontRef>
-        </p:style>
-        <p:txBody>
-          <a:bodyPr rot="0" spcFirstLastPara="0" vertOverflow="overflow" horzOverflow="overflow" vert="horz" wrap="square" lIns="91440" tIns="45720" rIns="91440" bIns="45720" numCol="1" spcCol="0" rtlCol="0" fromWordArt="0" anchor="b" anchorCtr="0" forceAA="0" compatLnSpc="1">
-            <a:prstTxWarp prst="textNoShape">
-              <a:avLst/>
-            </a:prstTxWarp>
-            <a:noAutofit/>
-          </a:bodyPr>
-          <a:lstStyle/>
-          <a:p>
-            <a:pPr algn="ctr"/>
-            <a:r>
-              <a:rPr lang="en-GB" sz="800" dirty="0" smtClean="0">
-                <a:solidFill>
-                  <a:schemeClr val="tx1"/>
-                </a:solidFill>
-                <a:effectLst>
-                  <a:outerShdw blurRad="38100" dist="38100" dir="2700000" algn="tl">
-                    <a:srgbClr val="000000">
-                      <a:alpha val="43137"/>
-                    </a:srgbClr>
-                  </a:outerShdw>
-                </a:effectLst>
-              </a:rPr>
-              <a:t>J2EE (Glassfish server)</a:t>
-            </a:r>
-          </a:p>
-        </p:txBody>
-      </p:sp>
-      <p:sp>
-        <p:nvSpPr>
-          <p:cNvPr id="14" name="Rectangle 13"/>
-          <p:cNvSpPr/>
-          <p:nvPr/>
-        </p:nvSpPr>
-        <p:spPr>
-          <a:xfrm>
-            <a:off x="4129483" y="2662027"/>
-            <a:ext cx="837763" cy="797627"/>
-          </a:xfrm>
-          <a:prstGeom prst="rect">
-            <a:avLst/>
-          </a:prstGeom>
-          <a:noFill/>
-          <a:ln>
-            <a:solidFill>
-              <a:schemeClr val="tx1"/>
-            </a:solidFill>
-          </a:ln>
-          <a:effectLst/>
-        </p:spPr>
-        <p:style>
-          <a:lnRef idx="1">
-            <a:schemeClr val="accent1"/>
-          </a:lnRef>
-          <a:fillRef idx="3">
-            <a:schemeClr val="accent1"/>
-          </a:fillRef>
-          <a:effectRef idx="2">
-            <a:schemeClr val="accent1"/>
-          </a:effectRef>
-          <a:fontRef idx="minor">
-            <a:schemeClr val="lt1"/>
-          </a:fontRef>
-        </p:style>
-        <p:txBody>
-          <a:bodyPr rot="0" spcFirstLastPara="0" vertOverflow="overflow" horzOverflow="overflow" vert="horz" wrap="square" lIns="91440" tIns="45720" rIns="91440" bIns="45720" numCol="1" spcCol="0" rtlCol="0" fromWordArt="0" anchor="ctr" anchorCtr="0" forceAA="0" compatLnSpc="1">
-            <a:prstTxWarp prst="textNoShape">
-              <a:avLst/>
-            </a:prstTxWarp>
-            <a:noAutofit/>
-          </a:bodyPr>
-          <a:lstStyle/>
-          <a:p>
-            <a:pPr algn="ctr"/>
-            <a:r>
-              <a:rPr lang="en-GB" sz="800" dirty="0" err="1" smtClean="0">
-                <a:solidFill>
-                  <a:schemeClr val="tx1"/>
-                </a:solidFill>
-                <a:effectLst>
-                  <a:outerShdw blurRad="38100" dist="38100" dir="2700000" algn="tl">
-                    <a:srgbClr val="000000">
-                      <a:alpha val="43137"/>
-                    </a:srgbClr>
-                  </a:outerShdw>
-                </a:effectLst>
-              </a:rPr>
-              <a:t>Catalog</a:t>
-            </a:r>
-            <a:r>
-              <a:rPr lang="en-GB" sz="800" dirty="0" smtClean="0">
-                <a:solidFill>
-                  <a:schemeClr val="tx1"/>
-                </a:solidFill>
-                <a:effectLst>
-                  <a:outerShdw blurRad="38100" dist="38100" dir="2700000" algn="tl">
-                    <a:srgbClr val="000000">
-                      <a:alpha val="43137"/>
-                    </a:srgbClr>
-                  </a:outerShdw>
-                </a:effectLst>
-              </a:rPr>
-              <a:t> RI</a:t>
-            </a:r>
-          </a:p>
-        </p:txBody>
-      </p:sp>
-      <p:sp>
-        <p:nvSpPr>
-          <p:cNvPr id="15" name="Rectangle 14"/>
-          <p:cNvSpPr/>
-          <p:nvPr/>
-        </p:nvSpPr>
-        <p:spPr>
-          <a:xfrm>
-            <a:off x="5119646" y="2667198"/>
-            <a:ext cx="837763" cy="797627"/>
-          </a:xfrm>
-          <a:prstGeom prst="rect">
-            <a:avLst/>
-          </a:prstGeom>
-          <a:noFill/>
-          <a:ln>
-            <a:solidFill>
-              <a:schemeClr val="tx1"/>
-            </a:solidFill>
-          </a:ln>
-          <a:effectLst/>
-        </p:spPr>
-        <p:style>
-          <a:lnRef idx="1">
-            <a:schemeClr val="accent1"/>
-          </a:lnRef>
-          <a:fillRef idx="3">
-            <a:schemeClr val="accent1"/>
-          </a:fillRef>
-          <a:effectRef idx="2">
-            <a:schemeClr val="accent1"/>
-          </a:effectRef>
-          <a:fontRef idx="minor">
-            <a:schemeClr val="lt1"/>
-          </a:fontRef>
-        </p:style>
-        <p:txBody>
-          <a:bodyPr rot="0" spcFirstLastPara="0" vertOverflow="overflow" horzOverflow="overflow" vert="horz" wrap="square" lIns="91440" tIns="45720" rIns="91440" bIns="45720" numCol="1" spcCol="0" rtlCol="0" fromWordArt="0" anchor="ctr" anchorCtr="0" forceAA="0" compatLnSpc="1">
-            <a:prstTxWarp prst="textNoShape">
-              <a:avLst/>
-            </a:prstTxWarp>
-            <a:noAutofit/>
-          </a:bodyPr>
-          <a:lstStyle/>
-          <a:p>
-            <a:pPr algn="ctr"/>
-            <a:r>
-              <a:rPr lang="en-GB" sz="800" dirty="0" smtClean="0">
-                <a:solidFill>
-                  <a:schemeClr val="tx1"/>
-                </a:solidFill>
-                <a:effectLst>
-                  <a:outerShdw blurRad="38100" dist="38100" dir="2700000" algn="tl">
-                    <a:srgbClr val="000000">
-                      <a:alpha val="43137"/>
-                    </a:srgbClr>
-                  </a:outerShdw>
-                </a:effectLst>
-              </a:rPr>
-              <a:t>Address RI</a:t>
-            </a:r>
-          </a:p>
-        </p:txBody>
-      </p:sp>
-      <p:sp>
-        <p:nvSpPr>
-          <p:cNvPr id="16" name="Rectangle 15"/>
-          <p:cNvSpPr/>
-          <p:nvPr/>
-        </p:nvSpPr>
-        <p:spPr>
-          <a:xfrm>
-            <a:off x="6880779" y="2667198"/>
-            <a:ext cx="837763" cy="797627"/>
-          </a:xfrm>
-          <a:prstGeom prst="rect">
-            <a:avLst/>
-          </a:prstGeom>
-          <a:noFill/>
-          <a:ln>
-            <a:solidFill>
-              <a:schemeClr val="tx1"/>
-            </a:solidFill>
-          </a:ln>
-          <a:effectLst/>
-        </p:spPr>
-        <p:style>
-          <a:lnRef idx="1">
-            <a:schemeClr val="accent1"/>
-          </a:lnRef>
-          <a:fillRef idx="3">
-            <a:schemeClr val="accent1"/>
-          </a:fillRef>
-          <a:effectRef idx="2">
-            <a:schemeClr val="accent1"/>
-          </a:effectRef>
-          <a:fontRef idx="minor">
-            <a:schemeClr val="lt1"/>
-          </a:fontRef>
-        </p:style>
-        <p:txBody>
-          <a:bodyPr rot="0" spcFirstLastPara="0" vertOverflow="overflow" horzOverflow="overflow" vert="horz" wrap="square" lIns="91440" tIns="45720" rIns="91440" bIns="45720" numCol="1" spcCol="0" rtlCol="0" fromWordArt="0" anchor="ctr" anchorCtr="0" forceAA="0" compatLnSpc="1">
-            <a:prstTxWarp prst="textNoShape">
-              <a:avLst/>
-            </a:prstTxWarp>
-            <a:noAutofit/>
-          </a:bodyPr>
-          <a:lstStyle/>
-          <a:p>
-            <a:pPr algn="ctr"/>
-            <a:r>
-              <a:rPr lang="en-GB" sz="800" dirty="0" err="1" smtClean="0">
-                <a:solidFill>
-                  <a:schemeClr val="tx1"/>
-                </a:solidFill>
-                <a:effectLst>
-                  <a:outerShdw blurRad="38100" dist="38100" dir="2700000" algn="tl">
-                    <a:srgbClr val="000000">
-                      <a:alpha val="43137"/>
-                    </a:srgbClr>
-                  </a:outerShdw>
-                </a:effectLst>
-              </a:rPr>
-              <a:t>etc</a:t>
-            </a:r>
-            <a:endParaRPr lang="en-GB" sz="800" dirty="0" smtClean="0">
-              <a:solidFill>
-                <a:schemeClr val="tx1"/>
-              </a:solidFill>
-              <a:effectLst>
-                <a:outerShdw blurRad="38100" dist="38100" dir="2700000" algn="tl">
-                  <a:srgbClr val="000000">
-                    <a:alpha val="43137"/>
-                  </a:srgbClr>
-                </a:outerShdw>
-              </a:effectLst>
-            </a:endParaRPr>
-          </a:p>
-        </p:txBody>
-      </p:sp>
-      <p:sp>
-        <p:nvSpPr>
-          <p:cNvPr id="3" name="Can 2"/>
-          <p:cNvSpPr/>
-          <p:nvPr/>
-        </p:nvSpPr>
-        <p:spPr>
-          <a:xfrm>
-            <a:off x="5399268" y="3723657"/>
-            <a:ext cx="1116281" cy="386690"/>
-          </a:xfrm>
-          <a:prstGeom prst="can">
-            <a:avLst/>
-          </a:prstGeom>
-          <a:noFill/>
-          <a:ln>
-            <a:solidFill>
-              <a:schemeClr val="tx1"/>
-            </a:solidFill>
-          </a:ln>
-          <a:effectLst/>
-        </p:spPr>
-        <p:style>
-          <a:lnRef idx="1">
-            <a:schemeClr val="accent1"/>
-          </a:lnRef>
-          <a:fillRef idx="3">
-            <a:schemeClr val="accent1"/>
-          </a:fillRef>
-          <a:effectRef idx="2">
-            <a:schemeClr val="accent1"/>
-          </a:effectRef>
-          <a:fontRef idx="minor">
-            <a:schemeClr val="lt1"/>
-          </a:fontRef>
-        </p:style>
-        <p:txBody>
-          <a:bodyPr rot="0" spcFirstLastPara="0" vertOverflow="overflow" horzOverflow="overflow" vert="horz" wrap="square" lIns="91440" tIns="45720" rIns="91440" bIns="45720" numCol="1" spcCol="0" rtlCol="0" fromWordArt="0" anchor="ctr" anchorCtr="0" forceAA="0" compatLnSpc="1">
-            <a:prstTxWarp prst="textNoShape">
-              <a:avLst/>
-            </a:prstTxWarp>
-            <a:noAutofit/>
-          </a:bodyPr>
-          <a:lstStyle/>
-          <a:p>
-            <a:pPr algn="ctr"/>
-            <a:r>
-              <a:rPr lang="en-GB" sz="800" dirty="0">
-                <a:solidFill>
-                  <a:schemeClr val="tx1"/>
-                </a:solidFill>
-                <a:effectLst>
-                  <a:outerShdw blurRad="38100" dist="38100" dir="2700000" algn="tl">
-                    <a:srgbClr val="000000">
-                      <a:alpha val="43137"/>
-                    </a:srgbClr>
-                  </a:outerShdw>
-                </a:effectLst>
-              </a:rPr>
-              <a:t>Derby DB</a:t>
-            </a:r>
-          </a:p>
-        </p:txBody>
-      </p:sp>
-      <p:sp>
-        <p:nvSpPr>
-          <p:cNvPr id="18" name="Rectangle 17"/>
-          <p:cNvSpPr/>
-          <p:nvPr/>
-        </p:nvSpPr>
-        <p:spPr>
-          <a:xfrm>
-            <a:off x="6739656" y="1023705"/>
-            <a:ext cx="1034257" cy="320634"/>
-          </a:xfrm>
-          <a:prstGeom prst="rect">
-            <a:avLst/>
-          </a:prstGeom>
-          <a:noFill/>
-          <a:ln>
-            <a:solidFill>
-              <a:schemeClr val="tx1"/>
-            </a:solidFill>
-          </a:ln>
-          <a:effectLst/>
-        </p:spPr>
-        <p:style>
-          <a:lnRef idx="1">
-            <a:schemeClr val="accent1"/>
-          </a:lnRef>
-          <a:fillRef idx="3">
-            <a:schemeClr val="accent1"/>
-          </a:fillRef>
-          <a:effectRef idx="2">
-            <a:schemeClr val="accent1"/>
-          </a:effectRef>
-          <a:fontRef idx="minor">
-            <a:schemeClr val="lt1"/>
-          </a:fontRef>
-        </p:style>
-        <p:txBody>
-          <a:bodyPr rot="0" spcFirstLastPara="0" vertOverflow="overflow" horzOverflow="overflow" vert="horz" wrap="square" lIns="91440" tIns="45720" rIns="91440" bIns="45720" numCol="1" spcCol="0" rtlCol="0" fromWordArt="0" anchor="ctr" anchorCtr="0" forceAA="0" compatLnSpc="1">
-            <a:prstTxWarp prst="textNoShape">
-              <a:avLst/>
-            </a:prstTxWarp>
-            <a:noAutofit/>
-          </a:bodyPr>
-          <a:lstStyle/>
-          <a:p>
-            <a:pPr algn="ctr"/>
-            <a:r>
-              <a:rPr lang="en-GB" sz="800" dirty="0" smtClean="0">
-                <a:solidFill>
-                  <a:schemeClr val="tx1"/>
-                </a:solidFill>
-                <a:effectLst>
-                  <a:outerShdw blurRad="38100" dist="38100" dir="2700000" algn="tl">
-                    <a:srgbClr val="000000">
-                      <a:alpha val="43137"/>
-                    </a:srgbClr>
-                  </a:outerShdw>
-                </a:effectLst>
-              </a:rPr>
-              <a:t>Java Script Apps </a:t>
-            </a:r>
-          </a:p>
-        </p:txBody>
-      </p:sp>
-      <p:sp>
-        <p:nvSpPr>
-          <p:cNvPr id="23" name="Rectangle 22"/>
-          <p:cNvSpPr/>
-          <p:nvPr/>
-        </p:nvSpPr>
-        <p:spPr>
-          <a:xfrm>
-            <a:off x="5399268" y="1045925"/>
-            <a:ext cx="1034257" cy="320634"/>
-          </a:xfrm>
-          <a:prstGeom prst="rect">
-            <a:avLst/>
-          </a:prstGeom>
-          <a:noFill/>
-          <a:ln>
-            <a:solidFill>
-              <a:schemeClr val="tx1"/>
-            </a:solidFill>
-          </a:ln>
-          <a:effectLst/>
-        </p:spPr>
-        <p:style>
-          <a:lnRef idx="1">
-            <a:schemeClr val="accent1"/>
-          </a:lnRef>
-          <a:fillRef idx="3">
-            <a:schemeClr val="accent1"/>
-          </a:fillRef>
-          <a:effectRef idx="2">
-            <a:schemeClr val="accent1"/>
-          </a:effectRef>
-          <a:fontRef idx="minor">
-            <a:schemeClr val="lt1"/>
-          </a:fontRef>
-        </p:style>
-        <p:txBody>
-          <a:bodyPr rot="0" spcFirstLastPara="0" vertOverflow="overflow" horzOverflow="overflow" vert="horz" wrap="square" lIns="91440" tIns="45720" rIns="91440" bIns="45720" numCol="1" spcCol="0" rtlCol="0" fromWordArt="0" anchor="ctr" anchorCtr="0" forceAA="0" compatLnSpc="1">
-            <a:prstTxWarp prst="textNoShape">
-              <a:avLst/>
-            </a:prstTxWarp>
-            <a:noAutofit/>
-          </a:bodyPr>
-          <a:lstStyle/>
-          <a:p>
-            <a:pPr algn="ctr"/>
-            <a:r>
-              <a:rPr lang="en-GB" sz="800" dirty="0" smtClean="0">
-                <a:solidFill>
-                  <a:schemeClr val="tx1"/>
-                </a:solidFill>
-                <a:effectLst>
-                  <a:outerShdw blurRad="38100" dist="38100" dir="2700000" algn="tl">
-                    <a:srgbClr val="000000">
-                      <a:alpha val="43137"/>
-                    </a:srgbClr>
-                  </a:outerShdw>
-                </a:effectLst>
-              </a:rPr>
-              <a:t>Java Script Apps </a:t>
-            </a:r>
-          </a:p>
-        </p:txBody>
-      </p:sp>
-      <p:sp>
-        <p:nvSpPr>
-          <p:cNvPr id="4" name="TextBox 3"/>
-          <p:cNvSpPr txBox="1"/>
-          <p:nvPr/>
-        </p:nvSpPr>
-        <p:spPr>
-          <a:xfrm>
-            <a:off x="5207975" y="601792"/>
-            <a:ext cx="1564852" cy="338554"/>
-          </a:xfrm>
-          <a:prstGeom prst="rect">
-            <a:avLst/>
-          </a:prstGeom>
-          <a:noFill/>
-        </p:spPr>
-        <p:txBody>
-          <a:bodyPr wrap="square" rtlCol="0">
-            <a:spAutoFit/>
-          </a:bodyPr>
-          <a:lstStyle>
-            <a:defPPr>
-              <a:defRPr lang="en-US"/>
-            </a:defPPr>
-            <a:lvl1pPr indent="0">
-              <a:buClr>
-                <a:schemeClr val="accent2"/>
-              </a:buClr>
-              <a:buSzPct val="125000"/>
-              <a:buFont typeface="Wingdings" pitchFamily="2" charset="2"/>
-              <a:buNone/>
-              <a:defRPr sz="1600">
-                <a:solidFill>
-                  <a:schemeClr val="tx2"/>
-                </a:solidFill>
-              </a:defRPr>
-            </a:lvl1pPr>
-          </a:lstStyle>
-          <a:p>
-            <a:r>
-              <a:rPr lang="en-GB" dirty="0"/>
-              <a:t>User interfaces</a:t>
-            </a:r>
-          </a:p>
-        </p:txBody>
-      </p:sp>
-      <p:cxnSp>
-        <p:nvCxnSpPr>
-          <p:cNvPr id="6" name="Straight Connector 5"/>
-          <p:cNvCxnSpPr/>
-          <p:nvPr/>
-        </p:nvCxnSpPr>
-        <p:spPr>
-          <a:xfrm>
-            <a:off x="712519" y="1805049"/>
-            <a:ext cx="7778338" cy="0"/>
-          </a:xfrm>
-          <a:prstGeom prst="line">
-            <a:avLst/>
-          </a:prstGeom>
-          <a:ln>
-            <a:solidFill>
-              <a:schemeClr val="tx1"/>
-            </a:solidFill>
-          </a:ln>
-          <a:effectLst/>
-        </p:spPr>
-        <p:style>
-          <a:lnRef idx="2">
-            <a:schemeClr val="accent1"/>
-          </a:lnRef>
-          <a:fillRef idx="0">
-            <a:schemeClr val="accent1"/>
-          </a:fillRef>
-          <a:effectRef idx="1">
-            <a:schemeClr val="accent1"/>
-          </a:effectRef>
-          <a:fontRef idx="minor">
-            <a:schemeClr val="tx1"/>
-          </a:fontRef>
-        </p:style>
-      </p:cxnSp>
-      <p:sp>
-        <p:nvSpPr>
-          <p:cNvPr id="7" name="TextBox 6"/>
-          <p:cNvSpPr txBox="1"/>
-          <p:nvPr/>
-        </p:nvSpPr>
-        <p:spPr>
-          <a:xfrm>
-            <a:off x="6042085" y="2081610"/>
-            <a:ext cx="2256311" cy="338554"/>
-          </a:xfrm>
-          <a:prstGeom prst="rect">
-            <a:avLst/>
-          </a:prstGeom>
-          <a:noFill/>
-        </p:spPr>
-        <p:txBody>
-          <a:bodyPr wrap="square" rtlCol="0">
-            <a:spAutoFit/>
-          </a:bodyPr>
-          <a:lstStyle/>
-          <a:p>
-            <a:pPr marL="0" indent="0">
-              <a:buClr>
-                <a:schemeClr val="accent2"/>
-              </a:buClr>
-              <a:buSzPct val="125000"/>
-              <a:buFont typeface="Wingdings" pitchFamily="2" charset="2"/>
-              <a:buNone/>
-            </a:pPr>
-            <a:r>
-              <a:rPr lang="en-GB" sz="1600" dirty="0" smtClean="0">
-                <a:solidFill>
-                  <a:schemeClr val="tx2"/>
-                </a:solidFill>
-              </a:rPr>
-              <a:t>Cloud hosted servers</a:t>
-            </a:r>
-          </a:p>
-        </p:txBody>
-      </p:sp>
-      <p:cxnSp>
-        <p:nvCxnSpPr>
-          <p:cNvPr id="10" name="Elbow Connector 9"/>
-          <p:cNvCxnSpPr>
-            <a:stCxn id="8" idx="2"/>
-            <a:endCxn id="14" idx="0"/>
-          </p:cNvCxnSpPr>
-          <p:nvPr/>
-        </p:nvCxnSpPr>
-        <p:spPr>
-          <a:xfrm rot="5400000">
-            <a:off x="3946562" y="1961977"/>
-            <a:ext cx="1301854" cy="98247"/>
-          </a:xfrm>
-          <a:prstGeom prst="bentConnector3">
-            <a:avLst/>
-          </a:prstGeom>
-          <a:ln>
-            <a:solidFill>
-              <a:schemeClr val="tx1"/>
-            </a:solidFill>
-          </a:ln>
-          <a:effectLst/>
-        </p:spPr>
-        <p:style>
-          <a:lnRef idx="2">
-            <a:schemeClr val="accent1"/>
-          </a:lnRef>
-          <a:fillRef idx="0">
-            <a:schemeClr val="accent1"/>
-          </a:fillRef>
-          <a:effectRef idx="1">
-            <a:schemeClr val="accent1"/>
-          </a:effectRef>
-          <a:fontRef idx="minor">
-            <a:schemeClr val="tx1"/>
-          </a:fontRef>
-        </p:style>
-      </p:cxnSp>
-      <p:cxnSp>
-        <p:nvCxnSpPr>
-          <p:cNvPr id="26" name="Elbow Connector 25"/>
-          <p:cNvCxnSpPr>
-            <a:stCxn id="23" idx="2"/>
-            <a:endCxn id="15" idx="0"/>
-          </p:cNvCxnSpPr>
-          <p:nvPr/>
-        </p:nvCxnSpPr>
-        <p:spPr>
-          <a:xfrm rot="5400000">
-            <a:off x="5077144" y="1827944"/>
-            <a:ext cx="1300639" cy="377869"/>
-          </a:xfrm>
-          <a:prstGeom prst="bentConnector3">
-            <a:avLst/>
-          </a:prstGeom>
-          <a:ln>
-            <a:solidFill>
-              <a:schemeClr val="tx1"/>
-            </a:solidFill>
-          </a:ln>
-          <a:effectLst/>
-        </p:spPr>
-        <p:style>
-          <a:lnRef idx="2">
-            <a:schemeClr val="accent1"/>
-          </a:lnRef>
-          <a:fillRef idx="0">
-            <a:schemeClr val="accent1"/>
-          </a:fillRef>
-          <a:effectRef idx="1">
-            <a:schemeClr val="accent1"/>
-          </a:effectRef>
-          <a:fontRef idx="minor">
-            <a:schemeClr val="tx1"/>
-          </a:fontRef>
-        </p:style>
-      </p:cxnSp>
-      <p:sp>
-        <p:nvSpPr>
-          <p:cNvPr id="31" name="Rectangle 30"/>
-          <p:cNvSpPr/>
-          <p:nvPr/>
-        </p:nvSpPr>
-        <p:spPr>
-          <a:xfrm>
-            <a:off x="2176171" y="2927984"/>
-            <a:ext cx="837763" cy="797627"/>
-          </a:xfrm>
-          <a:prstGeom prst="rect">
-            <a:avLst/>
-          </a:prstGeom>
-          <a:noFill/>
-          <a:ln>
-            <a:solidFill>
-              <a:schemeClr val="tx1"/>
-            </a:solidFill>
-          </a:ln>
-          <a:effectLst/>
-        </p:spPr>
-        <p:style>
-          <a:lnRef idx="1">
-            <a:schemeClr val="accent1"/>
-          </a:lnRef>
-          <a:fillRef idx="3">
-            <a:schemeClr val="accent1"/>
-          </a:fillRef>
-          <a:effectRef idx="2">
-            <a:schemeClr val="accent1"/>
-          </a:effectRef>
-          <a:fontRef idx="minor">
-            <a:schemeClr val="lt1"/>
-          </a:fontRef>
-        </p:style>
-        <p:txBody>
-          <a:bodyPr rot="0" spcFirstLastPara="0" vertOverflow="overflow" horzOverflow="overflow" vert="horz" wrap="square" lIns="91440" tIns="45720" rIns="91440" bIns="45720" numCol="1" spcCol="0" rtlCol="0" fromWordArt="0" anchor="ctr" anchorCtr="0" forceAA="0" compatLnSpc="1">
-            <a:prstTxWarp prst="textNoShape">
-              <a:avLst/>
-            </a:prstTxWarp>
-            <a:noAutofit/>
-          </a:bodyPr>
-          <a:lstStyle/>
-          <a:p>
-            <a:pPr algn="ctr"/>
-            <a:r>
-              <a:rPr lang="en-GB" sz="800" dirty="0" err="1" smtClean="0">
-                <a:solidFill>
-                  <a:schemeClr val="tx1"/>
-                </a:solidFill>
-                <a:effectLst>
-                  <a:outerShdw blurRad="38100" dist="38100" dir="2700000" algn="tl">
-                    <a:srgbClr val="000000">
-                      <a:alpha val="43137"/>
-                    </a:srgbClr>
-                  </a:outerShdw>
-                </a:effectLst>
-              </a:rPr>
-              <a:t>opennms</a:t>
-            </a:r>
-            <a:endParaRPr lang="en-GB" sz="800" dirty="0" smtClean="0">
-              <a:solidFill>
-                <a:schemeClr val="tx1"/>
-              </a:solidFill>
-              <a:effectLst>
-                <a:outerShdw blurRad="38100" dist="38100" dir="2700000" algn="tl">
-                  <a:srgbClr val="000000">
-                    <a:alpha val="43137"/>
-                  </a:srgbClr>
-                </a:outerShdw>
-              </a:effectLst>
-            </a:endParaRPr>
-          </a:p>
-        </p:txBody>
-      </p:sp>
-      <p:sp>
-        <p:nvSpPr>
-          <p:cNvPr id="32" name="Rectangle 31"/>
-          <p:cNvSpPr/>
-          <p:nvPr/>
-        </p:nvSpPr>
-        <p:spPr>
-          <a:xfrm>
-            <a:off x="2738401" y="1070569"/>
-            <a:ext cx="1034257" cy="320634"/>
-          </a:xfrm>
-          <a:prstGeom prst="rect">
-            <a:avLst/>
-          </a:prstGeom>
-          <a:noFill/>
-          <a:ln>
-            <a:solidFill>
-              <a:schemeClr val="tx1"/>
-            </a:solidFill>
-          </a:ln>
-          <a:effectLst/>
-        </p:spPr>
-        <p:style>
-          <a:lnRef idx="1">
-            <a:schemeClr val="accent1"/>
-          </a:lnRef>
-          <a:fillRef idx="3">
-            <a:schemeClr val="accent1"/>
-          </a:fillRef>
-          <a:effectRef idx="2">
-            <a:schemeClr val="accent1"/>
-          </a:effectRef>
-          <a:fontRef idx="minor">
-            <a:schemeClr val="lt1"/>
-          </a:fontRef>
-        </p:style>
-        <p:txBody>
-          <a:bodyPr rot="0" spcFirstLastPara="0" vertOverflow="overflow" horzOverflow="overflow" vert="horz" wrap="square" lIns="91440" tIns="45720" rIns="91440" bIns="45720" numCol="1" spcCol="0" rtlCol="0" fromWordArt="0" anchor="ctr" anchorCtr="0" forceAA="0" compatLnSpc="1">
-            <a:prstTxWarp prst="textNoShape">
-              <a:avLst/>
-            </a:prstTxWarp>
-            <a:noAutofit/>
-          </a:bodyPr>
-          <a:lstStyle/>
-          <a:p>
-            <a:pPr algn="ctr"/>
-            <a:r>
-              <a:rPr lang="en-GB" sz="800" dirty="0" err="1" smtClean="0">
-                <a:solidFill>
-                  <a:schemeClr val="tx1"/>
-                </a:solidFill>
-                <a:effectLst>
-                  <a:outerShdw blurRad="38100" dist="38100" dir="2700000" algn="tl">
-                    <a:srgbClr val="000000">
-                      <a:alpha val="43137"/>
-                    </a:srgbClr>
-                  </a:outerShdw>
-                </a:effectLst>
-              </a:rPr>
-              <a:t>iot</a:t>
-            </a:r>
-            <a:endParaRPr lang="en-GB" sz="800" dirty="0" smtClean="0">
-              <a:solidFill>
-                <a:schemeClr val="tx1"/>
-              </a:solidFill>
-              <a:effectLst>
-                <a:outerShdw blurRad="38100" dist="38100" dir="2700000" algn="tl">
-                  <a:srgbClr val="000000">
-                    <a:alpha val="43137"/>
-                  </a:srgbClr>
-                </a:outerShdw>
-              </a:effectLst>
-            </a:endParaRPr>
-          </a:p>
-        </p:txBody>
-      </p:sp>
-      <p:cxnSp>
-        <p:nvCxnSpPr>
-          <p:cNvPr id="33" name="Elbow Connector 32"/>
-          <p:cNvCxnSpPr>
-            <a:stCxn id="32" idx="2"/>
-            <a:endCxn id="31" idx="0"/>
-          </p:cNvCxnSpPr>
-          <p:nvPr/>
-        </p:nvCxnSpPr>
-        <p:spPr>
-          <a:xfrm rot="5400000">
-            <a:off x="2156902" y="1829355"/>
-            <a:ext cx="1536781" cy="660477"/>
-          </a:xfrm>
-          <a:prstGeom prst="bentConnector3">
-            <a:avLst>
-              <a:gd name="adj1" fmla="val 50000"/>
-            </a:avLst>
-          </a:prstGeom>
-          <a:ln>
-            <a:solidFill>
-              <a:schemeClr val="tx1"/>
-            </a:solidFill>
-          </a:ln>
-          <a:effectLst/>
-        </p:spPr>
-        <p:style>
-          <a:lnRef idx="2">
-            <a:schemeClr val="accent1"/>
-          </a:lnRef>
-          <a:fillRef idx="0">
-            <a:schemeClr val="accent1"/>
-          </a:fillRef>
-          <a:effectRef idx="1">
-            <a:schemeClr val="accent1"/>
-          </a:effectRef>
-          <a:fontRef idx="minor">
-            <a:schemeClr val="tx1"/>
-          </a:fontRef>
-        </p:style>
-      </p:cxnSp>
-      <p:sp>
-        <p:nvSpPr>
-          <p:cNvPr id="36" name="TextBox 35"/>
-          <p:cNvSpPr txBox="1"/>
-          <p:nvPr/>
-        </p:nvSpPr>
-        <p:spPr>
-          <a:xfrm>
-            <a:off x="2473105" y="607839"/>
-            <a:ext cx="1564852" cy="338554"/>
-          </a:xfrm>
-          <a:prstGeom prst="rect">
-            <a:avLst/>
-          </a:prstGeom>
-          <a:noFill/>
-        </p:spPr>
-        <p:txBody>
-          <a:bodyPr wrap="square" rtlCol="0">
-            <a:spAutoFit/>
-          </a:bodyPr>
-          <a:lstStyle>
-            <a:defPPr>
-              <a:defRPr lang="en-US"/>
-            </a:defPPr>
-            <a:lvl1pPr indent="0">
-              <a:buClr>
-                <a:schemeClr val="accent2"/>
-              </a:buClr>
-              <a:buSzPct val="125000"/>
-              <a:buFont typeface="Wingdings" pitchFamily="2" charset="2"/>
-              <a:buNone/>
-              <a:defRPr sz="1600">
-                <a:solidFill>
-                  <a:schemeClr val="tx2"/>
-                </a:solidFill>
-              </a:defRPr>
-            </a:lvl1pPr>
-          </a:lstStyle>
-          <a:p>
-            <a:r>
-              <a:rPr lang="en-GB" dirty="0" smtClean="0"/>
-              <a:t>Raspberry pi</a:t>
-            </a:r>
-            <a:endParaRPr lang="en-GB" dirty="0"/>
-          </a:p>
-        </p:txBody>
-      </p:sp>
-      <p:sp>
-        <p:nvSpPr>
-          <p:cNvPr id="35" name="TextBox 34"/>
-          <p:cNvSpPr txBox="1"/>
-          <p:nvPr/>
-        </p:nvSpPr>
-        <p:spPr>
-          <a:xfrm>
-            <a:off x="194271" y="1924659"/>
-            <a:ext cx="2278834" cy="338554"/>
-          </a:xfrm>
-          <a:prstGeom prst="rect">
-            <a:avLst/>
-          </a:prstGeom>
-          <a:noFill/>
-        </p:spPr>
-        <p:txBody>
-          <a:bodyPr wrap="square" rtlCol="0">
-            <a:spAutoFit/>
-          </a:bodyPr>
-          <a:lstStyle>
-            <a:defPPr>
-              <a:defRPr lang="en-US"/>
-            </a:defPPr>
-            <a:lvl1pPr indent="0">
-              <a:buClr>
-                <a:schemeClr val="accent2"/>
-              </a:buClr>
-              <a:buSzPct val="125000"/>
-              <a:buFont typeface="Wingdings" pitchFamily="2" charset="2"/>
-              <a:buNone/>
-              <a:defRPr sz="1600">
-                <a:solidFill>
-                  <a:schemeClr val="tx2"/>
-                </a:solidFill>
-              </a:defRPr>
-            </a:lvl1pPr>
-          </a:lstStyle>
-          <a:p>
-            <a:r>
-              <a:rPr lang="en-GB" dirty="0"/>
-              <a:t>SDN LAB (Solent)</a:t>
-            </a:r>
-          </a:p>
-        </p:txBody>
-      </p:sp>
-      <p:sp>
-        <p:nvSpPr>
-          <p:cNvPr id="39" name="Rectangle 38"/>
-          <p:cNvSpPr/>
-          <p:nvPr/>
-        </p:nvSpPr>
-        <p:spPr>
-          <a:xfrm>
-            <a:off x="316220" y="2263213"/>
-            <a:ext cx="1536331" cy="1462398"/>
-          </a:xfrm>
-          <a:prstGeom prst="rect">
-            <a:avLst/>
-          </a:prstGeom>
-          <a:noFill/>
-          <a:ln>
-            <a:solidFill>
-              <a:schemeClr val="tx1"/>
-            </a:solidFill>
-          </a:ln>
-          <a:effectLst/>
-        </p:spPr>
-        <p:style>
-          <a:lnRef idx="1">
-            <a:schemeClr val="accent1"/>
-          </a:lnRef>
-          <a:fillRef idx="3">
-            <a:schemeClr val="accent1"/>
-          </a:fillRef>
-          <a:effectRef idx="2">
-            <a:schemeClr val="accent1"/>
-          </a:effectRef>
-          <a:fontRef idx="minor">
-            <a:schemeClr val="lt1"/>
-          </a:fontRef>
-        </p:style>
-        <p:txBody>
-          <a:bodyPr rot="0" spcFirstLastPara="0" vertOverflow="overflow" horzOverflow="overflow" vert="horz" wrap="square" lIns="91440" tIns="45720" rIns="91440" bIns="45720" numCol="1" spcCol="0" rtlCol="0" fromWordArt="0" anchor="ctr" anchorCtr="0" forceAA="0" compatLnSpc="1">
-            <a:prstTxWarp prst="textNoShape">
-              <a:avLst/>
-            </a:prstTxWarp>
-            <a:noAutofit/>
-          </a:bodyPr>
-          <a:lstStyle/>
-          <a:p>
-            <a:pPr algn="ctr"/>
-            <a:r>
-              <a:rPr lang="en-GB" sz="800" dirty="0" smtClean="0">
-                <a:solidFill>
-                  <a:schemeClr val="tx1"/>
-                </a:solidFill>
-                <a:effectLst>
-                  <a:outerShdw blurRad="38100" dist="38100" dir="2700000" algn="tl">
-                    <a:srgbClr val="000000">
-                      <a:alpha val="43137"/>
-                    </a:srgbClr>
-                  </a:outerShdw>
-                </a:effectLst>
-              </a:rPr>
-              <a:t>SDN Networking scenario demo</a:t>
-            </a:r>
-          </a:p>
-        </p:txBody>
-      </p:sp>
-    </p:spTree>
-    <p:extLst>
-      <p:ext uri="{BB962C8B-B14F-4D97-AF65-F5344CB8AC3E}">
-        <p14:creationId xmlns:p14="http://schemas.microsoft.com/office/powerpoint/2010/main" val="3676806545"/>
-      </p:ext>
-    </p:extLst>
-  </p:cSld>
-  <p:clrMapOvr>
-    <a:masterClrMapping/>
-  </p:clrMapOvr>
-  <mc:AlternateContent xmlns:mc="http://schemas.openxmlformats.org/markup-compatibility/2006" xmlns:p14="http://schemas.microsoft.com/office/powerpoint/2010/main">
-    <mc:Choice Requires="p14">
-      <p:transition p14:dur="10"/>
-    </mc:Choice>
-    <mc:Fallback xmlns="">
-      <p:transition/>
-    </mc:Fallback>
-  </mc:AlternateContent>
-</p:sld>
-</file>
-
-<file path=ppt/slides/slide24.xml><?xml version="1.0" encoding="utf-8"?>
-<p:sld xmlns:a="http://schemas.openxmlformats.org/drawingml/2006/main" xmlns:r="http://schemas.openxmlformats.org/officeDocument/2006/relationships" xmlns:p="http://schemas.openxmlformats.org/presentationml/2006/main">
-  <p:cSld>
-    <p:spTree>
-      <p:nvGrpSpPr>
-        <p:cNvPr id="1" name=""/>
-        <p:cNvGrpSpPr/>
-        <p:nvPr/>
-      </p:nvGrpSpPr>
-      <p:grpSpPr>
-        <a:xfrm>
-          <a:off x="0" y="0"/>
-          <a:ext cx="0" cy="0"/>
-          <a:chOff x="0" y="0"/>
-          <a:chExt cx="0" cy="0"/>
-        </a:xfrm>
-      </p:grpSpPr>
-      <p:sp>
-        <p:nvSpPr>
-          <p:cNvPr id="3" name="Title 2"/>
-          <p:cNvSpPr>
-            <a:spLocks noGrp="1"/>
-          </p:cNvSpPr>
-          <p:nvPr>
-            <p:ph type="title"/>
-          </p:nvPr>
-        </p:nvSpPr>
-        <p:spPr/>
-        <p:txBody>
-          <a:bodyPr/>
-          <a:lstStyle/>
-          <a:p>
-            <a:endParaRPr lang="en-GB"/>
-          </a:p>
-        </p:txBody>
-      </p:sp>
-      <p:pic>
-        <p:nvPicPr>
-          <p:cNvPr id="1026" name="Picture 2" descr="C:\aaaGitRepos\tmforumhack2017\TMForumVancouver2017Hack\documentation\workup\SolentAirwatchLogo28094956.png"/>
-          <p:cNvPicPr>
-            <a:picLocks noChangeAspect="1" noChangeArrowheads="1"/>
-          </p:cNvPicPr>
-          <p:nvPr/>
-        </p:nvPicPr>
-        <p:blipFill>
-          <a:blip r:embed="rId2">
-            <a:extLst>
-              <a:ext uri="{28A0092B-C50C-407E-A947-70E740481C1C}">
-                <a14:useLocalDpi xmlns:a14="http://schemas.microsoft.com/office/drawing/2010/main" val="0"/>
-              </a:ext>
-            </a:extLst>
-          </a:blip>
-          <a:srcRect/>
-          <a:stretch>
-            <a:fillRect/>
-          </a:stretch>
-        </p:blipFill>
-        <p:spPr bwMode="auto">
-          <a:xfrm>
-            <a:off x="3035300" y="1314450"/>
-            <a:ext cx="3289300" cy="2921000"/>
-          </a:xfrm>
-          <a:prstGeom prst="rect">
-            <a:avLst/>
-          </a:prstGeom>
-          <a:noFill/>
-          <a:extLst>
-            <a:ext uri="{909E8E84-426E-40DD-AFC4-6F175D3DCCD1}">
-              <a14:hiddenFill xmlns:a14="http://schemas.microsoft.com/office/drawing/2010/main">
-                <a:solidFill>
-                  <a:srgbClr val="FFFFFF"/>
-                </a:solidFill>
-              </a14:hiddenFill>
-            </a:ext>
-          </a:extLst>
-        </p:spPr>
-      </p:pic>
-      <p:sp>
-        <p:nvSpPr>
-          <p:cNvPr id="5" name="TextBox 4"/>
-          <p:cNvSpPr txBox="1"/>
-          <p:nvPr/>
-        </p:nvSpPr>
-        <p:spPr>
-          <a:xfrm>
-            <a:off x="3035300" y="1314450"/>
-            <a:ext cx="3403600" cy="911086"/>
-          </a:xfrm>
-          <a:prstGeom prst="rect">
-            <a:avLst/>
-          </a:prstGeom>
-          <a:solidFill>
-            <a:schemeClr val="bg1"/>
-          </a:solidFill>
-        </p:spPr>
-        <p:txBody>
-          <a:bodyPr wrap="square" lIns="45720" rIns="45720" rtlCol="0" anchor="b" anchorCtr="0">
-            <a:noAutofit/>
-          </a:bodyPr>
-          <a:lstStyle/>
-          <a:p>
-            <a:pPr marL="0" indent="0">
-              <a:buClr>
-                <a:schemeClr val="accent2"/>
-              </a:buClr>
-              <a:buSzPct val="125000"/>
-              <a:buFont typeface="Wingdings" pitchFamily="2" charset="2"/>
-              <a:buNone/>
-            </a:pPr>
-            <a:r>
-              <a:rPr lang="en-GB" sz="4000" b="1" dirty="0" smtClean="0">
-                <a:solidFill>
-                  <a:srgbClr val="3FBAED"/>
-                </a:solidFill>
-              </a:rPr>
-              <a:t>VANCOUVER</a:t>
-            </a:r>
-            <a:endParaRPr lang="en-GB" sz="4000" b="1" dirty="0" smtClean="0">
-              <a:solidFill>
-                <a:srgbClr val="3FBAED"/>
-              </a:solidFill>
-            </a:endParaRPr>
-          </a:p>
-        </p:txBody>
-      </p:sp>
-    </p:spTree>
-    <p:extLst>
-      <p:ext uri="{BB962C8B-B14F-4D97-AF65-F5344CB8AC3E}">
-        <p14:creationId xmlns:p14="http://schemas.microsoft.com/office/powerpoint/2010/main" val="1226823912"/>
       </p:ext>
     </p:extLst>
   </p:cSld>
@@ -13517,6 +10113,1688 @@
 </file>
 
 <file path=ppt/slides/slide8.xml><?xml version="1.0" encoding="utf-8"?>
+<p:sld xmlns:a="http://schemas.openxmlformats.org/drawingml/2006/main" xmlns:r="http://schemas.openxmlformats.org/officeDocument/2006/relationships" xmlns:p="http://schemas.openxmlformats.org/presentationml/2006/main">
+  <p:cSld>
+    <p:spTree>
+      <p:nvGrpSpPr>
+        <p:cNvPr id="1" name=""/>
+        <p:cNvGrpSpPr/>
+        <p:nvPr/>
+      </p:nvGrpSpPr>
+      <p:grpSpPr>
+        <a:xfrm>
+          <a:off x="0" y="0"/>
+          <a:ext cx="0" cy="0"/>
+          <a:chOff x="0" y="0"/>
+          <a:chExt cx="0" cy="0"/>
+        </a:xfrm>
+      </p:grpSpPr>
+      <p:sp>
+        <p:nvSpPr>
+          <p:cNvPr id="3" name="Title 2"/>
+          <p:cNvSpPr>
+            <a:spLocks noGrp="1"/>
+          </p:cNvSpPr>
+          <p:nvPr>
+            <p:ph type="title"/>
+          </p:nvPr>
+        </p:nvSpPr>
+        <p:spPr/>
+        <p:txBody>
+          <a:bodyPr/>
+          <a:lstStyle/>
+          <a:p>
+            <a:r>
+              <a:rPr lang="en-GB" dirty="0" smtClean="0"/>
+              <a:t>Java </a:t>
+            </a:r>
+            <a:r>
+              <a:rPr lang="en-GB" dirty="0" err="1" smtClean="0"/>
+              <a:t>IoT</a:t>
+            </a:r>
+            <a:r>
+              <a:rPr lang="en-GB" dirty="0" smtClean="0"/>
+              <a:t> Ecosystem</a:t>
+            </a:r>
+            <a:endParaRPr lang="en-GB" dirty="0"/>
+          </a:p>
+        </p:txBody>
+      </p:sp>
+      <p:sp>
+        <p:nvSpPr>
+          <p:cNvPr id="6" name="L-Shape 5"/>
+          <p:cNvSpPr/>
+          <p:nvPr/>
+        </p:nvSpPr>
+        <p:spPr bwMode="auto">
+          <a:xfrm>
+            <a:off x="4262154" y="1205393"/>
+            <a:ext cx="1156785" cy="1813093"/>
+          </a:xfrm>
+          <a:prstGeom prst="corner">
+            <a:avLst>
+              <a:gd name="adj1" fmla="val 20591"/>
+              <a:gd name="adj2" fmla="val 20904"/>
+            </a:avLst>
+          </a:prstGeom>
+          <a:solidFill>
+            <a:srgbClr val="039114"/>
+          </a:solidFill>
+          <a:ln w="9525" cap="flat" cmpd="sng" algn="ctr">
+            <a:solidFill>
+              <a:schemeClr val="tx1"/>
+            </a:solidFill>
+            <a:prstDash val="solid"/>
+            <a:round/>
+            <a:headEnd type="none" w="sm" len="sm"/>
+            <a:tailEnd type="triangle" w="sm" len="sm"/>
+          </a:ln>
+          <a:effectLst/>
+          <a:extLst/>
+        </p:spPr>
+        <p:txBody>
+          <a:bodyPr vert="horz" wrap="none" lIns="82800" tIns="46800" rIns="82800" bIns="46800" numCol="1" rtlCol="0" anchor="b" anchorCtr="0" compatLnSpc="1">
+            <a:prstTxWarp prst="textNoShape">
+              <a:avLst/>
+            </a:prstTxWarp>
+          </a:bodyPr>
+          <a:lstStyle/>
+          <a:p>
+            <a:pPr marL="0" marR="0" indent="0" algn="just" defTabSz="914400" rtl="0" eaLnBrk="0" fontAlgn="base" latinLnBrk="0" hangingPunct="0">
+              <a:lnSpc>
+                <a:spcPct val="100000"/>
+              </a:lnSpc>
+              <a:spcBef>
+                <a:spcPct val="0"/>
+              </a:spcBef>
+              <a:spcAft>
+                <a:spcPct val="0"/>
+              </a:spcAft>
+              <a:buClrTx/>
+              <a:buSzTx/>
+              <a:buFontTx/>
+              <a:buNone/>
+              <a:tabLst/>
+            </a:pPr>
+            <a:r>
+              <a:rPr kumimoji="0" lang="en-GB" sz="1000" u="none" strike="noStrike" cap="none" normalizeH="0" baseline="0" dirty="0" err="1" smtClean="0">
+                <a:ln>
+                  <a:noFill/>
+                </a:ln>
+                <a:solidFill>
+                  <a:schemeClr val="tx1"/>
+                </a:solidFill>
+                <a:effectLst/>
+                <a:latin typeface="Arial" charset="0"/>
+              </a:rPr>
+              <a:t>OpenNMS</a:t>
+            </a:r>
+            <a:r>
+              <a:rPr kumimoji="0" lang="en-GB" sz="1000" u="none" strike="noStrike" cap="none" normalizeH="0" baseline="0" dirty="0" smtClean="0">
+                <a:ln>
+                  <a:noFill/>
+                </a:ln>
+                <a:solidFill>
+                  <a:schemeClr val="tx1"/>
+                </a:solidFill>
+                <a:effectLst/>
+                <a:latin typeface="Arial" charset="0"/>
+              </a:rPr>
+              <a:t> Minion</a:t>
+            </a:r>
+          </a:p>
+        </p:txBody>
+      </p:sp>
+      <p:sp>
+        <p:nvSpPr>
+          <p:cNvPr id="8" name="L-Shape 7"/>
+          <p:cNvSpPr/>
+          <p:nvPr/>
+        </p:nvSpPr>
+        <p:spPr bwMode="auto">
+          <a:xfrm>
+            <a:off x="3324964" y="1211912"/>
+            <a:ext cx="4849552" cy="2073792"/>
+          </a:xfrm>
+          <a:prstGeom prst="corner">
+            <a:avLst>
+              <a:gd name="adj1" fmla="val 10998"/>
+              <a:gd name="adj2" fmla="val 8378"/>
+            </a:avLst>
+          </a:prstGeom>
+          <a:solidFill>
+            <a:srgbClr val="FF7D7D"/>
+          </a:solidFill>
+          <a:ln w="9525" cap="flat" cmpd="sng" algn="ctr">
+            <a:solidFill>
+              <a:schemeClr val="tx1"/>
+            </a:solidFill>
+            <a:prstDash val="solid"/>
+            <a:round/>
+            <a:headEnd type="none" w="sm" len="sm"/>
+            <a:tailEnd type="triangle" w="sm" len="sm"/>
+          </a:ln>
+          <a:effectLst/>
+          <a:extLst/>
+        </p:spPr>
+        <p:txBody>
+          <a:bodyPr vert="horz" wrap="none" lIns="82800" tIns="46800" rIns="82800" bIns="46800" numCol="1" rtlCol="0" anchor="ctr" anchorCtr="0" compatLnSpc="1">
+            <a:prstTxWarp prst="textNoShape">
+              <a:avLst/>
+            </a:prstTxWarp>
+          </a:bodyPr>
+          <a:lstStyle/>
+          <a:p>
+            <a:pPr marL="0" marR="0" indent="0" algn="ctr" defTabSz="914400" rtl="0" eaLnBrk="0" fontAlgn="base" latinLnBrk="0" hangingPunct="0">
+              <a:lnSpc>
+                <a:spcPct val="100000"/>
+              </a:lnSpc>
+              <a:spcBef>
+                <a:spcPct val="0"/>
+              </a:spcBef>
+              <a:spcAft>
+                <a:spcPct val="0"/>
+              </a:spcAft>
+              <a:buClrTx/>
+              <a:buSzTx/>
+              <a:buFontTx/>
+              <a:buNone/>
+              <a:tabLst/>
+            </a:pPr>
+            <a:r>
+              <a:rPr kumimoji="0" lang="en-GB" sz="1200" u="none" strike="noStrike" cap="none" normalizeH="0" baseline="0" dirty="0" err="1" smtClean="0">
+                <a:ln>
+                  <a:noFill/>
+                </a:ln>
+                <a:solidFill>
+                  <a:schemeClr val="tx1"/>
+                </a:solidFill>
+                <a:effectLst/>
+                <a:latin typeface="Arial" charset="0"/>
+              </a:rPr>
+              <a:t>Karaf</a:t>
+            </a:r>
+            <a:r>
+              <a:rPr kumimoji="0" lang="en-GB" sz="1200" u="none" strike="noStrike" cap="none" normalizeH="0" baseline="0" dirty="0" smtClean="0">
+                <a:ln>
+                  <a:noFill/>
+                </a:ln>
+                <a:solidFill>
+                  <a:schemeClr val="tx1"/>
+                </a:solidFill>
+                <a:effectLst/>
+                <a:latin typeface="Arial" charset="0"/>
+              </a:rPr>
+              <a:t> /</a:t>
+            </a:r>
+            <a:r>
+              <a:rPr kumimoji="0" lang="en-GB" sz="1200" u="none" strike="noStrike" cap="none" normalizeH="0" baseline="0" dirty="0" err="1" smtClean="0">
+                <a:ln>
+                  <a:noFill/>
+                </a:ln>
+                <a:solidFill>
+                  <a:schemeClr val="tx1"/>
+                </a:solidFill>
+                <a:effectLst/>
+                <a:latin typeface="Arial" charset="0"/>
+              </a:rPr>
+              <a:t>OSGi</a:t>
+            </a:r>
+            <a:r>
+              <a:rPr kumimoji="0" lang="en-GB" sz="1200" u="none" strike="noStrike" cap="none" normalizeH="0" baseline="0" dirty="0" smtClean="0">
+                <a:ln>
+                  <a:noFill/>
+                </a:ln>
+                <a:solidFill>
+                  <a:schemeClr val="tx1"/>
+                </a:solidFill>
+                <a:effectLst/>
+                <a:latin typeface="Arial" charset="0"/>
+              </a:rPr>
+              <a:t> Container</a:t>
+            </a:r>
+          </a:p>
+        </p:txBody>
+      </p:sp>
+      <p:sp>
+        <p:nvSpPr>
+          <p:cNvPr id="9" name="Rectangle 8"/>
+          <p:cNvSpPr/>
+          <p:nvPr/>
+        </p:nvSpPr>
+        <p:spPr bwMode="auto">
+          <a:xfrm>
+            <a:off x="3920298" y="1194951"/>
+            <a:ext cx="251885" cy="1823536"/>
+          </a:xfrm>
+          <a:prstGeom prst="rect">
+            <a:avLst/>
+          </a:prstGeom>
+          <a:solidFill>
+            <a:srgbClr val="06FA23"/>
+          </a:solidFill>
+          <a:ln w="9525" cap="flat" cmpd="sng" algn="ctr">
+            <a:solidFill>
+              <a:schemeClr val="tx1"/>
+            </a:solidFill>
+            <a:prstDash val="solid"/>
+            <a:round/>
+            <a:headEnd type="none" w="sm" len="sm"/>
+            <a:tailEnd type="triangle" w="sm" len="sm"/>
+          </a:ln>
+          <a:effectLst/>
+          <a:extLst/>
+        </p:spPr>
+        <p:txBody>
+          <a:bodyPr vert="vert" wrap="none" lIns="82800" tIns="46800" rIns="82800" bIns="46800" numCol="1" rtlCol="0" anchor="ctr" anchorCtr="0" compatLnSpc="1">
+            <a:prstTxWarp prst="textNoShape">
+              <a:avLst/>
+            </a:prstTxWarp>
+          </a:bodyPr>
+          <a:lstStyle/>
+          <a:p>
+            <a:pPr algn="just" defTabSz="914400" eaLnBrk="0" fontAlgn="base" hangingPunct="0">
+              <a:spcBef>
+                <a:spcPct val="0"/>
+              </a:spcBef>
+              <a:spcAft>
+                <a:spcPct val="0"/>
+              </a:spcAft>
+            </a:pPr>
+            <a:r>
+              <a:rPr lang="en-GB" sz="1200" dirty="0" err="1">
+                <a:latin typeface="Arial" charset="0"/>
+              </a:rPr>
+              <a:t>Karaf</a:t>
+            </a:r>
+            <a:r>
+              <a:rPr lang="en-GB" sz="1200" dirty="0">
+                <a:latin typeface="Arial" charset="0"/>
+              </a:rPr>
+              <a:t> Feature Manager</a:t>
+            </a:r>
+          </a:p>
+        </p:txBody>
+      </p:sp>
+      <p:sp>
+        <p:nvSpPr>
+          <p:cNvPr id="10" name="Rectangle 9"/>
+          <p:cNvSpPr/>
+          <p:nvPr/>
+        </p:nvSpPr>
+        <p:spPr bwMode="auto">
+          <a:xfrm>
+            <a:off x="3604332" y="1194951"/>
+            <a:ext cx="251885" cy="1823536"/>
+          </a:xfrm>
+          <a:prstGeom prst="rect">
+            <a:avLst/>
+          </a:prstGeom>
+          <a:solidFill>
+            <a:srgbClr val="06FA23"/>
+          </a:solidFill>
+          <a:ln w="9525" cap="flat" cmpd="sng" algn="ctr">
+            <a:solidFill>
+              <a:schemeClr val="tx1"/>
+            </a:solidFill>
+            <a:prstDash val="solid"/>
+            <a:round/>
+            <a:headEnd type="none" w="sm" len="sm"/>
+            <a:tailEnd type="triangle" w="sm" len="sm"/>
+          </a:ln>
+          <a:effectLst/>
+          <a:extLst/>
+        </p:spPr>
+        <p:txBody>
+          <a:bodyPr vert="vert" wrap="none" lIns="82800" tIns="46800" rIns="82800" bIns="46800" numCol="1" rtlCol="0" anchor="ctr" anchorCtr="0" compatLnSpc="1">
+            <a:prstTxWarp prst="textNoShape">
+              <a:avLst/>
+            </a:prstTxWarp>
+          </a:bodyPr>
+          <a:lstStyle/>
+          <a:p>
+            <a:pPr algn="just" defTabSz="914400" eaLnBrk="0" fontAlgn="base" hangingPunct="0">
+              <a:spcBef>
+                <a:spcPct val="0"/>
+              </a:spcBef>
+              <a:spcAft>
+                <a:spcPct val="0"/>
+              </a:spcAft>
+            </a:pPr>
+            <a:r>
+              <a:rPr lang="en-GB" sz="1200" dirty="0" err="1">
+                <a:latin typeface="Arial" charset="0"/>
+              </a:rPr>
+              <a:t>Karaf</a:t>
+            </a:r>
+            <a:r>
+              <a:rPr lang="en-GB" sz="1200" dirty="0">
+                <a:latin typeface="Arial" charset="0"/>
+              </a:rPr>
+              <a:t> Licence Manager</a:t>
+            </a:r>
+          </a:p>
+        </p:txBody>
+      </p:sp>
+      <p:sp>
+        <p:nvSpPr>
+          <p:cNvPr id="11" name="Rectangle 10"/>
+          <p:cNvSpPr/>
+          <p:nvPr/>
+        </p:nvSpPr>
+        <p:spPr bwMode="auto">
+          <a:xfrm>
+            <a:off x="4596029" y="1194951"/>
+            <a:ext cx="251885" cy="1523499"/>
+          </a:xfrm>
+          <a:prstGeom prst="rect">
+            <a:avLst/>
+          </a:prstGeom>
+          <a:solidFill>
+            <a:srgbClr val="06FA23"/>
+          </a:solidFill>
+          <a:ln w="9525" cap="flat" cmpd="sng" algn="ctr">
+            <a:solidFill>
+              <a:schemeClr val="tx1"/>
+            </a:solidFill>
+            <a:prstDash val="solid"/>
+            <a:round/>
+            <a:headEnd type="none" w="sm" len="sm"/>
+            <a:tailEnd type="triangle" w="sm" len="sm"/>
+          </a:ln>
+          <a:effectLst/>
+          <a:extLst/>
+        </p:spPr>
+        <p:txBody>
+          <a:bodyPr vert="vert" wrap="none" lIns="82800" tIns="46800" rIns="82800" bIns="46800" numCol="1" rtlCol="0" anchor="ctr" anchorCtr="0" compatLnSpc="1">
+            <a:prstTxWarp prst="textNoShape">
+              <a:avLst/>
+            </a:prstTxWarp>
+          </a:bodyPr>
+          <a:lstStyle/>
+          <a:p>
+            <a:pPr algn="just" defTabSz="914400" eaLnBrk="0" fontAlgn="base" hangingPunct="0">
+              <a:spcBef>
+                <a:spcPct val="0"/>
+              </a:spcBef>
+              <a:spcAft>
+                <a:spcPct val="0"/>
+              </a:spcAft>
+            </a:pPr>
+            <a:r>
+              <a:rPr lang="en-GB" sz="1200" dirty="0">
+                <a:latin typeface="Arial" charset="0"/>
+              </a:rPr>
+              <a:t>Data collector</a:t>
+            </a:r>
+          </a:p>
+        </p:txBody>
+      </p:sp>
+      <p:cxnSp>
+        <p:nvCxnSpPr>
+          <p:cNvPr id="13" name="Straight Connector 12"/>
+          <p:cNvCxnSpPr>
+            <a:stCxn id="11" idx="3"/>
+            <a:endCxn id="34" idx="1"/>
+          </p:cNvCxnSpPr>
+          <p:nvPr/>
+        </p:nvCxnSpPr>
+        <p:spPr bwMode="auto">
+          <a:xfrm>
+            <a:off x="4847914" y="1956701"/>
+            <a:ext cx="305188" cy="5221"/>
+          </a:xfrm>
+          <a:prstGeom prst="line">
+            <a:avLst/>
+          </a:prstGeom>
+          <a:solidFill>
+            <a:schemeClr val="bg1"/>
+          </a:solidFill>
+          <a:ln w="9525" cap="flat" cmpd="sng" algn="ctr">
+            <a:solidFill>
+              <a:schemeClr val="tx1"/>
+            </a:solidFill>
+            <a:prstDash val="sysDash"/>
+            <a:round/>
+            <a:headEnd type="none" w="sm" len="sm"/>
+            <a:tailEnd type="none" w="sm" len="sm"/>
+          </a:ln>
+          <a:effectLst/>
+          <a:extLst>
+            <a:ext uri="{AF507438-7753-43E0-B8FC-AC1667EBCBE1}">
+              <a14:hiddenEffects xmlns:a14="http://schemas.microsoft.com/office/drawing/2010/main">
+                <a:effectLst>
+                  <a:outerShdw dist="35921" dir="2700000" algn="ctr" rotWithShape="0">
+                    <a:schemeClr val="bg2"/>
+                  </a:outerShdw>
+                </a:effectLst>
+              </a14:hiddenEffects>
+            </a:ext>
+          </a:extLst>
+        </p:spPr>
+      </p:cxnSp>
+      <p:sp>
+        <p:nvSpPr>
+          <p:cNvPr id="17" name="Rectangle 16"/>
+          <p:cNvSpPr/>
+          <p:nvPr/>
+        </p:nvSpPr>
+        <p:spPr bwMode="auto">
+          <a:xfrm>
+            <a:off x="3106757" y="1036244"/>
+            <a:ext cx="5398265" cy="3107518"/>
+          </a:xfrm>
+          <a:prstGeom prst="rect">
+            <a:avLst/>
+          </a:prstGeom>
+          <a:noFill/>
+          <a:ln w="9525" cap="flat" cmpd="sng" algn="ctr">
+            <a:solidFill>
+              <a:schemeClr val="tx1"/>
+            </a:solidFill>
+            <a:prstDash val="solid"/>
+            <a:round/>
+            <a:headEnd type="none" w="sm" len="sm"/>
+            <a:tailEnd type="triangle" w="sm" len="sm"/>
+          </a:ln>
+          <a:effectLst/>
+          <a:extLst/>
+        </p:spPr>
+        <p:txBody>
+          <a:bodyPr rot="0" spcFirstLastPara="0" vertOverflow="overflow" horzOverflow="overflow" vert="horz" wrap="square" lIns="82800" tIns="46800" rIns="82800" bIns="46800" numCol="1" spcCol="0" rtlCol="0" fromWordArt="0" anchor="b" anchorCtr="0" forceAA="0" compatLnSpc="1">
+            <a:prstTxWarp prst="textNoShape">
+              <a:avLst/>
+            </a:prstTxWarp>
+            <a:noAutofit/>
+          </a:bodyPr>
+          <a:lstStyle/>
+          <a:p>
+            <a:r>
+              <a:rPr lang="en-GB" sz="1200" b="1" dirty="0" smtClean="0"/>
+              <a:t>Target Hardware</a:t>
+            </a:r>
+            <a:r>
+              <a:rPr lang="en-GB" sz="1200" b="1" dirty="0"/>
+              <a:t>; Low cost </a:t>
+            </a:r>
+            <a:r>
+              <a:rPr lang="en-GB" sz="1200" b="1" dirty="0" err="1" smtClean="0"/>
+              <a:t>IoT</a:t>
+            </a:r>
+            <a:r>
+              <a:rPr lang="en-GB" sz="1200" b="1" dirty="0" smtClean="0"/>
+              <a:t> (e.g. </a:t>
+            </a:r>
+            <a:r>
+              <a:rPr lang="en-GB" sz="1200" b="1" dirty="0" err="1" smtClean="0"/>
+              <a:t>Beaglebone</a:t>
+            </a:r>
+            <a:r>
+              <a:rPr lang="en-GB" sz="1200" b="1" dirty="0" smtClean="0"/>
+              <a:t>, Raspberry Pi etc.) </a:t>
+            </a:r>
+            <a:endParaRPr lang="en-GB" sz="1200" b="1" dirty="0"/>
+          </a:p>
+        </p:txBody>
+      </p:sp>
+      <p:sp>
+        <p:nvSpPr>
+          <p:cNvPr id="24" name="L-Shape 23"/>
+          <p:cNvSpPr/>
+          <p:nvPr/>
+        </p:nvSpPr>
+        <p:spPr bwMode="auto">
+          <a:xfrm>
+            <a:off x="6843109" y="1205393"/>
+            <a:ext cx="1156785" cy="1813093"/>
+          </a:xfrm>
+          <a:prstGeom prst="corner">
+            <a:avLst>
+              <a:gd name="adj1" fmla="val 20591"/>
+              <a:gd name="adj2" fmla="val 20904"/>
+            </a:avLst>
+          </a:prstGeom>
+          <a:solidFill>
+            <a:srgbClr val="EF6825"/>
+          </a:solidFill>
+          <a:ln w="9525" cap="flat" cmpd="sng" algn="ctr">
+            <a:solidFill>
+              <a:schemeClr val="tx1"/>
+            </a:solidFill>
+            <a:prstDash val="solid"/>
+            <a:round/>
+            <a:headEnd type="none" w="sm" len="sm"/>
+            <a:tailEnd type="triangle" w="sm" len="sm"/>
+          </a:ln>
+          <a:effectLst/>
+          <a:extLst/>
+        </p:spPr>
+        <p:txBody>
+          <a:bodyPr vert="horz" wrap="none" lIns="82800" tIns="46800" rIns="82800" bIns="46800" numCol="1" rtlCol="0" anchor="b" anchorCtr="0" compatLnSpc="1">
+            <a:prstTxWarp prst="textNoShape">
+              <a:avLst/>
+            </a:prstTxWarp>
+          </a:bodyPr>
+          <a:lstStyle/>
+          <a:p>
+            <a:pPr marL="0" marR="0" indent="0" algn="just" defTabSz="914400" rtl="0" eaLnBrk="0" fontAlgn="base" latinLnBrk="0" hangingPunct="0">
+              <a:lnSpc>
+                <a:spcPct val="100000"/>
+              </a:lnSpc>
+              <a:spcBef>
+                <a:spcPct val="0"/>
+              </a:spcBef>
+              <a:spcAft>
+                <a:spcPct val="0"/>
+              </a:spcAft>
+              <a:buClrTx/>
+              <a:buSzTx/>
+              <a:buFontTx/>
+              <a:buNone/>
+              <a:tabLst/>
+            </a:pPr>
+            <a:r>
+              <a:rPr lang="en-GB" sz="1000" dirty="0" err="1">
+                <a:latin typeface="Arial" charset="0"/>
+              </a:rPr>
+              <a:t>OpenHab</a:t>
+            </a:r>
+            <a:endParaRPr lang="en-GB" sz="1000" dirty="0">
+              <a:latin typeface="Arial" charset="0"/>
+            </a:endParaRPr>
+          </a:p>
+        </p:txBody>
+      </p:sp>
+      <p:sp>
+        <p:nvSpPr>
+          <p:cNvPr id="25" name="Rectangle 24"/>
+          <p:cNvSpPr/>
+          <p:nvPr/>
+        </p:nvSpPr>
+        <p:spPr bwMode="auto">
+          <a:xfrm>
+            <a:off x="7147972" y="1194951"/>
+            <a:ext cx="251885" cy="1523499"/>
+          </a:xfrm>
+          <a:prstGeom prst="rect">
+            <a:avLst/>
+          </a:prstGeom>
+          <a:solidFill>
+            <a:srgbClr val="F5A47B"/>
+          </a:solidFill>
+          <a:ln w="9525" cap="flat" cmpd="sng" algn="ctr">
+            <a:solidFill>
+              <a:schemeClr val="tx1"/>
+            </a:solidFill>
+            <a:prstDash val="solid"/>
+            <a:round/>
+            <a:headEnd type="none" w="sm" len="sm"/>
+            <a:tailEnd type="triangle" w="sm" len="sm"/>
+          </a:ln>
+          <a:effectLst/>
+          <a:extLst/>
+        </p:spPr>
+        <p:txBody>
+          <a:bodyPr vert="vert" wrap="none" lIns="82800" tIns="46800" rIns="82800" bIns="46800" numCol="1" rtlCol="0" anchor="ctr" anchorCtr="0" compatLnSpc="1">
+            <a:prstTxWarp prst="textNoShape">
+              <a:avLst/>
+            </a:prstTxWarp>
+          </a:bodyPr>
+          <a:lstStyle/>
+          <a:p>
+            <a:r>
+              <a:rPr lang="en-GB" sz="1200" dirty="0" err="1" smtClean="0"/>
+              <a:t>OpenHab</a:t>
+            </a:r>
+            <a:r>
+              <a:rPr lang="en-GB" sz="1200" dirty="0" smtClean="0"/>
+              <a:t> Module</a:t>
+            </a:r>
+            <a:endParaRPr lang="en-GB" sz="1200" dirty="0"/>
+          </a:p>
+        </p:txBody>
+      </p:sp>
+      <p:cxnSp>
+        <p:nvCxnSpPr>
+          <p:cNvPr id="26" name="Straight Connector 25"/>
+          <p:cNvCxnSpPr>
+            <a:stCxn id="25" idx="3"/>
+            <a:endCxn id="28" idx="1"/>
+          </p:cNvCxnSpPr>
+          <p:nvPr/>
+        </p:nvCxnSpPr>
+        <p:spPr bwMode="auto">
+          <a:xfrm>
+            <a:off x="7399857" y="1956701"/>
+            <a:ext cx="348152" cy="0"/>
+          </a:xfrm>
+          <a:prstGeom prst="line">
+            <a:avLst/>
+          </a:prstGeom>
+          <a:solidFill>
+            <a:schemeClr val="bg1"/>
+          </a:solidFill>
+          <a:ln w="9525" cap="flat" cmpd="sng" algn="ctr">
+            <a:solidFill>
+              <a:schemeClr val="tx1"/>
+            </a:solidFill>
+            <a:prstDash val="sysDash"/>
+            <a:round/>
+            <a:headEnd type="none" w="sm" len="sm"/>
+            <a:tailEnd type="none" w="sm" len="sm"/>
+          </a:ln>
+          <a:effectLst/>
+          <a:extLst>
+            <a:ext uri="{AF507438-7753-43E0-B8FC-AC1667EBCBE1}">
+              <a14:hiddenEffects xmlns:a14="http://schemas.microsoft.com/office/drawing/2010/main">
+                <a:effectLst>
+                  <a:outerShdw dist="35921" dir="2700000" algn="ctr" rotWithShape="0">
+                    <a:schemeClr val="bg2"/>
+                  </a:outerShdw>
+                </a:effectLst>
+              </a14:hiddenEffects>
+            </a:ext>
+          </a:extLst>
+        </p:spPr>
+      </p:cxnSp>
+      <p:sp>
+        <p:nvSpPr>
+          <p:cNvPr id="28" name="Rectangle 27"/>
+          <p:cNvSpPr/>
+          <p:nvPr/>
+        </p:nvSpPr>
+        <p:spPr bwMode="auto">
+          <a:xfrm>
+            <a:off x="7748009" y="1194951"/>
+            <a:ext cx="251885" cy="1523499"/>
+          </a:xfrm>
+          <a:prstGeom prst="rect">
+            <a:avLst/>
+          </a:prstGeom>
+          <a:solidFill>
+            <a:srgbClr val="F5A47B"/>
+          </a:solidFill>
+          <a:ln w="9525" cap="flat" cmpd="sng" algn="ctr">
+            <a:solidFill>
+              <a:schemeClr val="tx1"/>
+            </a:solidFill>
+            <a:prstDash val="solid"/>
+            <a:round/>
+            <a:headEnd type="none" w="sm" len="sm"/>
+            <a:tailEnd type="triangle" w="sm" len="sm"/>
+          </a:ln>
+          <a:effectLst/>
+          <a:extLst/>
+        </p:spPr>
+        <p:txBody>
+          <a:bodyPr vert="vert" wrap="none" lIns="82800" tIns="46800" rIns="82800" bIns="46800" numCol="1" rtlCol="0" anchor="ctr" anchorCtr="0" compatLnSpc="1">
+            <a:prstTxWarp prst="textNoShape">
+              <a:avLst/>
+            </a:prstTxWarp>
+          </a:bodyPr>
+          <a:lstStyle/>
+          <a:p>
+            <a:r>
+              <a:rPr lang="en-GB" sz="1200" dirty="0" err="1"/>
+              <a:t>OpenHab</a:t>
+            </a:r>
+            <a:r>
+              <a:rPr lang="en-GB" sz="1200" dirty="0"/>
+              <a:t> Module</a:t>
+            </a:r>
+          </a:p>
+        </p:txBody>
+      </p:sp>
+      <p:sp>
+        <p:nvSpPr>
+          <p:cNvPr id="30" name="L-Shape 29"/>
+          <p:cNvSpPr/>
+          <p:nvPr/>
+        </p:nvSpPr>
+        <p:spPr bwMode="auto">
+          <a:xfrm>
+            <a:off x="5561274" y="1205393"/>
+            <a:ext cx="1156785" cy="1813093"/>
+          </a:xfrm>
+          <a:prstGeom prst="corner">
+            <a:avLst>
+              <a:gd name="adj1" fmla="val 20591"/>
+              <a:gd name="adj2" fmla="val 20904"/>
+            </a:avLst>
+          </a:prstGeom>
+          <a:solidFill>
+            <a:srgbClr val="3D85C7"/>
+          </a:solidFill>
+          <a:ln w="9525" cap="flat" cmpd="sng" algn="ctr">
+            <a:solidFill>
+              <a:schemeClr val="tx1"/>
+            </a:solidFill>
+            <a:prstDash val="solid"/>
+            <a:round/>
+            <a:headEnd type="none" w="sm" len="sm"/>
+            <a:tailEnd type="triangle" w="sm" len="sm"/>
+          </a:ln>
+          <a:effectLst/>
+          <a:extLst/>
+        </p:spPr>
+        <p:txBody>
+          <a:bodyPr vert="horz" wrap="none" lIns="82800" tIns="46800" rIns="82800" bIns="46800" numCol="1" rtlCol="0" anchor="b" anchorCtr="0" compatLnSpc="1">
+            <a:prstTxWarp prst="textNoShape">
+              <a:avLst/>
+            </a:prstTxWarp>
+          </a:bodyPr>
+          <a:lstStyle/>
+          <a:p>
+            <a:pPr marL="0" marR="0" indent="0" algn="just" defTabSz="914400" rtl="0" eaLnBrk="0" fontAlgn="base" latinLnBrk="0" hangingPunct="0">
+              <a:lnSpc>
+                <a:spcPct val="100000"/>
+              </a:lnSpc>
+              <a:spcBef>
+                <a:spcPct val="0"/>
+              </a:spcBef>
+              <a:spcAft>
+                <a:spcPct val="0"/>
+              </a:spcAft>
+              <a:buClrTx/>
+              <a:buSzTx/>
+              <a:buFontTx/>
+              <a:buNone/>
+              <a:tabLst/>
+            </a:pPr>
+            <a:r>
+              <a:rPr lang="en-GB" sz="1000" dirty="0">
+                <a:latin typeface="Arial" charset="0"/>
+              </a:rPr>
+              <a:t>Eclipse Kura</a:t>
+            </a:r>
+          </a:p>
+        </p:txBody>
+      </p:sp>
+      <p:sp>
+        <p:nvSpPr>
+          <p:cNvPr id="31" name="Rectangle 30"/>
+          <p:cNvSpPr/>
+          <p:nvPr/>
+        </p:nvSpPr>
+        <p:spPr bwMode="auto">
+          <a:xfrm>
+            <a:off x="5933787" y="1205394"/>
+            <a:ext cx="251885" cy="1513056"/>
+          </a:xfrm>
+          <a:prstGeom prst="rect">
+            <a:avLst/>
+          </a:prstGeom>
+          <a:solidFill>
+            <a:schemeClr val="tx2">
+              <a:lumMod val="40000"/>
+              <a:lumOff val="60000"/>
+            </a:schemeClr>
+          </a:solidFill>
+          <a:ln w="9525" cap="flat" cmpd="sng" algn="ctr">
+            <a:solidFill>
+              <a:schemeClr val="tx1"/>
+            </a:solidFill>
+            <a:prstDash val="solid"/>
+            <a:round/>
+            <a:headEnd type="none" w="sm" len="sm"/>
+            <a:tailEnd type="triangle" w="sm" len="sm"/>
+          </a:ln>
+          <a:effectLst/>
+          <a:extLst/>
+        </p:spPr>
+        <p:txBody>
+          <a:bodyPr vert="vert" wrap="none" lIns="82800" tIns="46800" rIns="82800" bIns="46800" numCol="1" rtlCol="0" anchor="ctr" anchorCtr="0" compatLnSpc="1">
+            <a:prstTxWarp prst="textNoShape">
+              <a:avLst/>
+            </a:prstTxWarp>
+          </a:bodyPr>
+          <a:lstStyle/>
+          <a:p>
+            <a:r>
+              <a:rPr lang="en-GB" sz="1200" dirty="0" smtClean="0"/>
+              <a:t>Kura Module</a:t>
+            </a:r>
+            <a:endParaRPr lang="en-GB" sz="1200" dirty="0"/>
+          </a:p>
+        </p:txBody>
+      </p:sp>
+      <p:cxnSp>
+        <p:nvCxnSpPr>
+          <p:cNvPr id="32" name="Straight Connector 31"/>
+          <p:cNvCxnSpPr>
+            <a:stCxn id="31" idx="3"/>
+            <a:endCxn id="33" idx="1"/>
+          </p:cNvCxnSpPr>
+          <p:nvPr/>
+        </p:nvCxnSpPr>
+        <p:spPr bwMode="auto">
+          <a:xfrm>
+            <a:off x="6185672" y="1961922"/>
+            <a:ext cx="280502" cy="6518"/>
+          </a:xfrm>
+          <a:prstGeom prst="line">
+            <a:avLst/>
+          </a:prstGeom>
+          <a:solidFill>
+            <a:schemeClr val="bg1"/>
+          </a:solidFill>
+          <a:ln w="9525" cap="flat" cmpd="sng" algn="ctr">
+            <a:solidFill>
+              <a:schemeClr val="tx1"/>
+            </a:solidFill>
+            <a:prstDash val="sysDash"/>
+            <a:round/>
+            <a:headEnd type="none" w="sm" len="sm"/>
+            <a:tailEnd type="none" w="sm" len="sm"/>
+          </a:ln>
+          <a:effectLst/>
+          <a:extLst>
+            <a:ext uri="{AF507438-7753-43E0-B8FC-AC1667EBCBE1}">
+              <a14:hiddenEffects xmlns:a14="http://schemas.microsoft.com/office/drawing/2010/main">
+                <a:effectLst>
+                  <a:outerShdw dist="35921" dir="2700000" algn="ctr" rotWithShape="0">
+                    <a:schemeClr val="bg2"/>
+                  </a:outerShdw>
+                </a:effectLst>
+              </a14:hiddenEffects>
+            </a:ext>
+          </a:extLst>
+        </p:spPr>
+      </p:cxnSp>
+      <p:sp>
+        <p:nvSpPr>
+          <p:cNvPr id="33" name="Rectangle 32"/>
+          <p:cNvSpPr/>
+          <p:nvPr/>
+        </p:nvSpPr>
+        <p:spPr bwMode="auto">
+          <a:xfrm>
+            <a:off x="6466174" y="1211912"/>
+            <a:ext cx="251885" cy="1513056"/>
+          </a:xfrm>
+          <a:prstGeom prst="rect">
+            <a:avLst/>
+          </a:prstGeom>
+          <a:solidFill>
+            <a:schemeClr val="tx2">
+              <a:lumMod val="40000"/>
+              <a:lumOff val="60000"/>
+            </a:schemeClr>
+          </a:solidFill>
+          <a:ln w="9525" cap="flat" cmpd="sng" algn="ctr">
+            <a:solidFill>
+              <a:schemeClr val="tx1"/>
+            </a:solidFill>
+            <a:prstDash val="solid"/>
+            <a:round/>
+            <a:headEnd type="none" w="sm" len="sm"/>
+            <a:tailEnd type="triangle" w="sm" len="sm"/>
+          </a:ln>
+          <a:effectLst/>
+          <a:extLst/>
+        </p:spPr>
+        <p:txBody>
+          <a:bodyPr vert="vert" wrap="none" lIns="82800" tIns="46800" rIns="82800" bIns="46800" numCol="1" rtlCol="0" anchor="ctr" anchorCtr="0" compatLnSpc="1">
+            <a:prstTxWarp prst="textNoShape">
+              <a:avLst/>
+            </a:prstTxWarp>
+          </a:bodyPr>
+          <a:lstStyle/>
+          <a:p>
+            <a:r>
+              <a:rPr lang="en-GB" sz="1200" dirty="0"/>
+              <a:t>Kura Module</a:t>
+            </a:r>
+          </a:p>
+        </p:txBody>
+      </p:sp>
+      <p:sp>
+        <p:nvSpPr>
+          <p:cNvPr id="34" name="Rectangle 33"/>
+          <p:cNvSpPr/>
+          <p:nvPr/>
+        </p:nvSpPr>
+        <p:spPr bwMode="auto">
+          <a:xfrm>
+            <a:off x="5153102" y="1200172"/>
+            <a:ext cx="251885" cy="1523499"/>
+          </a:xfrm>
+          <a:prstGeom prst="rect">
+            <a:avLst/>
+          </a:prstGeom>
+          <a:solidFill>
+            <a:srgbClr val="06FA23"/>
+          </a:solidFill>
+          <a:ln w="9525" cap="flat" cmpd="sng" algn="ctr">
+            <a:solidFill>
+              <a:schemeClr val="tx1"/>
+            </a:solidFill>
+            <a:prstDash val="solid"/>
+            <a:round/>
+            <a:headEnd type="none" w="sm" len="sm"/>
+            <a:tailEnd type="triangle" w="sm" len="sm"/>
+          </a:ln>
+          <a:effectLst/>
+          <a:extLst/>
+        </p:spPr>
+        <p:txBody>
+          <a:bodyPr vert="vert" wrap="none" lIns="82800" tIns="46800" rIns="82800" bIns="46800" numCol="1" rtlCol="0" anchor="ctr" anchorCtr="0" compatLnSpc="1">
+            <a:prstTxWarp prst="textNoShape">
+              <a:avLst/>
+            </a:prstTxWarp>
+          </a:bodyPr>
+          <a:lstStyle/>
+          <a:p>
+            <a:pPr algn="just" defTabSz="914400" eaLnBrk="0" fontAlgn="base" hangingPunct="0">
+              <a:spcBef>
+                <a:spcPct val="0"/>
+              </a:spcBef>
+              <a:spcAft>
+                <a:spcPct val="0"/>
+              </a:spcAft>
+            </a:pPr>
+            <a:r>
+              <a:rPr lang="en-GB" sz="1200" dirty="0">
+                <a:latin typeface="Arial" charset="0"/>
+              </a:rPr>
+              <a:t>Data collector</a:t>
+            </a:r>
+          </a:p>
+        </p:txBody>
+      </p:sp>
+      <p:sp>
+        <p:nvSpPr>
+          <p:cNvPr id="43" name="Rectangle 42"/>
+          <p:cNvSpPr/>
+          <p:nvPr/>
+        </p:nvSpPr>
+        <p:spPr>
+          <a:xfrm>
+            <a:off x="3324964" y="3366130"/>
+            <a:ext cx="4849552" cy="165253"/>
+          </a:xfrm>
+          <a:prstGeom prst="rect">
+            <a:avLst/>
+          </a:prstGeom>
+          <a:solidFill>
+            <a:schemeClr val="bg1"/>
+          </a:solidFill>
+          <a:ln>
+            <a:solidFill>
+              <a:schemeClr val="tx1"/>
+            </a:solidFill>
+          </a:ln>
+          <a:effectLst/>
+        </p:spPr>
+        <p:style>
+          <a:lnRef idx="1">
+            <a:schemeClr val="accent1"/>
+          </a:lnRef>
+          <a:fillRef idx="3">
+            <a:schemeClr val="accent1"/>
+          </a:fillRef>
+          <a:effectRef idx="2">
+            <a:schemeClr val="accent1"/>
+          </a:effectRef>
+          <a:fontRef idx="minor">
+            <a:schemeClr val="lt1"/>
+          </a:fontRef>
+        </p:style>
+        <p:txBody>
+          <a:bodyPr rot="0" spcFirstLastPara="0" vertOverflow="overflow" horzOverflow="overflow" vert="horz" wrap="square" lIns="91440" tIns="45720" rIns="91440" bIns="45720" numCol="1" spcCol="0" rtlCol="0" fromWordArt="0" anchor="ctr" anchorCtr="0" forceAA="0" compatLnSpc="1">
+            <a:prstTxWarp prst="textNoShape">
+              <a:avLst/>
+            </a:prstTxWarp>
+            <a:noAutofit/>
+          </a:bodyPr>
+          <a:lstStyle/>
+          <a:p>
+            <a:pPr algn="ctr"/>
+            <a:r>
+              <a:rPr lang="en-GB" sz="1100" b="1" dirty="0" smtClean="0">
+                <a:solidFill>
+                  <a:schemeClr val="tx1"/>
+                </a:solidFill>
+              </a:rPr>
+              <a:t>Java</a:t>
+            </a:r>
+          </a:p>
+        </p:txBody>
+      </p:sp>
+      <p:sp>
+        <p:nvSpPr>
+          <p:cNvPr id="44" name="Rectangle 43"/>
+          <p:cNvSpPr/>
+          <p:nvPr/>
+        </p:nvSpPr>
+        <p:spPr>
+          <a:xfrm>
+            <a:off x="3324964" y="3601156"/>
+            <a:ext cx="4849552" cy="165253"/>
+          </a:xfrm>
+          <a:prstGeom prst="rect">
+            <a:avLst/>
+          </a:prstGeom>
+          <a:solidFill>
+            <a:schemeClr val="bg1"/>
+          </a:solidFill>
+          <a:ln>
+            <a:solidFill>
+              <a:schemeClr val="tx1"/>
+            </a:solidFill>
+          </a:ln>
+          <a:effectLst/>
+        </p:spPr>
+        <p:style>
+          <a:lnRef idx="1">
+            <a:schemeClr val="accent1"/>
+          </a:lnRef>
+          <a:fillRef idx="3">
+            <a:schemeClr val="accent1"/>
+          </a:fillRef>
+          <a:effectRef idx="2">
+            <a:schemeClr val="accent1"/>
+          </a:effectRef>
+          <a:fontRef idx="minor">
+            <a:schemeClr val="lt1"/>
+          </a:fontRef>
+        </p:style>
+        <p:txBody>
+          <a:bodyPr rot="0" spcFirstLastPara="0" vertOverflow="overflow" horzOverflow="overflow" vert="horz" wrap="square" lIns="91440" tIns="45720" rIns="91440" bIns="45720" numCol="1" spcCol="0" rtlCol="0" fromWordArt="0" anchor="ctr" anchorCtr="0" forceAA="0" compatLnSpc="1">
+            <a:prstTxWarp prst="textNoShape">
+              <a:avLst/>
+            </a:prstTxWarp>
+            <a:noAutofit/>
+          </a:bodyPr>
+          <a:lstStyle/>
+          <a:p>
+            <a:pPr algn="ctr"/>
+            <a:r>
+              <a:rPr lang="en-GB" sz="1100" b="1" dirty="0" smtClean="0">
+                <a:solidFill>
+                  <a:schemeClr val="tx1"/>
+                </a:solidFill>
+              </a:rPr>
+              <a:t>OS</a:t>
+            </a:r>
+          </a:p>
+        </p:txBody>
+      </p:sp>
+      <p:pic>
+        <p:nvPicPr>
+          <p:cNvPr id="3074" name="Picture 2" descr="C:\aaaGitRepos\tmforumhack2017\TMForumVancouver2017Hack\documentation\kura_logo.png"/>
+          <p:cNvPicPr>
+            <a:picLocks noChangeAspect="1" noChangeArrowheads="1"/>
+          </p:cNvPicPr>
+          <p:nvPr/>
+        </p:nvPicPr>
+        <p:blipFill>
+          <a:blip r:embed="rId2">
+            <a:extLst>
+              <a:ext uri="{28A0092B-C50C-407E-A947-70E740481C1C}">
+                <a14:useLocalDpi xmlns:a14="http://schemas.microsoft.com/office/drawing/2010/main" val="0"/>
+              </a:ext>
+            </a:extLst>
+          </a:blip>
+          <a:srcRect/>
+          <a:stretch>
+            <a:fillRect/>
+          </a:stretch>
+        </p:blipFill>
+        <p:spPr bwMode="auto">
+          <a:xfrm>
+            <a:off x="5407011" y="545796"/>
+            <a:ext cx="1322058" cy="377731"/>
+          </a:xfrm>
+          <a:prstGeom prst="rect">
+            <a:avLst/>
+          </a:prstGeom>
+          <a:noFill/>
+          <a:extLst>
+            <a:ext uri="{909E8E84-426E-40DD-AFC4-6F175D3DCCD1}">
+              <a14:hiddenFill xmlns:a14="http://schemas.microsoft.com/office/drawing/2010/main">
+                <a:solidFill>
+                  <a:srgbClr val="FFFFFF"/>
+                </a:solidFill>
+              </a14:hiddenFill>
+            </a:ext>
+          </a:extLst>
+        </p:spPr>
+      </p:pic>
+      <p:pic>
+        <p:nvPicPr>
+          <p:cNvPr id="3075" name="Picture 3" descr="C:\aaaGitRepos\tmforumhack2017\TMForumVancouver2017Hack\documentation\openhab-logo-top.png"/>
+          <p:cNvPicPr>
+            <a:picLocks noChangeAspect="1" noChangeArrowheads="1"/>
+          </p:cNvPicPr>
+          <p:nvPr/>
+        </p:nvPicPr>
+        <p:blipFill>
+          <a:blip r:embed="rId3">
+            <a:extLst>
+              <a:ext uri="{28A0092B-C50C-407E-A947-70E740481C1C}">
+                <a14:useLocalDpi xmlns:a14="http://schemas.microsoft.com/office/drawing/2010/main" val="0"/>
+              </a:ext>
+            </a:extLst>
+          </a:blip>
+          <a:srcRect/>
+          <a:stretch>
+            <a:fillRect/>
+          </a:stretch>
+        </p:blipFill>
+        <p:spPr bwMode="auto">
+          <a:xfrm>
+            <a:off x="6941315" y="566987"/>
+            <a:ext cx="1292458" cy="356540"/>
+          </a:xfrm>
+          <a:prstGeom prst="rect">
+            <a:avLst/>
+          </a:prstGeom>
+          <a:noFill/>
+          <a:extLst>
+            <a:ext uri="{909E8E84-426E-40DD-AFC4-6F175D3DCCD1}">
+              <a14:hiddenFill xmlns:a14="http://schemas.microsoft.com/office/drawing/2010/main">
+                <a:solidFill>
+                  <a:srgbClr val="FFFFFF"/>
+                </a:solidFill>
+              </a14:hiddenFill>
+            </a:ext>
+          </a:extLst>
+        </p:spPr>
+      </p:pic>
+      <p:pic>
+        <p:nvPicPr>
+          <p:cNvPr id="3077" name="Picture 5" descr="C:\aaaGitRepos\tmforumhack2017\TMForumVancouver2017Hack\documentation\ApacheKarafLogo.png"/>
+          <p:cNvPicPr>
+            <a:picLocks noChangeAspect="1" noChangeArrowheads="1"/>
+          </p:cNvPicPr>
+          <p:nvPr/>
+        </p:nvPicPr>
+        <p:blipFill>
+          <a:blip r:embed="rId4">
+            <a:extLst>
+              <a:ext uri="{28A0092B-C50C-407E-A947-70E740481C1C}">
+                <a14:useLocalDpi xmlns:a14="http://schemas.microsoft.com/office/drawing/2010/main" val="0"/>
+              </a:ext>
+            </a:extLst>
+          </a:blip>
+          <a:srcRect/>
+          <a:stretch>
+            <a:fillRect/>
+          </a:stretch>
+        </p:blipFill>
+        <p:spPr bwMode="auto">
+          <a:xfrm>
+            <a:off x="2172089" y="3531383"/>
+            <a:ext cx="934668" cy="382364"/>
+          </a:xfrm>
+          <a:prstGeom prst="rect">
+            <a:avLst/>
+          </a:prstGeom>
+          <a:noFill/>
+          <a:extLst>
+            <a:ext uri="{909E8E84-426E-40DD-AFC4-6F175D3DCCD1}">
+              <a14:hiddenFill xmlns:a14="http://schemas.microsoft.com/office/drawing/2010/main">
+                <a:solidFill>
+                  <a:srgbClr val="FFFFFF"/>
+                </a:solidFill>
+              </a14:hiddenFill>
+            </a:ext>
+          </a:extLst>
+        </p:spPr>
+      </p:pic>
+      <p:pic>
+        <p:nvPicPr>
+          <p:cNvPr id="3078" name="Picture 6" descr="C:\aaaGitRepos\tmforumhack2017\TMForumVancouver2017Hack\documentation\osgologo.png"/>
+          <p:cNvPicPr>
+            <a:picLocks noChangeAspect="1" noChangeArrowheads="1"/>
+          </p:cNvPicPr>
+          <p:nvPr/>
+        </p:nvPicPr>
+        <p:blipFill>
+          <a:blip r:embed="rId5">
+            <a:extLst>
+              <a:ext uri="{28A0092B-C50C-407E-A947-70E740481C1C}">
+                <a14:useLocalDpi xmlns:a14="http://schemas.microsoft.com/office/drawing/2010/main" val="0"/>
+              </a:ext>
+            </a:extLst>
+          </a:blip>
+          <a:srcRect/>
+          <a:stretch>
+            <a:fillRect/>
+          </a:stretch>
+        </p:blipFill>
+        <p:spPr bwMode="auto">
+          <a:xfrm>
+            <a:off x="2172089" y="3018487"/>
+            <a:ext cx="771976" cy="341319"/>
+          </a:xfrm>
+          <a:prstGeom prst="rect">
+            <a:avLst/>
+          </a:prstGeom>
+          <a:noFill/>
+          <a:extLst>
+            <a:ext uri="{909E8E84-426E-40DD-AFC4-6F175D3DCCD1}">
+              <a14:hiddenFill xmlns:a14="http://schemas.microsoft.com/office/drawing/2010/main">
+                <a:solidFill>
+                  <a:srgbClr val="FFFFFF"/>
+                </a:solidFill>
+              </a14:hiddenFill>
+            </a:ext>
+          </a:extLst>
+        </p:spPr>
+      </p:pic>
+      <p:pic>
+        <p:nvPicPr>
+          <p:cNvPr id="3079" name="Picture 7" descr="C:\aaaGitRepos\tmforumhack2017\TMForumVancouver2017Hack\documentation\opennmsLogo.png"/>
+          <p:cNvPicPr>
+            <a:picLocks noChangeAspect="1" noChangeArrowheads="1"/>
+          </p:cNvPicPr>
+          <p:nvPr/>
+        </p:nvPicPr>
+        <p:blipFill>
+          <a:blip r:embed="rId6">
+            <a:extLst>
+              <a:ext uri="{28A0092B-C50C-407E-A947-70E740481C1C}">
+                <a14:useLocalDpi xmlns:a14="http://schemas.microsoft.com/office/drawing/2010/main" val="0"/>
+              </a:ext>
+            </a:extLst>
+          </a:blip>
+          <a:srcRect/>
+          <a:stretch>
+            <a:fillRect/>
+          </a:stretch>
+        </p:blipFill>
+        <p:spPr bwMode="auto">
+          <a:xfrm>
+            <a:off x="3856217" y="566987"/>
+            <a:ext cx="1210073" cy="305902"/>
+          </a:xfrm>
+          <a:prstGeom prst="rect">
+            <a:avLst/>
+          </a:prstGeom>
+          <a:noFill/>
+          <a:extLst>
+            <a:ext uri="{909E8E84-426E-40DD-AFC4-6F175D3DCCD1}">
+              <a14:hiddenFill xmlns:a14="http://schemas.microsoft.com/office/drawing/2010/main">
+                <a:solidFill>
+                  <a:srgbClr val="FFFFFF"/>
+                </a:solidFill>
+              </a14:hiddenFill>
+            </a:ext>
+          </a:extLst>
+        </p:spPr>
+      </p:pic>
+      <p:sp>
+        <p:nvSpPr>
+          <p:cNvPr id="63" name="Content Placeholder 3"/>
+          <p:cNvSpPr>
+            <a:spLocks noGrp="1"/>
+          </p:cNvSpPr>
+          <p:nvPr>
+            <p:ph idx="1"/>
+          </p:nvPr>
+        </p:nvSpPr>
+        <p:spPr>
+          <a:xfrm>
+            <a:off x="147892" y="691656"/>
+            <a:ext cx="2707664" cy="3468603"/>
+          </a:xfrm>
+        </p:spPr>
+        <p:txBody>
+          <a:bodyPr>
+            <a:normAutofit/>
+          </a:bodyPr>
+          <a:lstStyle/>
+          <a:p>
+            <a:pPr>
+              <a:spcBef>
+                <a:spcPts val="600"/>
+              </a:spcBef>
+            </a:pPr>
+            <a:r>
+              <a:rPr lang="en-GB" sz="2000" baseline="30000" dirty="0"/>
+              <a:t>Java </a:t>
+            </a:r>
+            <a:r>
+              <a:rPr lang="en-GB" sz="2000" baseline="30000" dirty="0" err="1"/>
+              <a:t>IoT</a:t>
+            </a:r>
+            <a:r>
+              <a:rPr lang="en-GB" sz="2000" baseline="30000" dirty="0"/>
+              <a:t> Ecosystem</a:t>
+            </a:r>
+          </a:p>
+          <a:p>
+            <a:pPr lvl="1">
+              <a:spcBef>
+                <a:spcPts val="600"/>
+              </a:spcBef>
+            </a:pPr>
+            <a:r>
+              <a:rPr lang="en-GB" sz="1600" baseline="30000" dirty="0" smtClean="0"/>
+              <a:t>Apache </a:t>
+            </a:r>
+            <a:r>
+              <a:rPr lang="en-GB" sz="1600" baseline="30000" dirty="0" err="1" smtClean="0"/>
+              <a:t>karaf</a:t>
+            </a:r>
+            <a:endParaRPr lang="en-GB" sz="1600" baseline="30000" dirty="0" smtClean="0"/>
+          </a:p>
+          <a:p>
+            <a:pPr lvl="1">
+              <a:spcBef>
+                <a:spcPts val="600"/>
+              </a:spcBef>
+            </a:pPr>
+            <a:r>
+              <a:rPr lang="en-GB" sz="1600" baseline="30000" dirty="0" smtClean="0"/>
+              <a:t>Eclipse Kura</a:t>
+            </a:r>
+          </a:p>
+          <a:p>
+            <a:pPr lvl="1">
+              <a:spcBef>
+                <a:spcPts val="600"/>
+              </a:spcBef>
+            </a:pPr>
+            <a:r>
+              <a:rPr lang="en-GB" sz="1600" baseline="30000" dirty="0" err="1" smtClean="0"/>
+              <a:t>OpenHab</a:t>
+            </a:r>
+            <a:endParaRPr lang="en-GB" sz="1600" baseline="30000" dirty="0" smtClean="0"/>
+          </a:p>
+          <a:p>
+            <a:pPr>
+              <a:spcBef>
+                <a:spcPts val="600"/>
+              </a:spcBef>
+            </a:pPr>
+            <a:endParaRPr lang="en-GB" sz="2000" baseline="30000" dirty="0" smtClean="0"/>
+          </a:p>
+          <a:p>
+            <a:pPr>
+              <a:spcBef>
+                <a:spcPts val="600"/>
+              </a:spcBef>
+            </a:pPr>
+            <a:r>
+              <a:rPr lang="en-GB" sz="2000" baseline="30000" dirty="0" err="1" smtClean="0"/>
+              <a:t>OpenNMS</a:t>
+            </a:r>
+            <a:r>
+              <a:rPr lang="en-GB" sz="2000" baseline="30000" dirty="0" smtClean="0"/>
+              <a:t> </a:t>
+            </a:r>
+            <a:r>
+              <a:rPr lang="en-GB" sz="2000" baseline="30000" dirty="0" err="1" smtClean="0"/>
+              <a:t>Karaf</a:t>
+            </a:r>
+            <a:r>
+              <a:rPr lang="en-GB" sz="2000" baseline="30000" dirty="0" smtClean="0"/>
+              <a:t> Management</a:t>
+            </a:r>
+          </a:p>
+          <a:p>
+            <a:pPr lvl="1">
+              <a:spcBef>
+                <a:spcPts val="600"/>
+              </a:spcBef>
+            </a:pPr>
+            <a:r>
+              <a:rPr lang="en-GB" sz="1600" baseline="30000" dirty="0" smtClean="0"/>
+              <a:t>Minions – remote data collectors</a:t>
+            </a:r>
+          </a:p>
+          <a:p>
+            <a:pPr lvl="1">
+              <a:spcBef>
+                <a:spcPts val="600"/>
+              </a:spcBef>
+            </a:pPr>
+            <a:r>
+              <a:rPr lang="en-GB" sz="1600" baseline="30000" dirty="0" err="1" smtClean="0"/>
+              <a:t>Karaf</a:t>
+            </a:r>
+            <a:r>
+              <a:rPr lang="en-GB" sz="1600" baseline="30000" dirty="0" smtClean="0"/>
+              <a:t> Feature manager </a:t>
+            </a:r>
+          </a:p>
+          <a:p>
+            <a:pPr lvl="1">
+              <a:spcBef>
+                <a:spcPts val="600"/>
+              </a:spcBef>
+            </a:pPr>
+            <a:r>
+              <a:rPr lang="en-GB" sz="1600" baseline="30000" dirty="0" err="1" smtClean="0"/>
+              <a:t>Karaf</a:t>
+            </a:r>
+            <a:r>
+              <a:rPr lang="en-GB" sz="1600" dirty="0" smtClean="0"/>
+              <a:t> </a:t>
+            </a:r>
+            <a:r>
+              <a:rPr lang="en-GB" sz="1600" baseline="30000" dirty="0" smtClean="0"/>
+              <a:t>Licence manager</a:t>
+            </a:r>
+          </a:p>
+          <a:p>
+            <a:pPr lvl="1">
+              <a:spcBef>
+                <a:spcPts val="600"/>
+              </a:spcBef>
+            </a:pPr>
+            <a:r>
+              <a:rPr lang="en-GB" sz="1600" baseline="30000" dirty="0" err="1" smtClean="0"/>
+              <a:t>Karaf</a:t>
+            </a:r>
+            <a:r>
+              <a:rPr lang="en-GB" sz="1600" baseline="30000" dirty="0" smtClean="0"/>
+              <a:t> Plugin Manager</a:t>
+            </a:r>
+          </a:p>
+          <a:p>
+            <a:pPr lvl="1">
+              <a:spcBef>
+                <a:spcPts val="600"/>
+              </a:spcBef>
+            </a:pPr>
+            <a:r>
+              <a:rPr lang="en-GB" sz="1600" baseline="30000" dirty="0" smtClean="0"/>
+              <a:t>JMX Data collection</a:t>
+            </a:r>
+            <a:endParaRPr lang="en-GB" sz="1600" baseline="30000" dirty="0"/>
+          </a:p>
+        </p:txBody>
+      </p:sp>
+      <p:pic>
+        <p:nvPicPr>
+          <p:cNvPr id="1026" name="Picture 2" descr="C:\aaaGitRepos\tmforumhack2017\TMForumVancouver2017Hack\documentation\workup\RaspberryPiLogo.png"/>
+          <p:cNvPicPr>
+            <a:picLocks noChangeAspect="1" noChangeArrowheads="1"/>
+          </p:cNvPicPr>
+          <p:nvPr/>
+        </p:nvPicPr>
+        <p:blipFill>
+          <a:blip r:embed="rId7">
+            <a:extLst>
+              <a:ext uri="{28A0092B-C50C-407E-A947-70E740481C1C}">
+                <a14:useLocalDpi xmlns:a14="http://schemas.microsoft.com/office/drawing/2010/main" val="0"/>
+              </a:ext>
+            </a:extLst>
+          </a:blip>
+          <a:srcRect/>
+          <a:stretch>
+            <a:fillRect/>
+          </a:stretch>
+        </p:blipFill>
+        <p:spPr bwMode="auto">
+          <a:xfrm>
+            <a:off x="7059404" y="4273131"/>
+            <a:ext cx="363212" cy="457647"/>
+          </a:xfrm>
+          <a:prstGeom prst="rect">
+            <a:avLst/>
+          </a:prstGeom>
+          <a:noFill/>
+          <a:extLst>
+            <a:ext uri="{909E8E84-426E-40DD-AFC4-6F175D3DCCD1}">
+              <a14:hiddenFill xmlns:a14="http://schemas.microsoft.com/office/drawing/2010/main">
+                <a:solidFill>
+                  <a:srgbClr val="FFFFFF"/>
+                </a:solidFill>
+              </a14:hiddenFill>
+            </a:ext>
+          </a:extLst>
+        </p:spPr>
+      </p:pic>
+      <p:pic>
+        <p:nvPicPr>
+          <p:cNvPr id="1027" name="Picture 3" descr="C:\aaaGitRepos\tmforumhack2017\TMForumVancouver2017Hack\documentation\workup\arduino.png"/>
+          <p:cNvPicPr>
+            <a:picLocks noChangeAspect="1" noChangeArrowheads="1"/>
+          </p:cNvPicPr>
+          <p:nvPr/>
+        </p:nvPicPr>
+        <p:blipFill>
+          <a:blip r:embed="rId8">
+            <a:extLst>
+              <a:ext uri="{28A0092B-C50C-407E-A947-70E740481C1C}">
+                <a14:useLocalDpi xmlns:a14="http://schemas.microsoft.com/office/drawing/2010/main" val="0"/>
+              </a:ext>
+            </a:extLst>
+          </a:blip>
+          <a:srcRect/>
+          <a:stretch>
+            <a:fillRect/>
+          </a:stretch>
+        </p:blipFill>
+        <p:spPr bwMode="auto">
+          <a:xfrm>
+            <a:off x="5622432" y="4402455"/>
+            <a:ext cx="720870" cy="305064"/>
+          </a:xfrm>
+          <a:prstGeom prst="rect">
+            <a:avLst/>
+          </a:prstGeom>
+          <a:noFill/>
+          <a:extLst>
+            <a:ext uri="{909E8E84-426E-40DD-AFC4-6F175D3DCCD1}">
+              <a14:hiddenFill xmlns:a14="http://schemas.microsoft.com/office/drawing/2010/main">
+                <a:solidFill>
+                  <a:srgbClr val="FFFFFF"/>
+                </a:solidFill>
+              </a14:hiddenFill>
+            </a:ext>
+          </a:extLst>
+        </p:spPr>
+      </p:pic>
+      <p:pic>
+        <p:nvPicPr>
+          <p:cNvPr id="1029" name="Picture 5" descr="C:\aaaGitRepos\tmforumhack2017\TMForumVancouver2017Hack\documentation\workup\beaglebone.jpg"/>
+          <p:cNvPicPr>
+            <a:picLocks noChangeAspect="1" noChangeArrowheads="1"/>
+          </p:cNvPicPr>
+          <p:nvPr/>
+        </p:nvPicPr>
+        <p:blipFill>
+          <a:blip r:embed="rId9">
+            <a:extLst>
+              <a:ext uri="{28A0092B-C50C-407E-A947-70E740481C1C}">
+                <a14:useLocalDpi xmlns:a14="http://schemas.microsoft.com/office/drawing/2010/main" val="0"/>
+              </a:ext>
+            </a:extLst>
+          </a:blip>
+          <a:srcRect/>
+          <a:stretch>
+            <a:fillRect/>
+          </a:stretch>
+        </p:blipFill>
+        <p:spPr bwMode="auto">
+          <a:xfrm>
+            <a:off x="6343302" y="4311135"/>
+            <a:ext cx="442813" cy="419643"/>
+          </a:xfrm>
+          <a:prstGeom prst="rect">
+            <a:avLst/>
+          </a:prstGeom>
+          <a:noFill/>
+          <a:extLst>
+            <a:ext uri="{909E8E84-426E-40DD-AFC4-6F175D3DCCD1}">
+              <a14:hiddenFill xmlns:a14="http://schemas.microsoft.com/office/drawing/2010/main">
+                <a:solidFill>
+                  <a:srgbClr val="FFFFFF"/>
+                </a:solidFill>
+              </a14:hiddenFill>
+            </a:ext>
+          </a:extLst>
+        </p:spPr>
+      </p:pic>
+      <p:pic>
+        <p:nvPicPr>
+          <p:cNvPr id="1030" name="Picture 6" descr="C:\aaaGitRepos\tmforumhack2017\TMForumVancouver2017Hack\documentation\workup\sierra.png"/>
+          <p:cNvPicPr>
+            <a:picLocks noChangeAspect="1" noChangeArrowheads="1"/>
+          </p:cNvPicPr>
+          <p:nvPr/>
+        </p:nvPicPr>
+        <p:blipFill>
+          <a:blip r:embed="rId10">
+            <a:extLst>
+              <a:ext uri="{28A0092B-C50C-407E-A947-70E740481C1C}">
+                <a14:useLocalDpi xmlns:a14="http://schemas.microsoft.com/office/drawing/2010/main" val="0"/>
+              </a:ext>
+            </a:extLst>
+          </a:blip>
+          <a:srcRect/>
+          <a:stretch>
+            <a:fillRect/>
+          </a:stretch>
+        </p:blipFill>
+        <p:spPr bwMode="auto">
+          <a:xfrm>
+            <a:off x="7607096" y="4273131"/>
+            <a:ext cx="785596" cy="434388"/>
+          </a:xfrm>
+          <a:prstGeom prst="rect">
+            <a:avLst/>
+          </a:prstGeom>
+          <a:noFill/>
+          <a:extLst>
+            <a:ext uri="{909E8E84-426E-40DD-AFC4-6F175D3DCCD1}">
+              <a14:hiddenFill xmlns:a14="http://schemas.microsoft.com/office/drawing/2010/main">
+                <a:solidFill>
+                  <a:srgbClr val="FFFFFF"/>
+                </a:solidFill>
+              </a14:hiddenFill>
+            </a:ext>
+          </a:extLst>
+        </p:spPr>
+      </p:pic>
+    </p:spTree>
+    <p:extLst>
+      <p:ext uri="{BB962C8B-B14F-4D97-AF65-F5344CB8AC3E}">
+        <p14:creationId xmlns:p14="http://schemas.microsoft.com/office/powerpoint/2010/main" val="449414984"/>
+      </p:ext>
+    </p:extLst>
+  </p:cSld>
+  <p:clrMapOvr>
+    <a:masterClrMapping/>
+  </p:clrMapOvr>
+  <mc:AlternateContent xmlns:mc="http://schemas.openxmlformats.org/markup-compatibility/2006" xmlns:p14="http://schemas.microsoft.com/office/powerpoint/2010/main">
+    <mc:Choice Requires="p14">
+      <p:transition p14:dur="10"/>
+    </mc:Choice>
+    <mc:Fallback xmlns="">
+      <p:transition/>
+    </mc:Fallback>
+  </mc:AlternateContent>
+</p:sld>
+</file>
+
+<file path=ppt/slides/slide9.xml><?xml version="1.0" encoding="utf-8"?>
 <p:sld xmlns:a="http://schemas.openxmlformats.org/drawingml/2006/main" xmlns:r="http://schemas.openxmlformats.org/officeDocument/2006/relationships" xmlns:p="http://schemas.openxmlformats.org/presentationml/2006/main">
   <p:cSld>
     <p:spTree>
@@ -16862,6 +15140,235 @@
           </a:p>
         </p:txBody>
       </p:sp>
+      <p:sp>
+        <p:nvSpPr>
+          <p:cNvPr id="68" name="Isosceles Triangle 67"/>
+          <p:cNvSpPr/>
+          <p:nvPr/>
+        </p:nvSpPr>
+        <p:spPr>
+          <a:xfrm>
+            <a:off x="8174141" y="4073101"/>
+            <a:ext cx="697416" cy="443840"/>
+          </a:xfrm>
+          <a:prstGeom prst="triangle">
+            <a:avLst/>
+          </a:prstGeom>
+          <a:solidFill>
+            <a:schemeClr val="accent4">
+              <a:lumMod val="60000"/>
+              <a:lumOff val="40000"/>
+            </a:schemeClr>
+          </a:solidFill>
+          <a:ln>
+            <a:solidFill>
+              <a:schemeClr val="tx1"/>
+            </a:solidFill>
+          </a:ln>
+          <a:effectLst/>
+        </p:spPr>
+        <p:style>
+          <a:lnRef idx="1">
+            <a:schemeClr val="accent1"/>
+          </a:lnRef>
+          <a:fillRef idx="3">
+            <a:schemeClr val="accent1"/>
+          </a:fillRef>
+          <a:effectRef idx="2">
+            <a:schemeClr val="accent1"/>
+          </a:effectRef>
+          <a:fontRef idx="minor">
+            <a:schemeClr val="lt1"/>
+          </a:fontRef>
+        </p:style>
+        <p:txBody>
+          <a:bodyPr rot="0" spcFirstLastPara="0" vertOverflow="overflow" horzOverflow="overflow" vert="horz" wrap="none" lIns="45720" tIns="45720" rIns="45720" bIns="45720" numCol="1" spcCol="0" rtlCol="0" fromWordArt="0" anchor="b" anchorCtr="0" forceAA="0" compatLnSpc="1">
+            <a:prstTxWarp prst="textNoShape">
+              <a:avLst/>
+            </a:prstTxWarp>
+            <a:noAutofit/>
+          </a:bodyPr>
+          <a:lstStyle/>
+          <a:p>
+            <a:pPr algn="ctr"/>
+            <a:r>
+              <a:rPr lang="en-GB" sz="800" dirty="0" smtClean="0">
+                <a:solidFill>
+                  <a:schemeClr val="tx1"/>
+                </a:solidFill>
+              </a:rPr>
+              <a:t>Maven</a:t>
+            </a:r>
+          </a:p>
+          <a:p>
+            <a:pPr algn="ctr"/>
+            <a:r>
+              <a:rPr lang="en-GB" sz="800" dirty="0" smtClean="0">
+                <a:solidFill>
+                  <a:schemeClr val="tx1"/>
+                </a:solidFill>
+              </a:rPr>
+              <a:t>SW repo</a:t>
+            </a:r>
+            <a:endParaRPr lang="en-GB" sz="800" dirty="0">
+              <a:solidFill>
+                <a:schemeClr val="tx1"/>
+              </a:solidFill>
+            </a:endParaRPr>
+          </a:p>
+        </p:txBody>
+      </p:sp>
+      <p:grpSp>
+        <p:nvGrpSpPr>
+          <p:cNvPr id="75" name="Group 74"/>
+          <p:cNvGrpSpPr/>
+          <p:nvPr/>
+        </p:nvGrpSpPr>
+        <p:grpSpPr>
+          <a:xfrm>
+            <a:off x="8047356" y="3678465"/>
+            <a:ext cx="849715" cy="395112"/>
+            <a:chOff x="3595285" y="1828800"/>
+            <a:chExt cx="849715" cy="395112"/>
+          </a:xfrm>
+        </p:grpSpPr>
+        <p:sp>
+          <p:nvSpPr>
+            <p:cNvPr id="76" name="Rectangle 75"/>
+            <p:cNvSpPr/>
+            <p:nvPr/>
+          </p:nvSpPr>
+          <p:spPr>
+            <a:xfrm>
+              <a:off x="3595285" y="1828800"/>
+              <a:ext cx="755545" cy="395112"/>
+            </a:xfrm>
+            <a:prstGeom prst="rect">
+              <a:avLst/>
+            </a:prstGeom>
+            <a:solidFill>
+              <a:schemeClr val="bg1"/>
+            </a:solidFill>
+            <a:ln>
+              <a:noFill/>
+            </a:ln>
+            <a:effectLst/>
+          </p:spPr>
+          <p:style>
+            <a:lnRef idx="1">
+              <a:schemeClr val="accent1"/>
+            </a:lnRef>
+            <a:fillRef idx="3">
+              <a:schemeClr val="accent1"/>
+            </a:fillRef>
+            <a:effectRef idx="2">
+              <a:schemeClr val="accent1"/>
+            </a:effectRef>
+            <a:fontRef idx="minor">
+              <a:schemeClr val="lt1"/>
+            </a:fontRef>
+          </p:style>
+          <p:txBody>
+            <a:bodyPr rot="0" spcFirstLastPara="0" vertOverflow="overflow" horzOverflow="overflow" vert="horz" wrap="square" lIns="91440" tIns="45720" rIns="91440" bIns="45720" numCol="1" spcCol="0" rtlCol="0" fromWordArt="0" anchor="ctr" anchorCtr="0" forceAA="0" compatLnSpc="1">
+              <a:prstTxWarp prst="textNoShape">
+                <a:avLst/>
+              </a:prstTxWarp>
+              <a:noAutofit/>
+            </a:bodyPr>
+            <a:lstStyle/>
+            <a:p>
+              <a:pPr algn="ctr"/>
+              <a:endParaRPr lang="en-GB" sz="1100" dirty="0" smtClean="0">
+                <a:solidFill>
+                  <a:schemeClr val="tx1"/>
+                </a:solidFill>
+              </a:endParaRPr>
+            </a:p>
+          </p:txBody>
+        </p:sp>
+        <p:pic>
+          <p:nvPicPr>
+            <p:cNvPr id="78" name="Picture 2" descr="C:\aaaGitRepos\tmforumhack2017\TMForumVancouver2017Hack\documentation\workup\Sonotype_logo_main.png"/>
+            <p:cNvPicPr>
+              <a:picLocks noChangeAspect="1" noChangeArrowheads="1"/>
+            </p:cNvPicPr>
+            <p:nvPr/>
+          </p:nvPicPr>
+          <p:blipFill>
+            <a:blip r:embed="rId9">
+              <a:extLst>
+                <a:ext uri="{28A0092B-C50C-407E-A947-70E740481C1C}">
+                  <a14:useLocalDpi xmlns:a14="http://schemas.microsoft.com/office/drawing/2010/main" val="0"/>
+                </a:ext>
+              </a:extLst>
+            </a:blip>
+            <a:srcRect/>
+            <a:stretch>
+              <a:fillRect/>
+            </a:stretch>
+          </p:blipFill>
+          <p:spPr bwMode="auto">
+            <a:xfrm>
+              <a:off x="3595285" y="1933782"/>
+              <a:ext cx="755545" cy="158809"/>
+            </a:xfrm>
+            <a:prstGeom prst="rect">
+              <a:avLst/>
+            </a:prstGeom>
+            <a:noFill/>
+            <a:extLst>
+              <a:ext uri="{909E8E84-426E-40DD-AFC4-6F175D3DCCD1}">
+                <a14:hiddenFill xmlns:a14="http://schemas.microsoft.com/office/drawing/2010/main">
+                  <a:solidFill>
+                    <a:srgbClr val="FFFFFF"/>
+                  </a:solidFill>
+                </a14:hiddenFill>
+              </a:ext>
+            </a:extLst>
+          </p:spPr>
+        </p:pic>
+        <p:sp>
+          <p:nvSpPr>
+            <p:cNvPr id="79" name="TextBox 78"/>
+            <p:cNvSpPr txBox="1"/>
+            <p:nvPr/>
+          </p:nvSpPr>
+          <p:spPr>
+            <a:xfrm>
+              <a:off x="3768212" y="2023857"/>
+              <a:ext cx="676788" cy="200055"/>
+            </a:xfrm>
+            <a:prstGeom prst="rect">
+              <a:avLst/>
+            </a:prstGeom>
+            <a:noFill/>
+          </p:spPr>
+          <p:txBody>
+            <a:bodyPr wrap="none" rtlCol="0">
+              <a:spAutoFit/>
+            </a:bodyPr>
+            <a:lstStyle/>
+            <a:p>
+              <a:pPr marL="0" indent="0">
+                <a:buClr>
+                  <a:schemeClr val="accent2"/>
+                </a:buClr>
+                <a:buSzPct val="125000"/>
+                <a:buFont typeface="Wingdings" pitchFamily="2" charset="2"/>
+                <a:buNone/>
+              </a:pPr>
+              <a:r>
+                <a:rPr lang="en-GB" sz="700" dirty="0" smtClean="0">
+                  <a:solidFill>
+                    <a:schemeClr val="tx2"/>
+                  </a:solidFill>
+                </a:rPr>
+                <a:t>Nexus Repo</a:t>
+              </a:r>
+            </a:p>
+          </p:txBody>
+        </p:sp>
+      </p:grpSp>
     </p:spTree>
     <p:extLst>
       <p:ext uri="{BB962C8B-B14F-4D97-AF65-F5344CB8AC3E}">
@@ -16887,1524 +15394,6 @@
       </p:par>
     </p:tnLst>
   </p:timing>
-</p:sld>
-</file>
-
-<file path=ppt/slides/slide9.xml><?xml version="1.0" encoding="utf-8"?>
-<p:sld xmlns:a="http://schemas.openxmlformats.org/drawingml/2006/main" xmlns:r="http://schemas.openxmlformats.org/officeDocument/2006/relationships" xmlns:p="http://schemas.openxmlformats.org/presentationml/2006/main">
-  <p:cSld>
-    <p:spTree>
-      <p:nvGrpSpPr>
-        <p:cNvPr id="1" name=""/>
-        <p:cNvGrpSpPr/>
-        <p:nvPr/>
-      </p:nvGrpSpPr>
-      <p:grpSpPr>
-        <a:xfrm>
-          <a:off x="0" y="0"/>
-          <a:ext cx="0" cy="0"/>
-          <a:chOff x="0" y="0"/>
-          <a:chExt cx="0" cy="0"/>
-        </a:xfrm>
-      </p:grpSpPr>
-      <p:sp>
-        <p:nvSpPr>
-          <p:cNvPr id="3" name="Title 2"/>
-          <p:cNvSpPr>
-            <a:spLocks noGrp="1"/>
-          </p:cNvSpPr>
-          <p:nvPr>
-            <p:ph type="title"/>
-          </p:nvPr>
-        </p:nvSpPr>
-        <p:spPr/>
-        <p:txBody>
-          <a:bodyPr/>
-          <a:lstStyle/>
-          <a:p>
-            <a:r>
-              <a:rPr lang="en-GB" dirty="0" smtClean="0"/>
-              <a:t>Java </a:t>
-            </a:r>
-            <a:r>
-              <a:rPr lang="en-GB" dirty="0" err="1" smtClean="0"/>
-              <a:t>IoT</a:t>
-            </a:r>
-            <a:r>
-              <a:rPr lang="en-GB" dirty="0" smtClean="0"/>
-              <a:t> Ecosystem</a:t>
-            </a:r>
-            <a:endParaRPr lang="en-GB" dirty="0"/>
-          </a:p>
-        </p:txBody>
-      </p:sp>
-      <p:sp>
-        <p:nvSpPr>
-          <p:cNvPr id="6" name="L-Shape 5"/>
-          <p:cNvSpPr/>
-          <p:nvPr/>
-        </p:nvSpPr>
-        <p:spPr bwMode="auto">
-          <a:xfrm>
-            <a:off x="4262154" y="1674650"/>
-            <a:ext cx="1156785" cy="1813093"/>
-          </a:xfrm>
-          <a:prstGeom prst="corner">
-            <a:avLst>
-              <a:gd name="adj1" fmla="val 20591"/>
-              <a:gd name="adj2" fmla="val 20904"/>
-            </a:avLst>
-          </a:prstGeom>
-          <a:solidFill>
-            <a:srgbClr val="039114"/>
-          </a:solidFill>
-          <a:ln w="9525" cap="flat" cmpd="sng" algn="ctr">
-            <a:solidFill>
-              <a:schemeClr val="tx1"/>
-            </a:solidFill>
-            <a:prstDash val="solid"/>
-            <a:round/>
-            <a:headEnd type="none" w="sm" len="sm"/>
-            <a:tailEnd type="triangle" w="sm" len="sm"/>
-          </a:ln>
-          <a:effectLst/>
-          <a:extLst/>
-        </p:spPr>
-        <p:txBody>
-          <a:bodyPr vert="horz" wrap="none" lIns="82800" tIns="46800" rIns="82800" bIns="46800" numCol="1" rtlCol="0" anchor="b" anchorCtr="0" compatLnSpc="1">
-            <a:prstTxWarp prst="textNoShape">
-              <a:avLst/>
-            </a:prstTxWarp>
-          </a:bodyPr>
-          <a:lstStyle/>
-          <a:p>
-            <a:pPr marL="0" marR="0" indent="0" algn="just" defTabSz="914400" rtl="0" eaLnBrk="0" fontAlgn="base" latinLnBrk="0" hangingPunct="0">
-              <a:lnSpc>
-                <a:spcPct val="100000"/>
-              </a:lnSpc>
-              <a:spcBef>
-                <a:spcPct val="0"/>
-              </a:spcBef>
-              <a:spcAft>
-                <a:spcPct val="0"/>
-              </a:spcAft>
-              <a:buClrTx/>
-              <a:buSzTx/>
-              <a:buFontTx/>
-              <a:buNone/>
-              <a:tabLst/>
-            </a:pPr>
-            <a:r>
-              <a:rPr kumimoji="0" lang="en-GB" sz="1000" u="none" strike="noStrike" cap="none" normalizeH="0" baseline="0" dirty="0" err="1" smtClean="0">
-                <a:ln>
-                  <a:noFill/>
-                </a:ln>
-                <a:solidFill>
-                  <a:schemeClr val="tx1"/>
-                </a:solidFill>
-                <a:effectLst/>
-                <a:latin typeface="Arial" charset="0"/>
-              </a:rPr>
-              <a:t>OpenNMS</a:t>
-            </a:r>
-            <a:r>
-              <a:rPr kumimoji="0" lang="en-GB" sz="1000" u="none" strike="noStrike" cap="none" normalizeH="0" baseline="0" dirty="0" smtClean="0">
-                <a:ln>
-                  <a:noFill/>
-                </a:ln>
-                <a:solidFill>
-                  <a:schemeClr val="tx1"/>
-                </a:solidFill>
-                <a:effectLst/>
-                <a:latin typeface="Arial" charset="0"/>
-              </a:rPr>
-              <a:t> Minion</a:t>
-            </a:r>
-          </a:p>
-        </p:txBody>
-      </p:sp>
-      <p:sp>
-        <p:nvSpPr>
-          <p:cNvPr id="8" name="L-Shape 7"/>
-          <p:cNvSpPr/>
-          <p:nvPr/>
-        </p:nvSpPr>
-        <p:spPr bwMode="auto">
-          <a:xfrm>
-            <a:off x="3324964" y="1681169"/>
-            <a:ext cx="4849552" cy="2073792"/>
-          </a:xfrm>
-          <a:prstGeom prst="corner">
-            <a:avLst>
-              <a:gd name="adj1" fmla="val 10998"/>
-              <a:gd name="adj2" fmla="val 8378"/>
-            </a:avLst>
-          </a:prstGeom>
-          <a:solidFill>
-            <a:srgbClr val="FF7D7D"/>
-          </a:solidFill>
-          <a:ln w="9525" cap="flat" cmpd="sng" algn="ctr">
-            <a:solidFill>
-              <a:schemeClr val="tx1"/>
-            </a:solidFill>
-            <a:prstDash val="solid"/>
-            <a:round/>
-            <a:headEnd type="none" w="sm" len="sm"/>
-            <a:tailEnd type="triangle" w="sm" len="sm"/>
-          </a:ln>
-          <a:effectLst/>
-          <a:extLst/>
-        </p:spPr>
-        <p:txBody>
-          <a:bodyPr vert="horz" wrap="none" lIns="82800" tIns="46800" rIns="82800" bIns="46800" numCol="1" rtlCol="0" anchor="ctr" anchorCtr="0" compatLnSpc="1">
-            <a:prstTxWarp prst="textNoShape">
-              <a:avLst/>
-            </a:prstTxWarp>
-          </a:bodyPr>
-          <a:lstStyle/>
-          <a:p>
-            <a:pPr marL="0" marR="0" indent="0" algn="ctr" defTabSz="914400" rtl="0" eaLnBrk="0" fontAlgn="base" latinLnBrk="0" hangingPunct="0">
-              <a:lnSpc>
-                <a:spcPct val="100000"/>
-              </a:lnSpc>
-              <a:spcBef>
-                <a:spcPct val="0"/>
-              </a:spcBef>
-              <a:spcAft>
-                <a:spcPct val="0"/>
-              </a:spcAft>
-              <a:buClrTx/>
-              <a:buSzTx/>
-              <a:buFontTx/>
-              <a:buNone/>
-              <a:tabLst/>
-            </a:pPr>
-            <a:r>
-              <a:rPr kumimoji="0" lang="en-GB" sz="1200" u="none" strike="noStrike" cap="none" normalizeH="0" baseline="0" dirty="0" err="1" smtClean="0">
-                <a:ln>
-                  <a:noFill/>
-                </a:ln>
-                <a:solidFill>
-                  <a:schemeClr val="tx1"/>
-                </a:solidFill>
-                <a:effectLst/>
-                <a:latin typeface="Arial" charset="0"/>
-              </a:rPr>
-              <a:t>Karaf</a:t>
-            </a:r>
-            <a:r>
-              <a:rPr kumimoji="0" lang="en-GB" sz="1200" u="none" strike="noStrike" cap="none" normalizeH="0" baseline="0" dirty="0" smtClean="0">
-                <a:ln>
-                  <a:noFill/>
-                </a:ln>
-                <a:solidFill>
-                  <a:schemeClr val="tx1"/>
-                </a:solidFill>
-                <a:effectLst/>
-                <a:latin typeface="Arial" charset="0"/>
-              </a:rPr>
-              <a:t> /</a:t>
-            </a:r>
-            <a:r>
-              <a:rPr kumimoji="0" lang="en-GB" sz="1200" u="none" strike="noStrike" cap="none" normalizeH="0" baseline="0" dirty="0" err="1" smtClean="0">
-                <a:ln>
-                  <a:noFill/>
-                </a:ln>
-                <a:solidFill>
-                  <a:schemeClr val="tx1"/>
-                </a:solidFill>
-                <a:effectLst/>
-                <a:latin typeface="Arial" charset="0"/>
-              </a:rPr>
-              <a:t>OSGi</a:t>
-            </a:r>
-            <a:r>
-              <a:rPr kumimoji="0" lang="en-GB" sz="1200" u="none" strike="noStrike" cap="none" normalizeH="0" baseline="0" dirty="0" smtClean="0">
-                <a:ln>
-                  <a:noFill/>
-                </a:ln>
-                <a:solidFill>
-                  <a:schemeClr val="tx1"/>
-                </a:solidFill>
-                <a:effectLst/>
-                <a:latin typeface="Arial" charset="0"/>
-              </a:rPr>
-              <a:t> Container</a:t>
-            </a:r>
-          </a:p>
-        </p:txBody>
-      </p:sp>
-      <p:sp>
-        <p:nvSpPr>
-          <p:cNvPr id="9" name="Rectangle 8"/>
-          <p:cNvSpPr/>
-          <p:nvPr/>
-        </p:nvSpPr>
-        <p:spPr bwMode="auto">
-          <a:xfrm>
-            <a:off x="3920298" y="1664208"/>
-            <a:ext cx="251885" cy="1823536"/>
-          </a:xfrm>
-          <a:prstGeom prst="rect">
-            <a:avLst/>
-          </a:prstGeom>
-          <a:solidFill>
-            <a:srgbClr val="06FA23"/>
-          </a:solidFill>
-          <a:ln w="9525" cap="flat" cmpd="sng" algn="ctr">
-            <a:solidFill>
-              <a:schemeClr val="tx1"/>
-            </a:solidFill>
-            <a:prstDash val="solid"/>
-            <a:round/>
-            <a:headEnd type="none" w="sm" len="sm"/>
-            <a:tailEnd type="triangle" w="sm" len="sm"/>
-          </a:ln>
-          <a:effectLst/>
-          <a:extLst/>
-        </p:spPr>
-        <p:txBody>
-          <a:bodyPr vert="vert" wrap="none" lIns="82800" tIns="46800" rIns="82800" bIns="46800" numCol="1" rtlCol="0" anchor="ctr" anchorCtr="0" compatLnSpc="1">
-            <a:prstTxWarp prst="textNoShape">
-              <a:avLst/>
-            </a:prstTxWarp>
-          </a:bodyPr>
-          <a:lstStyle/>
-          <a:p>
-            <a:pPr algn="just" defTabSz="914400" eaLnBrk="0" fontAlgn="base" hangingPunct="0">
-              <a:spcBef>
-                <a:spcPct val="0"/>
-              </a:spcBef>
-              <a:spcAft>
-                <a:spcPct val="0"/>
-              </a:spcAft>
-            </a:pPr>
-            <a:r>
-              <a:rPr lang="en-GB" sz="1200" dirty="0" err="1">
-                <a:latin typeface="Arial" charset="0"/>
-              </a:rPr>
-              <a:t>Karaf</a:t>
-            </a:r>
-            <a:r>
-              <a:rPr lang="en-GB" sz="1200" dirty="0">
-                <a:latin typeface="Arial" charset="0"/>
-              </a:rPr>
-              <a:t> Feature Manager</a:t>
-            </a:r>
-          </a:p>
-        </p:txBody>
-      </p:sp>
-      <p:sp>
-        <p:nvSpPr>
-          <p:cNvPr id="10" name="Rectangle 9"/>
-          <p:cNvSpPr/>
-          <p:nvPr/>
-        </p:nvSpPr>
-        <p:spPr bwMode="auto">
-          <a:xfrm>
-            <a:off x="3604332" y="1664208"/>
-            <a:ext cx="251885" cy="1823536"/>
-          </a:xfrm>
-          <a:prstGeom prst="rect">
-            <a:avLst/>
-          </a:prstGeom>
-          <a:solidFill>
-            <a:srgbClr val="06FA23"/>
-          </a:solidFill>
-          <a:ln w="9525" cap="flat" cmpd="sng" algn="ctr">
-            <a:solidFill>
-              <a:schemeClr val="tx1"/>
-            </a:solidFill>
-            <a:prstDash val="solid"/>
-            <a:round/>
-            <a:headEnd type="none" w="sm" len="sm"/>
-            <a:tailEnd type="triangle" w="sm" len="sm"/>
-          </a:ln>
-          <a:effectLst/>
-          <a:extLst/>
-        </p:spPr>
-        <p:txBody>
-          <a:bodyPr vert="vert" wrap="none" lIns="82800" tIns="46800" rIns="82800" bIns="46800" numCol="1" rtlCol="0" anchor="ctr" anchorCtr="0" compatLnSpc="1">
-            <a:prstTxWarp prst="textNoShape">
-              <a:avLst/>
-            </a:prstTxWarp>
-          </a:bodyPr>
-          <a:lstStyle/>
-          <a:p>
-            <a:pPr algn="just" defTabSz="914400" eaLnBrk="0" fontAlgn="base" hangingPunct="0">
-              <a:spcBef>
-                <a:spcPct val="0"/>
-              </a:spcBef>
-              <a:spcAft>
-                <a:spcPct val="0"/>
-              </a:spcAft>
-            </a:pPr>
-            <a:r>
-              <a:rPr lang="en-GB" sz="1200" dirty="0" err="1">
-                <a:latin typeface="Arial" charset="0"/>
-              </a:rPr>
-              <a:t>Karaf</a:t>
-            </a:r>
-            <a:r>
-              <a:rPr lang="en-GB" sz="1200" dirty="0">
-                <a:latin typeface="Arial" charset="0"/>
-              </a:rPr>
-              <a:t> Licence Manager</a:t>
-            </a:r>
-          </a:p>
-        </p:txBody>
-      </p:sp>
-      <p:sp>
-        <p:nvSpPr>
-          <p:cNvPr id="11" name="Rectangle 10"/>
-          <p:cNvSpPr/>
-          <p:nvPr/>
-        </p:nvSpPr>
-        <p:spPr bwMode="auto">
-          <a:xfrm>
-            <a:off x="4596029" y="1664208"/>
-            <a:ext cx="251885" cy="1523499"/>
-          </a:xfrm>
-          <a:prstGeom prst="rect">
-            <a:avLst/>
-          </a:prstGeom>
-          <a:solidFill>
-            <a:srgbClr val="06FA23"/>
-          </a:solidFill>
-          <a:ln w="9525" cap="flat" cmpd="sng" algn="ctr">
-            <a:solidFill>
-              <a:schemeClr val="tx1"/>
-            </a:solidFill>
-            <a:prstDash val="solid"/>
-            <a:round/>
-            <a:headEnd type="none" w="sm" len="sm"/>
-            <a:tailEnd type="triangle" w="sm" len="sm"/>
-          </a:ln>
-          <a:effectLst/>
-          <a:extLst/>
-        </p:spPr>
-        <p:txBody>
-          <a:bodyPr vert="vert" wrap="none" lIns="82800" tIns="46800" rIns="82800" bIns="46800" numCol="1" rtlCol="0" anchor="ctr" anchorCtr="0" compatLnSpc="1">
-            <a:prstTxWarp prst="textNoShape">
-              <a:avLst/>
-            </a:prstTxWarp>
-          </a:bodyPr>
-          <a:lstStyle/>
-          <a:p>
-            <a:pPr algn="just" defTabSz="914400" eaLnBrk="0" fontAlgn="base" hangingPunct="0">
-              <a:spcBef>
-                <a:spcPct val="0"/>
-              </a:spcBef>
-              <a:spcAft>
-                <a:spcPct val="0"/>
-              </a:spcAft>
-            </a:pPr>
-            <a:r>
-              <a:rPr lang="en-GB" sz="1200" dirty="0">
-                <a:latin typeface="Arial" charset="0"/>
-              </a:rPr>
-              <a:t>Data collector</a:t>
-            </a:r>
-          </a:p>
-        </p:txBody>
-      </p:sp>
-      <p:cxnSp>
-        <p:nvCxnSpPr>
-          <p:cNvPr id="13" name="Straight Connector 12"/>
-          <p:cNvCxnSpPr>
-            <a:stCxn id="11" idx="3"/>
-            <a:endCxn id="34" idx="1"/>
-          </p:cNvCxnSpPr>
-          <p:nvPr/>
-        </p:nvCxnSpPr>
-        <p:spPr bwMode="auto">
-          <a:xfrm>
-            <a:off x="4847914" y="2425958"/>
-            <a:ext cx="305188" cy="5221"/>
-          </a:xfrm>
-          <a:prstGeom prst="line">
-            <a:avLst/>
-          </a:prstGeom>
-          <a:solidFill>
-            <a:schemeClr val="bg1"/>
-          </a:solidFill>
-          <a:ln w="9525" cap="flat" cmpd="sng" algn="ctr">
-            <a:solidFill>
-              <a:schemeClr val="tx1"/>
-            </a:solidFill>
-            <a:prstDash val="sysDash"/>
-            <a:round/>
-            <a:headEnd type="none" w="sm" len="sm"/>
-            <a:tailEnd type="none" w="sm" len="sm"/>
-          </a:ln>
-          <a:effectLst/>
-          <a:extLst>
-            <a:ext uri="{AF507438-7753-43E0-B8FC-AC1667EBCBE1}">
-              <a14:hiddenEffects xmlns:a14="http://schemas.microsoft.com/office/drawing/2010/main">
-                <a:effectLst>
-                  <a:outerShdw dist="35921" dir="2700000" algn="ctr" rotWithShape="0">
-                    <a:schemeClr val="bg2"/>
-                  </a:outerShdw>
-                </a:effectLst>
-              </a14:hiddenEffects>
-            </a:ext>
-          </a:extLst>
-        </p:spPr>
-      </p:cxnSp>
-      <p:sp>
-        <p:nvSpPr>
-          <p:cNvPr id="17" name="Rectangle 16"/>
-          <p:cNvSpPr/>
-          <p:nvPr/>
-        </p:nvSpPr>
-        <p:spPr bwMode="auto">
-          <a:xfrm>
-            <a:off x="3106757" y="1505501"/>
-            <a:ext cx="5398265" cy="3107518"/>
-          </a:xfrm>
-          <a:prstGeom prst="rect">
-            <a:avLst/>
-          </a:prstGeom>
-          <a:noFill/>
-          <a:ln w="9525" cap="flat" cmpd="sng" algn="ctr">
-            <a:solidFill>
-              <a:schemeClr val="tx1"/>
-            </a:solidFill>
-            <a:prstDash val="solid"/>
-            <a:round/>
-            <a:headEnd type="none" w="sm" len="sm"/>
-            <a:tailEnd type="triangle" w="sm" len="sm"/>
-          </a:ln>
-          <a:effectLst/>
-          <a:extLst/>
-        </p:spPr>
-        <p:txBody>
-          <a:bodyPr rot="0" spcFirstLastPara="0" vertOverflow="overflow" horzOverflow="overflow" vert="horz" wrap="square" lIns="82800" tIns="46800" rIns="82800" bIns="46800" numCol="1" spcCol="0" rtlCol="0" fromWordArt="0" anchor="b" anchorCtr="0" forceAA="0" compatLnSpc="1">
-            <a:prstTxWarp prst="textNoShape">
-              <a:avLst/>
-            </a:prstTxWarp>
-            <a:noAutofit/>
-          </a:bodyPr>
-          <a:lstStyle/>
-          <a:p>
-            <a:r>
-              <a:rPr lang="en-GB" sz="1200" b="1" dirty="0" smtClean="0"/>
-              <a:t>Target Hardware</a:t>
-            </a:r>
-            <a:r>
-              <a:rPr lang="en-GB" sz="1200" b="1" dirty="0"/>
-              <a:t>; Low cost </a:t>
-            </a:r>
-            <a:r>
-              <a:rPr lang="en-GB" sz="1200" b="1" dirty="0" err="1" smtClean="0"/>
-              <a:t>IoT</a:t>
-            </a:r>
-            <a:r>
-              <a:rPr lang="en-GB" sz="1200" b="1" dirty="0" smtClean="0"/>
-              <a:t> (e.g. </a:t>
-            </a:r>
-            <a:r>
-              <a:rPr lang="en-GB" sz="1200" b="1" dirty="0" err="1" smtClean="0"/>
-              <a:t>Beaglebone</a:t>
-            </a:r>
-            <a:r>
-              <a:rPr lang="en-GB" sz="1200" b="1" dirty="0" smtClean="0"/>
-              <a:t>, Raspberry Pi etc.) </a:t>
-            </a:r>
-            <a:endParaRPr lang="en-GB" sz="1200" b="1" dirty="0"/>
-          </a:p>
-        </p:txBody>
-      </p:sp>
-      <p:sp>
-        <p:nvSpPr>
-          <p:cNvPr id="24" name="L-Shape 23"/>
-          <p:cNvSpPr/>
-          <p:nvPr/>
-        </p:nvSpPr>
-        <p:spPr bwMode="auto">
-          <a:xfrm>
-            <a:off x="6843109" y="1674650"/>
-            <a:ext cx="1156785" cy="1813093"/>
-          </a:xfrm>
-          <a:prstGeom prst="corner">
-            <a:avLst>
-              <a:gd name="adj1" fmla="val 20591"/>
-              <a:gd name="adj2" fmla="val 20904"/>
-            </a:avLst>
-          </a:prstGeom>
-          <a:solidFill>
-            <a:srgbClr val="EF6825"/>
-          </a:solidFill>
-          <a:ln w="9525" cap="flat" cmpd="sng" algn="ctr">
-            <a:solidFill>
-              <a:schemeClr val="tx1"/>
-            </a:solidFill>
-            <a:prstDash val="solid"/>
-            <a:round/>
-            <a:headEnd type="none" w="sm" len="sm"/>
-            <a:tailEnd type="triangle" w="sm" len="sm"/>
-          </a:ln>
-          <a:effectLst/>
-          <a:extLst/>
-        </p:spPr>
-        <p:txBody>
-          <a:bodyPr vert="horz" wrap="none" lIns="82800" tIns="46800" rIns="82800" bIns="46800" numCol="1" rtlCol="0" anchor="b" anchorCtr="0" compatLnSpc="1">
-            <a:prstTxWarp prst="textNoShape">
-              <a:avLst/>
-            </a:prstTxWarp>
-          </a:bodyPr>
-          <a:lstStyle/>
-          <a:p>
-            <a:pPr marL="0" marR="0" indent="0" algn="just" defTabSz="914400" rtl="0" eaLnBrk="0" fontAlgn="base" latinLnBrk="0" hangingPunct="0">
-              <a:lnSpc>
-                <a:spcPct val="100000"/>
-              </a:lnSpc>
-              <a:spcBef>
-                <a:spcPct val="0"/>
-              </a:spcBef>
-              <a:spcAft>
-                <a:spcPct val="0"/>
-              </a:spcAft>
-              <a:buClrTx/>
-              <a:buSzTx/>
-              <a:buFontTx/>
-              <a:buNone/>
-              <a:tabLst/>
-            </a:pPr>
-            <a:r>
-              <a:rPr lang="en-GB" sz="1000" dirty="0" err="1">
-                <a:latin typeface="Arial" charset="0"/>
-              </a:rPr>
-              <a:t>OpenHab</a:t>
-            </a:r>
-            <a:endParaRPr lang="en-GB" sz="1000" dirty="0">
-              <a:latin typeface="Arial" charset="0"/>
-            </a:endParaRPr>
-          </a:p>
-        </p:txBody>
-      </p:sp>
-      <p:sp>
-        <p:nvSpPr>
-          <p:cNvPr id="25" name="Rectangle 24"/>
-          <p:cNvSpPr/>
-          <p:nvPr/>
-        </p:nvSpPr>
-        <p:spPr bwMode="auto">
-          <a:xfrm>
-            <a:off x="7147972" y="1664208"/>
-            <a:ext cx="251885" cy="1523499"/>
-          </a:xfrm>
-          <a:prstGeom prst="rect">
-            <a:avLst/>
-          </a:prstGeom>
-          <a:solidFill>
-            <a:srgbClr val="F5A47B"/>
-          </a:solidFill>
-          <a:ln w="9525" cap="flat" cmpd="sng" algn="ctr">
-            <a:solidFill>
-              <a:schemeClr val="tx1"/>
-            </a:solidFill>
-            <a:prstDash val="solid"/>
-            <a:round/>
-            <a:headEnd type="none" w="sm" len="sm"/>
-            <a:tailEnd type="triangle" w="sm" len="sm"/>
-          </a:ln>
-          <a:effectLst/>
-          <a:extLst/>
-        </p:spPr>
-        <p:txBody>
-          <a:bodyPr vert="vert" wrap="none" lIns="82800" tIns="46800" rIns="82800" bIns="46800" numCol="1" rtlCol="0" anchor="ctr" anchorCtr="0" compatLnSpc="1">
-            <a:prstTxWarp prst="textNoShape">
-              <a:avLst/>
-            </a:prstTxWarp>
-          </a:bodyPr>
-          <a:lstStyle/>
-          <a:p>
-            <a:r>
-              <a:rPr lang="en-GB" sz="1200" dirty="0" err="1" smtClean="0"/>
-              <a:t>OpenHab</a:t>
-            </a:r>
-            <a:r>
-              <a:rPr lang="en-GB" sz="1200" dirty="0" smtClean="0"/>
-              <a:t> Module</a:t>
-            </a:r>
-            <a:endParaRPr lang="en-GB" sz="1200" dirty="0"/>
-          </a:p>
-        </p:txBody>
-      </p:sp>
-      <p:cxnSp>
-        <p:nvCxnSpPr>
-          <p:cNvPr id="26" name="Straight Connector 25"/>
-          <p:cNvCxnSpPr>
-            <a:stCxn id="25" idx="3"/>
-            <a:endCxn id="28" idx="1"/>
-          </p:cNvCxnSpPr>
-          <p:nvPr/>
-        </p:nvCxnSpPr>
-        <p:spPr bwMode="auto">
-          <a:xfrm>
-            <a:off x="7399857" y="2425958"/>
-            <a:ext cx="348152" cy="0"/>
-          </a:xfrm>
-          <a:prstGeom prst="line">
-            <a:avLst/>
-          </a:prstGeom>
-          <a:solidFill>
-            <a:schemeClr val="bg1"/>
-          </a:solidFill>
-          <a:ln w="9525" cap="flat" cmpd="sng" algn="ctr">
-            <a:solidFill>
-              <a:schemeClr val="tx1"/>
-            </a:solidFill>
-            <a:prstDash val="sysDash"/>
-            <a:round/>
-            <a:headEnd type="none" w="sm" len="sm"/>
-            <a:tailEnd type="none" w="sm" len="sm"/>
-          </a:ln>
-          <a:effectLst/>
-          <a:extLst>
-            <a:ext uri="{AF507438-7753-43E0-B8FC-AC1667EBCBE1}">
-              <a14:hiddenEffects xmlns:a14="http://schemas.microsoft.com/office/drawing/2010/main">
-                <a:effectLst>
-                  <a:outerShdw dist="35921" dir="2700000" algn="ctr" rotWithShape="0">
-                    <a:schemeClr val="bg2"/>
-                  </a:outerShdw>
-                </a:effectLst>
-              </a14:hiddenEffects>
-            </a:ext>
-          </a:extLst>
-        </p:spPr>
-      </p:cxnSp>
-      <p:sp>
-        <p:nvSpPr>
-          <p:cNvPr id="28" name="Rectangle 27"/>
-          <p:cNvSpPr/>
-          <p:nvPr/>
-        </p:nvSpPr>
-        <p:spPr bwMode="auto">
-          <a:xfrm>
-            <a:off x="7748009" y="1664208"/>
-            <a:ext cx="251885" cy="1523499"/>
-          </a:xfrm>
-          <a:prstGeom prst="rect">
-            <a:avLst/>
-          </a:prstGeom>
-          <a:solidFill>
-            <a:srgbClr val="F5A47B"/>
-          </a:solidFill>
-          <a:ln w="9525" cap="flat" cmpd="sng" algn="ctr">
-            <a:solidFill>
-              <a:schemeClr val="tx1"/>
-            </a:solidFill>
-            <a:prstDash val="solid"/>
-            <a:round/>
-            <a:headEnd type="none" w="sm" len="sm"/>
-            <a:tailEnd type="triangle" w="sm" len="sm"/>
-          </a:ln>
-          <a:effectLst/>
-          <a:extLst/>
-        </p:spPr>
-        <p:txBody>
-          <a:bodyPr vert="vert" wrap="none" lIns="82800" tIns="46800" rIns="82800" bIns="46800" numCol="1" rtlCol="0" anchor="ctr" anchorCtr="0" compatLnSpc="1">
-            <a:prstTxWarp prst="textNoShape">
-              <a:avLst/>
-            </a:prstTxWarp>
-          </a:bodyPr>
-          <a:lstStyle/>
-          <a:p>
-            <a:r>
-              <a:rPr lang="en-GB" sz="1200" dirty="0" err="1"/>
-              <a:t>OpenHab</a:t>
-            </a:r>
-            <a:r>
-              <a:rPr lang="en-GB" sz="1200" dirty="0"/>
-              <a:t> Module</a:t>
-            </a:r>
-          </a:p>
-        </p:txBody>
-      </p:sp>
-      <p:sp>
-        <p:nvSpPr>
-          <p:cNvPr id="30" name="L-Shape 29"/>
-          <p:cNvSpPr/>
-          <p:nvPr/>
-        </p:nvSpPr>
-        <p:spPr bwMode="auto">
-          <a:xfrm>
-            <a:off x="5561274" y="1674650"/>
-            <a:ext cx="1156785" cy="1813093"/>
-          </a:xfrm>
-          <a:prstGeom prst="corner">
-            <a:avLst>
-              <a:gd name="adj1" fmla="val 20591"/>
-              <a:gd name="adj2" fmla="val 20904"/>
-            </a:avLst>
-          </a:prstGeom>
-          <a:solidFill>
-            <a:srgbClr val="3D85C7"/>
-          </a:solidFill>
-          <a:ln w="9525" cap="flat" cmpd="sng" algn="ctr">
-            <a:solidFill>
-              <a:schemeClr val="tx1"/>
-            </a:solidFill>
-            <a:prstDash val="solid"/>
-            <a:round/>
-            <a:headEnd type="none" w="sm" len="sm"/>
-            <a:tailEnd type="triangle" w="sm" len="sm"/>
-          </a:ln>
-          <a:effectLst/>
-          <a:extLst/>
-        </p:spPr>
-        <p:txBody>
-          <a:bodyPr vert="horz" wrap="none" lIns="82800" tIns="46800" rIns="82800" bIns="46800" numCol="1" rtlCol="0" anchor="b" anchorCtr="0" compatLnSpc="1">
-            <a:prstTxWarp prst="textNoShape">
-              <a:avLst/>
-            </a:prstTxWarp>
-          </a:bodyPr>
-          <a:lstStyle/>
-          <a:p>
-            <a:pPr marL="0" marR="0" indent="0" algn="just" defTabSz="914400" rtl="0" eaLnBrk="0" fontAlgn="base" latinLnBrk="0" hangingPunct="0">
-              <a:lnSpc>
-                <a:spcPct val="100000"/>
-              </a:lnSpc>
-              <a:spcBef>
-                <a:spcPct val="0"/>
-              </a:spcBef>
-              <a:spcAft>
-                <a:spcPct val="0"/>
-              </a:spcAft>
-              <a:buClrTx/>
-              <a:buSzTx/>
-              <a:buFontTx/>
-              <a:buNone/>
-              <a:tabLst/>
-            </a:pPr>
-            <a:r>
-              <a:rPr lang="en-GB" sz="1000" dirty="0">
-                <a:latin typeface="Arial" charset="0"/>
-              </a:rPr>
-              <a:t>Eclipse Kura</a:t>
-            </a:r>
-          </a:p>
-        </p:txBody>
-      </p:sp>
-      <p:sp>
-        <p:nvSpPr>
-          <p:cNvPr id="31" name="Rectangle 30"/>
-          <p:cNvSpPr/>
-          <p:nvPr/>
-        </p:nvSpPr>
-        <p:spPr bwMode="auto">
-          <a:xfrm>
-            <a:off x="5933787" y="1674651"/>
-            <a:ext cx="251885" cy="1513056"/>
-          </a:xfrm>
-          <a:prstGeom prst="rect">
-            <a:avLst/>
-          </a:prstGeom>
-          <a:solidFill>
-            <a:schemeClr val="tx2">
-              <a:lumMod val="40000"/>
-              <a:lumOff val="60000"/>
-            </a:schemeClr>
-          </a:solidFill>
-          <a:ln w="9525" cap="flat" cmpd="sng" algn="ctr">
-            <a:solidFill>
-              <a:schemeClr val="tx1"/>
-            </a:solidFill>
-            <a:prstDash val="solid"/>
-            <a:round/>
-            <a:headEnd type="none" w="sm" len="sm"/>
-            <a:tailEnd type="triangle" w="sm" len="sm"/>
-          </a:ln>
-          <a:effectLst/>
-          <a:extLst/>
-        </p:spPr>
-        <p:txBody>
-          <a:bodyPr vert="vert" wrap="none" lIns="82800" tIns="46800" rIns="82800" bIns="46800" numCol="1" rtlCol="0" anchor="ctr" anchorCtr="0" compatLnSpc="1">
-            <a:prstTxWarp prst="textNoShape">
-              <a:avLst/>
-            </a:prstTxWarp>
-          </a:bodyPr>
-          <a:lstStyle/>
-          <a:p>
-            <a:r>
-              <a:rPr lang="en-GB" sz="1200" dirty="0" smtClean="0"/>
-              <a:t>Kura Module</a:t>
-            </a:r>
-            <a:endParaRPr lang="en-GB" sz="1200" dirty="0"/>
-          </a:p>
-        </p:txBody>
-      </p:sp>
-      <p:cxnSp>
-        <p:nvCxnSpPr>
-          <p:cNvPr id="32" name="Straight Connector 31"/>
-          <p:cNvCxnSpPr>
-            <a:stCxn id="31" idx="3"/>
-            <a:endCxn id="33" idx="1"/>
-          </p:cNvCxnSpPr>
-          <p:nvPr/>
-        </p:nvCxnSpPr>
-        <p:spPr bwMode="auto">
-          <a:xfrm>
-            <a:off x="6185672" y="2431179"/>
-            <a:ext cx="280502" cy="6518"/>
-          </a:xfrm>
-          <a:prstGeom prst="line">
-            <a:avLst/>
-          </a:prstGeom>
-          <a:solidFill>
-            <a:schemeClr val="bg1"/>
-          </a:solidFill>
-          <a:ln w="9525" cap="flat" cmpd="sng" algn="ctr">
-            <a:solidFill>
-              <a:schemeClr val="tx1"/>
-            </a:solidFill>
-            <a:prstDash val="sysDash"/>
-            <a:round/>
-            <a:headEnd type="none" w="sm" len="sm"/>
-            <a:tailEnd type="none" w="sm" len="sm"/>
-          </a:ln>
-          <a:effectLst/>
-          <a:extLst>
-            <a:ext uri="{AF507438-7753-43E0-B8FC-AC1667EBCBE1}">
-              <a14:hiddenEffects xmlns:a14="http://schemas.microsoft.com/office/drawing/2010/main">
-                <a:effectLst>
-                  <a:outerShdw dist="35921" dir="2700000" algn="ctr" rotWithShape="0">
-                    <a:schemeClr val="bg2"/>
-                  </a:outerShdw>
-                </a:effectLst>
-              </a14:hiddenEffects>
-            </a:ext>
-          </a:extLst>
-        </p:spPr>
-      </p:cxnSp>
-      <p:sp>
-        <p:nvSpPr>
-          <p:cNvPr id="33" name="Rectangle 32"/>
-          <p:cNvSpPr/>
-          <p:nvPr/>
-        </p:nvSpPr>
-        <p:spPr bwMode="auto">
-          <a:xfrm>
-            <a:off x="6466174" y="1681169"/>
-            <a:ext cx="251885" cy="1513056"/>
-          </a:xfrm>
-          <a:prstGeom prst="rect">
-            <a:avLst/>
-          </a:prstGeom>
-          <a:solidFill>
-            <a:schemeClr val="tx2">
-              <a:lumMod val="40000"/>
-              <a:lumOff val="60000"/>
-            </a:schemeClr>
-          </a:solidFill>
-          <a:ln w="9525" cap="flat" cmpd="sng" algn="ctr">
-            <a:solidFill>
-              <a:schemeClr val="tx1"/>
-            </a:solidFill>
-            <a:prstDash val="solid"/>
-            <a:round/>
-            <a:headEnd type="none" w="sm" len="sm"/>
-            <a:tailEnd type="triangle" w="sm" len="sm"/>
-          </a:ln>
-          <a:effectLst/>
-          <a:extLst/>
-        </p:spPr>
-        <p:txBody>
-          <a:bodyPr vert="vert" wrap="none" lIns="82800" tIns="46800" rIns="82800" bIns="46800" numCol="1" rtlCol="0" anchor="ctr" anchorCtr="0" compatLnSpc="1">
-            <a:prstTxWarp prst="textNoShape">
-              <a:avLst/>
-            </a:prstTxWarp>
-          </a:bodyPr>
-          <a:lstStyle/>
-          <a:p>
-            <a:r>
-              <a:rPr lang="en-GB" sz="1200" dirty="0"/>
-              <a:t>Kura Module</a:t>
-            </a:r>
-          </a:p>
-        </p:txBody>
-      </p:sp>
-      <p:sp>
-        <p:nvSpPr>
-          <p:cNvPr id="34" name="Rectangle 33"/>
-          <p:cNvSpPr/>
-          <p:nvPr/>
-        </p:nvSpPr>
-        <p:spPr bwMode="auto">
-          <a:xfrm>
-            <a:off x="5153102" y="1669429"/>
-            <a:ext cx="251885" cy="1523499"/>
-          </a:xfrm>
-          <a:prstGeom prst="rect">
-            <a:avLst/>
-          </a:prstGeom>
-          <a:solidFill>
-            <a:srgbClr val="06FA23"/>
-          </a:solidFill>
-          <a:ln w="9525" cap="flat" cmpd="sng" algn="ctr">
-            <a:solidFill>
-              <a:schemeClr val="tx1"/>
-            </a:solidFill>
-            <a:prstDash val="solid"/>
-            <a:round/>
-            <a:headEnd type="none" w="sm" len="sm"/>
-            <a:tailEnd type="triangle" w="sm" len="sm"/>
-          </a:ln>
-          <a:effectLst/>
-          <a:extLst/>
-        </p:spPr>
-        <p:txBody>
-          <a:bodyPr vert="vert" wrap="none" lIns="82800" tIns="46800" rIns="82800" bIns="46800" numCol="1" rtlCol="0" anchor="ctr" anchorCtr="0" compatLnSpc="1">
-            <a:prstTxWarp prst="textNoShape">
-              <a:avLst/>
-            </a:prstTxWarp>
-          </a:bodyPr>
-          <a:lstStyle/>
-          <a:p>
-            <a:pPr algn="just" defTabSz="914400" eaLnBrk="0" fontAlgn="base" hangingPunct="0">
-              <a:spcBef>
-                <a:spcPct val="0"/>
-              </a:spcBef>
-              <a:spcAft>
-                <a:spcPct val="0"/>
-              </a:spcAft>
-            </a:pPr>
-            <a:r>
-              <a:rPr lang="en-GB" sz="1200" dirty="0">
-                <a:latin typeface="Arial" charset="0"/>
-              </a:rPr>
-              <a:t>Data collector</a:t>
-            </a:r>
-          </a:p>
-        </p:txBody>
-      </p:sp>
-      <p:sp>
-        <p:nvSpPr>
-          <p:cNvPr id="43" name="Rectangle 42"/>
-          <p:cNvSpPr/>
-          <p:nvPr/>
-        </p:nvSpPr>
-        <p:spPr>
-          <a:xfrm>
-            <a:off x="3324964" y="3835387"/>
-            <a:ext cx="4849552" cy="165253"/>
-          </a:xfrm>
-          <a:prstGeom prst="rect">
-            <a:avLst/>
-          </a:prstGeom>
-          <a:solidFill>
-            <a:schemeClr val="bg1"/>
-          </a:solidFill>
-          <a:ln>
-            <a:solidFill>
-              <a:schemeClr val="tx1"/>
-            </a:solidFill>
-          </a:ln>
-          <a:effectLst/>
-        </p:spPr>
-        <p:style>
-          <a:lnRef idx="1">
-            <a:schemeClr val="accent1"/>
-          </a:lnRef>
-          <a:fillRef idx="3">
-            <a:schemeClr val="accent1"/>
-          </a:fillRef>
-          <a:effectRef idx="2">
-            <a:schemeClr val="accent1"/>
-          </a:effectRef>
-          <a:fontRef idx="minor">
-            <a:schemeClr val="lt1"/>
-          </a:fontRef>
-        </p:style>
-        <p:txBody>
-          <a:bodyPr rot="0" spcFirstLastPara="0" vertOverflow="overflow" horzOverflow="overflow" vert="horz" wrap="square" lIns="91440" tIns="45720" rIns="91440" bIns="45720" numCol="1" spcCol="0" rtlCol="0" fromWordArt="0" anchor="ctr" anchorCtr="0" forceAA="0" compatLnSpc="1">
-            <a:prstTxWarp prst="textNoShape">
-              <a:avLst/>
-            </a:prstTxWarp>
-            <a:noAutofit/>
-          </a:bodyPr>
-          <a:lstStyle/>
-          <a:p>
-            <a:pPr algn="ctr"/>
-            <a:r>
-              <a:rPr lang="en-GB" sz="1100" b="1" dirty="0" smtClean="0">
-                <a:solidFill>
-                  <a:schemeClr val="tx1"/>
-                </a:solidFill>
-              </a:rPr>
-              <a:t>Java</a:t>
-            </a:r>
-          </a:p>
-        </p:txBody>
-      </p:sp>
-      <p:sp>
-        <p:nvSpPr>
-          <p:cNvPr id="44" name="Rectangle 43"/>
-          <p:cNvSpPr/>
-          <p:nvPr/>
-        </p:nvSpPr>
-        <p:spPr>
-          <a:xfrm>
-            <a:off x="3324964" y="4070413"/>
-            <a:ext cx="4849552" cy="165253"/>
-          </a:xfrm>
-          <a:prstGeom prst="rect">
-            <a:avLst/>
-          </a:prstGeom>
-          <a:solidFill>
-            <a:schemeClr val="bg1"/>
-          </a:solidFill>
-          <a:ln>
-            <a:solidFill>
-              <a:schemeClr val="tx1"/>
-            </a:solidFill>
-          </a:ln>
-          <a:effectLst/>
-        </p:spPr>
-        <p:style>
-          <a:lnRef idx="1">
-            <a:schemeClr val="accent1"/>
-          </a:lnRef>
-          <a:fillRef idx="3">
-            <a:schemeClr val="accent1"/>
-          </a:fillRef>
-          <a:effectRef idx="2">
-            <a:schemeClr val="accent1"/>
-          </a:effectRef>
-          <a:fontRef idx="minor">
-            <a:schemeClr val="lt1"/>
-          </a:fontRef>
-        </p:style>
-        <p:txBody>
-          <a:bodyPr rot="0" spcFirstLastPara="0" vertOverflow="overflow" horzOverflow="overflow" vert="horz" wrap="square" lIns="91440" tIns="45720" rIns="91440" bIns="45720" numCol="1" spcCol="0" rtlCol="0" fromWordArt="0" anchor="ctr" anchorCtr="0" forceAA="0" compatLnSpc="1">
-            <a:prstTxWarp prst="textNoShape">
-              <a:avLst/>
-            </a:prstTxWarp>
-            <a:noAutofit/>
-          </a:bodyPr>
-          <a:lstStyle/>
-          <a:p>
-            <a:pPr algn="ctr"/>
-            <a:r>
-              <a:rPr lang="en-GB" sz="1100" b="1" dirty="0" smtClean="0">
-                <a:solidFill>
-                  <a:schemeClr val="tx1"/>
-                </a:solidFill>
-              </a:rPr>
-              <a:t>OS</a:t>
-            </a:r>
-          </a:p>
-        </p:txBody>
-      </p:sp>
-      <p:pic>
-        <p:nvPicPr>
-          <p:cNvPr id="3074" name="Picture 2" descr="C:\aaaGitRepos\tmforumhack2017\TMForumVancouver2017Hack\documentation\kura_logo.png"/>
-          <p:cNvPicPr>
-            <a:picLocks noChangeAspect="1" noChangeArrowheads="1"/>
-          </p:cNvPicPr>
-          <p:nvPr/>
-        </p:nvPicPr>
-        <p:blipFill>
-          <a:blip r:embed="rId2">
-            <a:extLst>
-              <a:ext uri="{28A0092B-C50C-407E-A947-70E740481C1C}">
-                <a14:useLocalDpi xmlns:a14="http://schemas.microsoft.com/office/drawing/2010/main" val="0"/>
-              </a:ext>
-            </a:extLst>
-          </a:blip>
-          <a:srcRect/>
-          <a:stretch>
-            <a:fillRect/>
-          </a:stretch>
-        </p:blipFill>
-        <p:spPr bwMode="auto">
-          <a:xfrm>
-            <a:off x="5407011" y="1015053"/>
-            <a:ext cx="1322058" cy="377731"/>
-          </a:xfrm>
-          <a:prstGeom prst="rect">
-            <a:avLst/>
-          </a:prstGeom>
-          <a:noFill/>
-          <a:extLst>
-            <a:ext uri="{909E8E84-426E-40DD-AFC4-6F175D3DCCD1}">
-              <a14:hiddenFill xmlns:a14="http://schemas.microsoft.com/office/drawing/2010/main">
-                <a:solidFill>
-                  <a:srgbClr val="FFFFFF"/>
-                </a:solidFill>
-              </a14:hiddenFill>
-            </a:ext>
-          </a:extLst>
-        </p:spPr>
-      </p:pic>
-      <p:pic>
-        <p:nvPicPr>
-          <p:cNvPr id="3075" name="Picture 3" descr="C:\aaaGitRepos\tmforumhack2017\TMForumVancouver2017Hack\documentation\openhab-logo-top.png"/>
-          <p:cNvPicPr>
-            <a:picLocks noChangeAspect="1" noChangeArrowheads="1"/>
-          </p:cNvPicPr>
-          <p:nvPr/>
-        </p:nvPicPr>
-        <p:blipFill>
-          <a:blip r:embed="rId3">
-            <a:extLst>
-              <a:ext uri="{28A0092B-C50C-407E-A947-70E740481C1C}">
-                <a14:useLocalDpi xmlns:a14="http://schemas.microsoft.com/office/drawing/2010/main" val="0"/>
-              </a:ext>
-            </a:extLst>
-          </a:blip>
-          <a:srcRect/>
-          <a:stretch>
-            <a:fillRect/>
-          </a:stretch>
-        </p:blipFill>
-        <p:spPr bwMode="auto">
-          <a:xfrm>
-            <a:off x="6941315" y="1036244"/>
-            <a:ext cx="1292458" cy="356540"/>
-          </a:xfrm>
-          <a:prstGeom prst="rect">
-            <a:avLst/>
-          </a:prstGeom>
-          <a:noFill/>
-          <a:extLst>
-            <a:ext uri="{909E8E84-426E-40DD-AFC4-6F175D3DCCD1}">
-              <a14:hiddenFill xmlns:a14="http://schemas.microsoft.com/office/drawing/2010/main">
-                <a:solidFill>
-                  <a:srgbClr val="FFFFFF"/>
-                </a:solidFill>
-              </a14:hiddenFill>
-            </a:ext>
-          </a:extLst>
-        </p:spPr>
-      </p:pic>
-      <p:pic>
-        <p:nvPicPr>
-          <p:cNvPr id="3077" name="Picture 5" descr="C:\aaaGitRepos\tmforumhack2017\TMForumVancouver2017Hack\documentation\ApacheKarafLogo.png"/>
-          <p:cNvPicPr>
-            <a:picLocks noChangeAspect="1" noChangeArrowheads="1"/>
-          </p:cNvPicPr>
-          <p:nvPr/>
-        </p:nvPicPr>
-        <p:blipFill>
-          <a:blip r:embed="rId4">
-            <a:extLst>
-              <a:ext uri="{28A0092B-C50C-407E-A947-70E740481C1C}">
-                <a14:useLocalDpi xmlns:a14="http://schemas.microsoft.com/office/drawing/2010/main" val="0"/>
-              </a:ext>
-            </a:extLst>
-          </a:blip>
-          <a:srcRect/>
-          <a:stretch>
-            <a:fillRect/>
-          </a:stretch>
-        </p:blipFill>
-        <p:spPr bwMode="auto">
-          <a:xfrm>
-            <a:off x="2172089" y="4000640"/>
-            <a:ext cx="934668" cy="382364"/>
-          </a:xfrm>
-          <a:prstGeom prst="rect">
-            <a:avLst/>
-          </a:prstGeom>
-          <a:noFill/>
-          <a:extLst>
-            <a:ext uri="{909E8E84-426E-40DD-AFC4-6F175D3DCCD1}">
-              <a14:hiddenFill xmlns:a14="http://schemas.microsoft.com/office/drawing/2010/main">
-                <a:solidFill>
-                  <a:srgbClr val="FFFFFF"/>
-                </a:solidFill>
-              </a14:hiddenFill>
-            </a:ext>
-          </a:extLst>
-        </p:spPr>
-      </p:pic>
-      <p:pic>
-        <p:nvPicPr>
-          <p:cNvPr id="3078" name="Picture 6" descr="C:\aaaGitRepos\tmforumhack2017\TMForumVancouver2017Hack\documentation\osgologo.png"/>
-          <p:cNvPicPr>
-            <a:picLocks noChangeAspect="1" noChangeArrowheads="1"/>
-          </p:cNvPicPr>
-          <p:nvPr/>
-        </p:nvPicPr>
-        <p:blipFill>
-          <a:blip r:embed="rId5">
-            <a:extLst>
-              <a:ext uri="{28A0092B-C50C-407E-A947-70E740481C1C}">
-                <a14:useLocalDpi xmlns:a14="http://schemas.microsoft.com/office/drawing/2010/main" val="0"/>
-              </a:ext>
-            </a:extLst>
-          </a:blip>
-          <a:srcRect/>
-          <a:stretch>
-            <a:fillRect/>
-          </a:stretch>
-        </p:blipFill>
-        <p:spPr bwMode="auto">
-          <a:xfrm>
-            <a:off x="2172089" y="3487744"/>
-            <a:ext cx="771976" cy="341319"/>
-          </a:xfrm>
-          <a:prstGeom prst="rect">
-            <a:avLst/>
-          </a:prstGeom>
-          <a:noFill/>
-          <a:extLst>
-            <a:ext uri="{909E8E84-426E-40DD-AFC4-6F175D3DCCD1}">
-              <a14:hiddenFill xmlns:a14="http://schemas.microsoft.com/office/drawing/2010/main">
-                <a:solidFill>
-                  <a:srgbClr val="FFFFFF"/>
-                </a:solidFill>
-              </a14:hiddenFill>
-            </a:ext>
-          </a:extLst>
-        </p:spPr>
-      </p:pic>
-      <p:pic>
-        <p:nvPicPr>
-          <p:cNvPr id="3079" name="Picture 7" descr="C:\aaaGitRepos\tmforumhack2017\TMForumVancouver2017Hack\documentation\opennmsLogo.png"/>
-          <p:cNvPicPr>
-            <a:picLocks noChangeAspect="1" noChangeArrowheads="1"/>
-          </p:cNvPicPr>
-          <p:nvPr/>
-        </p:nvPicPr>
-        <p:blipFill>
-          <a:blip r:embed="rId6">
-            <a:extLst>
-              <a:ext uri="{28A0092B-C50C-407E-A947-70E740481C1C}">
-                <a14:useLocalDpi xmlns:a14="http://schemas.microsoft.com/office/drawing/2010/main" val="0"/>
-              </a:ext>
-            </a:extLst>
-          </a:blip>
-          <a:srcRect/>
-          <a:stretch>
-            <a:fillRect/>
-          </a:stretch>
-        </p:blipFill>
-        <p:spPr bwMode="auto">
-          <a:xfrm>
-            <a:off x="3856217" y="1036244"/>
-            <a:ext cx="1210073" cy="305902"/>
-          </a:xfrm>
-          <a:prstGeom prst="rect">
-            <a:avLst/>
-          </a:prstGeom>
-          <a:noFill/>
-          <a:extLst>
-            <a:ext uri="{909E8E84-426E-40DD-AFC4-6F175D3DCCD1}">
-              <a14:hiddenFill xmlns:a14="http://schemas.microsoft.com/office/drawing/2010/main">
-                <a:solidFill>
-                  <a:srgbClr val="FFFFFF"/>
-                </a:solidFill>
-              </a14:hiddenFill>
-            </a:ext>
-          </a:extLst>
-        </p:spPr>
-      </p:pic>
-      <p:sp>
-        <p:nvSpPr>
-          <p:cNvPr id="63" name="Content Placeholder 3"/>
-          <p:cNvSpPr>
-            <a:spLocks noGrp="1"/>
-          </p:cNvSpPr>
-          <p:nvPr>
-            <p:ph idx="1"/>
-          </p:nvPr>
-        </p:nvSpPr>
-        <p:spPr>
-          <a:xfrm>
-            <a:off x="147892" y="691656"/>
-            <a:ext cx="2707664" cy="3468603"/>
-          </a:xfrm>
-        </p:spPr>
-        <p:txBody>
-          <a:bodyPr>
-            <a:normAutofit/>
-          </a:bodyPr>
-          <a:lstStyle/>
-          <a:p>
-            <a:pPr>
-              <a:spcBef>
-                <a:spcPts val="600"/>
-              </a:spcBef>
-            </a:pPr>
-            <a:r>
-              <a:rPr lang="en-GB" sz="2000" baseline="30000" dirty="0"/>
-              <a:t>Java </a:t>
-            </a:r>
-            <a:r>
-              <a:rPr lang="en-GB" sz="2000" baseline="30000" dirty="0" err="1"/>
-              <a:t>IoT</a:t>
-            </a:r>
-            <a:r>
-              <a:rPr lang="en-GB" sz="2000" baseline="30000" dirty="0"/>
-              <a:t> Ecosystem</a:t>
-            </a:r>
-          </a:p>
-          <a:p>
-            <a:pPr lvl="1">
-              <a:spcBef>
-                <a:spcPts val="600"/>
-              </a:spcBef>
-            </a:pPr>
-            <a:r>
-              <a:rPr lang="en-GB" sz="1600" baseline="30000" dirty="0" smtClean="0"/>
-              <a:t>Apache </a:t>
-            </a:r>
-            <a:r>
-              <a:rPr lang="en-GB" sz="1600" baseline="30000" dirty="0" err="1" smtClean="0"/>
-              <a:t>karaf</a:t>
-            </a:r>
-            <a:endParaRPr lang="en-GB" sz="1600" baseline="30000" dirty="0" smtClean="0"/>
-          </a:p>
-          <a:p>
-            <a:pPr lvl="1">
-              <a:spcBef>
-                <a:spcPts val="600"/>
-              </a:spcBef>
-            </a:pPr>
-            <a:r>
-              <a:rPr lang="en-GB" sz="1600" baseline="30000" dirty="0" smtClean="0"/>
-              <a:t>Eclipse Kura</a:t>
-            </a:r>
-          </a:p>
-          <a:p>
-            <a:pPr lvl="1">
-              <a:spcBef>
-                <a:spcPts val="600"/>
-              </a:spcBef>
-            </a:pPr>
-            <a:r>
-              <a:rPr lang="en-GB" sz="1600" baseline="30000" dirty="0" err="1" smtClean="0"/>
-              <a:t>OpenHab</a:t>
-            </a:r>
-            <a:endParaRPr lang="en-GB" sz="1600" baseline="30000" dirty="0" smtClean="0"/>
-          </a:p>
-          <a:p>
-            <a:pPr>
-              <a:spcBef>
-                <a:spcPts val="600"/>
-              </a:spcBef>
-            </a:pPr>
-            <a:endParaRPr lang="en-GB" sz="2000" baseline="30000" dirty="0" smtClean="0"/>
-          </a:p>
-          <a:p>
-            <a:pPr>
-              <a:spcBef>
-                <a:spcPts val="600"/>
-              </a:spcBef>
-            </a:pPr>
-            <a:r>
-              <a:rPr lang="en-GB" sz="2000" baseline="30000" dirty="0" err="1" smtClean="0"/>
-              <a:t>OpenNMS</a:t>
-            </a:r>
-            <a:r>
-              <a:rPr lang="en-GB" sz="2000" baseline="30000" dirty="0" smtClean="0"/>
-              <a:t> </a:t>
-            </a:r>
-            <a:r>
-              <a:rPr lang="en-GB" sz="2000" baseline="30000" dirty="0" err="1" smtClean="0"/>
-              <a:t>Karaf</a:t>
-            </a:r>
-            <a:r>
-              <a:rPr lang="en-GB" sz="2000" baseline="30000" dirty="0" smtClean="0"/>
-              <a:t> Management</a:t>
-            </a:r>
-          </a:p>
-          <a:p>
-            <a:pPr lvl="1">
-              <a:spcBef>
-                <a:spcPts val="600"/>
-              </a:spcBef>
-            </a:pPr>
-            <a:r>
-              <a:rPr lang="en-GB" sz="1600" baseline="30000" dirty="0" smtClean="0"/>
-              <a:t>Minions – remote data collectors</a:t>
-            </a:r>
-          </a:p>
-          <a:p>
-            <a:pPr lvl="1">
-              <a:spcBef>
-                <a:spcPts val="600"/>
-              </a:spcBef>
-            </a:pPr>
-            <a:r>
-              <a:rPr lang="en-GB" sz="1600" baseline="30000" dirty="0" err="1" smtClean="0"/>
-              <a:t>Karaf</a:t>
-            </a:r>
-            <a:r>
-              <a:rPr lang="en-GB" sz="1600" baseline="30000" dirty="0" smtClean="0"/>
-              <a:t> Feature manager </a:t>
-            </a:r>
-          </a:p>
-          <a:p>
-            <a:pPr lvl="1">
-              <a:spcBef>
-                <a:spcPts val="600"/>
-              </a:spcBef>
-            </a:pPr>
-            <a:r>
-              <a:rPr lang="en-GB" sz="1600" baseline="30000" dirty="0" err="1" smtClean="0"/>
-              <a:t>Karaf</a:t>
-            </a:r>
-            <a:r>
-              <a:rPr lang="en-GB" sz="1600" dirty="0" smtClean="0"/>
-              <a:t> </a:t>
-            </a:r>
-            <a:r>
-              <a:rPr lang="en-GB" sz="1600" baseline="30000" dirty="0" smtClean="0"/>
-              <a:t>Licence manager</a:t>
-            </a:r>
-          </a:p>
-          <a:p>
-            <a:pPr lvl="1">
-              <a:spcBef>
-                <a:spcPts val="600"/>
-              </a:spcBef>
-            </a:pPr>
-            <a:r>
-              <a:rPr lang="en-GB" sz="1600" baseline="30000" dirty="0" err="1" smtClean="0"/>
-              <a:t>Karaf</a:t>
-            </a:r>
-            <a:r>
-              <a:rPr lang="en-GB" sz="1600" baseline="30000" dirty="0" smtClean="0"/>
-              <a:t> Plugin Manager</a:t>
-            </a:r>
-          </a:p>
-          <a:p>
-            <a:pPr lvl="1">
-              <a:spcBef>
-                <a:spcPts val="600"/>
-              </a:spcBef>
-            </a:pPr>
-            <a:r>
-              <a:rPr lang="en-GB" sz="1600" baseline="30000" dirty="0" smtClean="0"/>
-              <a:t>JMX Data collection</a:t>
-            </a:r>
-            <a:endParaRPr lang="en-GB" sz="1600" baseline="30000" dirty="0"/>
-          </a:p>
-        </p:txBody>
-      </p:sp>
-    </p:spTree>
-    <p:extLst>
-      <p:ext uri="{BB962C8B-B14F-4D97-AF65-F5344CB8AC3E}">
-        <p14:creationId xmlns:p14="http://schemas.microsoft.com/office/powerpoint/2010/main" val="449414984"/>
-      </p:ext>
-    </p:extLst>
-  </p:cSld>
-  <p:clrMapOvr>
-    <a:masterClrMapping/>
-  </p:clrMapOvr>
-  <mc:AlternateContent xmlns:mc="http://schemas.openxmlformats.org/markup-compatibility/2006" xmlns:p14="http://schemas.microsoft.com/office/powerpoint/2010/main">
-    <mc:Choice Requires="p14">
-      <p:transition p14:dur="10"/>
-    </mc:Choice>
-    <mc:Fallback xmlns="">
-      <p:transition/>
-    </mc:Fallback>
-  </mc:AlternateContent>
 </p:sld>
 </file>
 
@@ -19034,7 +16023,7 @@
   <a:extraClrSchemeLst/>
   <a:extLst>
     <a:ext uri="{05A4C25C-085E-4340-85A3-A5531E510DB2}">
-      <thm15:themeFamily xmlns:thm15="http://schemas.microsoft.com/office/thememl/2012/main" xmlns="" name="Office Theme" id="{62F939B6-93AF-4DB8-9C6B-D6C7DFDC589F}" vid="{4A3C46E8-61CC-4603-A589-7422A47A8E4A}"/>
+      <thm15:themeFamily xmlns="" xmlns:thm15="http://schemas.microsoft.com/office/thememl/2012/main" name="Office Theme" id="{62F939B6-93AF-4DB8-9C6B-D6C7DFDC589F}" vid="{4A3C46E8-61CC-4603-A589-7422A47A8E4A}"/>
     </a:ext>
   </a:extLst>
 </a:theme>
